--- a/presentation/slides.pptx
+++ b/presentation/slides.pptx
@@ -32,7 +32,7 @@
     <p:sldId id="280" r:id="rId31"/>
     <p:sldId id="281" r:id="rId32"/>
   </p:sldIdLst>
-  <p:sldSz cx="9144000" cy="6858000" type="screen4x3"/>
+  <p:sldSz cx="9144000" cy="5143500" type="screen4x3"/>
   <p:notesSz cx="6858000" cy="9144000"/>
   <p:defaultTextStyle>
     <a:defPPr>
@@ -3106,6 +3106,14 @@
 <file path=ppt/slides/slide1.xml><?xml version="1.0" encoding="utf-8"?>
 <p:sld xmlns:a="http://schemas.openxmlformats.org/drawingml/2006/main" xmlns:p="http://schemas.openxmlformats.org/presentationml/2006/main" xmlns:r="http://schemas.openxmlformats.org/officeDocument/2006/relationships">
   <p:cSld>
+    <p:bg>
+      <p:bgPr>
+        <a:solidFill>
+          <a:srgbClr val="1C2833"/>
+        </a:solidFill>
+        <a:effectLst/>
+      </p:bgPr>
+    </p:bg>
     <p:spTree>
       <p:nvGrpSpPr>
         <p:cNvPr id="1" name=""/>
@@ -3115,19 +3123,33 @@
       <p:grpSpPr/>
       <p:sp>
         <p:nvSpPr>
-          <p:cNvPr id="2" name="Title 1"/>
-          <p:cNvSpPr>
-            <a:spLocks noGrp="1"/>
-          </p:cNvSpPr>
-          <p:nvPr>
-            <p:ph type="ctrTitle"/>
-          </p:nvPr>
-        </p:nvSpPr>
-        <p:spPr/>
-        <p:txBody>
-          <a:bodyPr/>
-          <a:lstStyle/>
-          <a:p>
+          <p:cNvPr id="2" name="TextBox 1"/>
+          <p:cNvSpPr txBox="1"/>
+          <p:nvPr/>
+        </p:nvSpPr>
+        <p:spPr>
+          <a:xfrm>
+            <a:off x="457200" y="1371600"/>
+            <a:ext cx="8229600" cy="914400"/>
+          </a:xfrm>
+          <a:prstGeom prst="rect">
+            <a:avLst/>
+          </a:prstGeom>
+          <a:noFill/>
+        </p:spPr>
+        <p:txBody>
+          <a:bodyPr wrap="none">
+            <a:spAutoFit/>
+          </a:bodyPr>
+          <a:lstStyle/>
+          <a:p>
+            <a:pPr algn="ctr">
+              <a:defRPr sz="3600" b="1">
+                <a:solidFill>
+                  <a:srgbClr val="F4F6F6"/>
+                </a:solidFill>
+              </a:defRPr>
+            </a:pPr>
             <a:r>
               <a:t>型理論ベース</a:t>
             </a:r>
@@ -3141,27 +3163,70 @@
       </p:sp>
       <p:sp>
         <p:nvSpPr>
-          <p:cNvPr id="3" name="Subtitle 2"/>
-          <p:cNvSpPr>
-            <a:spLocks noGrp="1"/>
-          </p:cNvSpPr>
-          <p:nvPr>
-            <p:ph type="subTitle" idx="1"/>
-          </p:nvPr>
-        </p:nvSpPr>
-        <p:spPr/>
-        <p:txBody>
-          <a:bodyPr/>
-          <a:lstStyle/>
-          <a:p>
-            <a:r>
-              <a:t>Type-Theoretic Ontology Synthesis System</a:t>
-            </a:r>
-          </a:p>
-          <a:p/>
-          <a:p>
-            <a:r>
-              <a:t>型理論と圏論に基づくオントロジー変換の自動探索・合成</a:t>
+          <p:cNvPr id="3" name="TextBox 2"/>
+          <p:cNvSpPr txBox="1"/>
+          <p:nvPr/>
+        </p:nvSpPr>
+        <p:spPr>
+          <a:xfrm>
+            <a:off x="457200" y="2468880"/>
+            <a:ext cx="8229600" cy="457200"/>
+          </a:xfrm>
+          <a:prstGeom prst="rect">
+            <a:avLst/>
+          </a:prstGeom>
+          <a:noFill/>
+        </p:spPr>
+        <p:txBody>
+          <a:bodyPr wrap="none">
+            <a:spAutoFit/>
+          </a:bodyPr>
+          <a:lstStyle/>
+          <a:p>
+            <a:pPr algn="ctr">
+              <a:defRPr sz="2000">
+                <a:solidFill>
+                  <a:srgbClr val="5EA8A7"/>
+                </a:solidFill>
+              </a:defRPr>
+            </a:pPr>
+            <a:r>
+              <a:t>Type-Theoretic Ontology Exploration and Synthesis</a:t>
+            </a:r>
+          </a:p>
+        </p:txBody>
+      </p:sp>
+      <p:sp>
+        <p:nvSpPr>
+          <p:cNvPr id="4" name="TextBox 3"/>
+          <p:cNvSpPr txBox="1"/>
+          <p:nvPr/>
+        </p:nvSpPr>
+        <p:spPr>
+          <a:xfrm>
+            <a:off x="457200" y="3657600"/>
+            <a:ext cx="8229600" cy="274320"/>
+          </a:xfrm>
+          <a:prstGeom prst="rect">
+            <a:avLst/>
+          </a:prstGeom>
+          <a:noFill/>
+        </p:spPr>
+        <p:txBody>
+          <a:bodyPr wrap="none">
+            <a:spAutoFit/>
+          </a:bodyPr>
+          <a:lstStyle/>
+          <a:p>
+            <a:pPr algn="ctr">
+              <a:defRPr sz="1800">
+                <a:solidFill>
+                  <a:srgbClr val="F4F6F6"/>
+                </a:solidFill>
+              </a:defRPr>
+            </a:pPr>
+            <a:r>
+              <a:t>カテゴリ理論 × 型理論 × オントロジー工学</a:t>
             </a:r>
           </a:p>
         </p:txBody>
@@ -3177,6 +3242,14 @@
 <file path=ppt/slides/slide10.xml><?xml version="1.0" encoding="utf-8"?>
 <p:sld xmlns:a="http://schemas.openxmlformats.org/drawingml/2006/main" xmlns:p="http://schemas.openxmlformats.org/presentationml/2006/main" xmlns:r="http://schemas.openxmlformats.org/officeDocument/2006/relationships">
   <p:cSld>
+    <p:bg>
+      <p:bgPr>
+        <a:solidFill>
+          <a:srgbClr val="F4F6F6"/>
+        </a:solidFill>
+        <a:effectLst/>
+      </p:bgPr>
+    </p:bg>
     <p:spTree>
       <p:nvGrpSpPr>
         <p:cNvPr id="1" name=""/>
@@ -3186,128 +3259,240 @@
       <p:grpSpPr/>
       <p:sp>
         <p:nvSpPr>
-          <p:cNvPr id="2" name="Title 1"/>
-          <p:cNvSpPr>
-            <a:spLocks noGrp="1"/>
-          </p:cNvSpPr>
-          <p:nvPr>
-            <p:ph type="title"/>
-          </p:nvPr>
-        </p:nvSpPr>
-        <p:spPr/>
-        <p:txBody>
-          <a:bodyPr/>
-          <a:lstStyle/>
-          <a:p>
-            <a:r>
-              <a:t>カタログ定義（catalog.yaml）</a:t>
-            </a:r>
-          </a:p>
-        </p:txBody>
-      </p:sp>
-      <p:sp>
-        <p:nvSpPr>
-          <p:cNvPr id="3" name="Content Placeholder 2"/>
-          <p:cNvSpPr>
-            <a:spLocks noGrp="1"/>
-          </p:cNvSpPr>
-          <p:nvPr>
-            <p:ph idx="1"/>
-          </p:nvPr>
-        </p:nvSpPr>
-        <p:spPr/>
-        <p:txBody>
-          <a:bodyPr/>
-          <a:lstStyle/>
-          <a:p>
-            <a:pPr>
-              <a:defRPr sz="1400">
+          <p:cNvPr id="2" name="TextBox 1"/>
+          <p:cNvSpPr txBox="1"/>
+          <p:nvPr/>
+        </p:nvSpPr>
+        <p:spPr>
+          <a:xfrm>
+            <a:off x="457200" y="274320"/>
+            <a:ext cx="8229600" cy="548640"/>
+          </a:xfrm>
+          <a:prstGeom prst="rect">
+            <a:avLst/>
+          </a:prstGeom>
+          <a:noFill/>
+        </p:spPr>
+        <p:txBody>
+          <a:bodyPr wrap="none">
+            <a:spAutoFit/>
+          </a:bodyPr>
+          <a:lstStyle/>
+          <a:p>
+            <a:pPr>
+              <a:defRPr sz="3200" b="1">
+                <a:solidFill>
+                  <a:srgbClr val="1C2833"/>
+                </a:solidFill>
+              </a:defRPr>
+            </a:pPr>
+            <a:r>
+              <a:t>探索アルゴリズム</a:t>
+            </a:r>
+          </a:p>
+        </p:txBody>
+      </p:sp>
+      <p:sp>
+        <p:nvSpPr>
+          <p:cNvPr id="3" name="TextBox 2"/>
+          <p:cNvSpPr txBox="1"/>
+          <p:nvPr/>
+        </p:nvSpPr>
+        <p:spPr>
+          <a:xfrm>
+            <a:off x="457200" y="1097280"/>
+            <a:ext cx="8229600" cy="365760"/>
+          </a:xfrm>
+          <a:prstGeom prst="rect">
+            <a:avLst/>
+          </a:prstGeom>
+          <a:noFill/>
+        </p:spPr>
+        <p:txBody>
+          <a:bodyPr wrap="none">
+            <a:spAutoFit/>
+          </a:bodyPr>
+          <a:lstStyle/>
+          <a:p>
+            <a:pPr>
+              <a:defRPr sz="2400" b="1">
+                <a:solidFill>
+                  <a:srgbClr val="5EA8A7"/>
+                </a:solidFill>
+              </a:defRPr>
+            </a:pPr>
+            <a:r>
+              <a:t>Dijkstra後方探索</a:t>
+            </a:r>
+          </a:p>
+        </p:txBody>
+      </p:sp>
+      <p:sp>
+        <p:nvSpPr>
+          <p:cNvPr id="4" name="TextBox 3"/>
+          <p:cNvSpPr txBox="1"/>
+          <p:nvPr/>
+        </p:nvSpPr>
+        <p:spPr>
+          <a:xfrm>
+            <a:off x="457200" y="1371600"/>
+            <a:ext cx="8229600" cy="2011680"/>
+          </a:xfrm>
+          <a:prstGeom prst="rect">
+            <a:avLst/>
+          </a:prstGeom>
+          <a:solidFill>
+            <a:srgbClr val="ECF0F1"/>
+          </a:solidFill>
+          <a:ln w="12700">
+            <a:solidFill>
+              <a:srgbClr val="AAB7B8"/>
+            </a:solidFill>
+          </a:ln>
+        </p:spPr>
+        <p:txBody>
+          <a:bodyPr wrap="none" lIns="127000" tIns="127000" rIns="127000" bIns="127000">
+            <a:spAutoFit/>
+          </a:bodyPr>
+          <a:lstStyle/>
+          <a:p>
+            <a:pPr>
+              <a:defRPr sz="1300">
+                <a:solidFill>
+                  <a:srgbClr val="1C2833"/>
+                </a:solidFill>
                 <a:latin typeface="Courier New"/>
               </a:defRPr>
             </a:pPr>
             <a:r>
-              <a:t>types:</a:t>
-            </a:r>
-          </a:p>
-          <a:p>
-            <a:pPr>
-              <a:defRPr sz="1400">
-                <a:latin typeface="Courier New"/>
-              </a:defRPr>
-            </a:pPr>
-            <a:r>
-              <a:t>  - name: Product</a:t>
-            </a:r>
-          </a:p>
-          <a:p>
-            <a:pPr>
-              <a:defRPr sz="1400">
-                <a:latin typeface="Courier New"/>
-              </a:defRPr>
-            </a:pPr>
-            <a:r>
-              <a:t>  - name: Energy</a:t>
-            </a:r>
-          </a:p>
-          <a:p>
-            <a:pPr>
-              <a:defRPr sz="1400">
-                <a:latin typeface="Courier New"/>
-              </a:defRPr>
-            </a:pPr>
-            <a:r>
-              <a:t>    unit: J</a:t>
+              <a:t>def synthesize_backward(catalog, source_type, goal_type):</a:t>
+            </a:r>
+          </a:p>
+          <a:p>
+            <a:r>
+              <a:t>    pq = [(0.0, 0.0, counter, goal_type, [])]</a:t>
+            </a:r>
+          </a:p>
+          <a:p>
+            <a:r>
+              <a:t>    visited = set()</a:t>
             </a:r>
           </a:p>
           <a:p/>
           <a:p>
-            <a:pPr>
-              <a:defRPr sz="1400">
-                <a:latin typeface="Courier New"/>
-              </a:defRPr>
-            </a:pPr>
-            <a:r>
-              <a:t>functions:</a:t>
-            </a:r>
-          </a:p>
-          <a:p>
-            <a:pPr>
-              <a:defRPr sz="1400">
-                <a:latin typeface="Courier New"/>
-              </a:defRPr>
-            </a:pPr>
-            <a:r>
-              <a:t>  - id: usesEnergy</a:t>
-            </a:r>
-          </a:p>
-          <a:p>
-            <a:pPr>
-              <a:defRPr sz="1400">
-                <a:latin typeface="Courier New"/>
-              </a:defRPr>
-            </a:pPr>
-            <a:r>
-              <a:t>    sig: "Product -&gt; Energy"</a:t>
-            </a:r>
-          </a:p>
-          <a:p>
-            <a:pPr>
-              <a:defRPr sz="1400">
-                <a:latin typeface="Courier New"/>
-              </a:defRPr>
-            </a:pPr>
-            <a:r>
-              <a:t>    cost: 1</a:t>
-            </a:r>
-          </a:p>
-          <a:p>
-            <a:pPr>
-              <a:defRPr sz="1400">
-                <a:latin typeface="Courier New"/>
-              </a:defRPr>
-            </a:pPr>
-            <a:r>
-              <a:t>    confidence: 0.9</a:t>
+            <a:r>
+              <a:t>    while pq:</a:t>
+            </a:r>
+          </a:p>
+          <a:p>
+            <a:r>
+              <a:t>        cum_cost, cum_conf, _, current_type, path = heappop(pq)</a:t>
+            </a:r>
+          </a:p>
+          <a:p/>
+          <a:p>
+            <a:r>
+              <a:t>        if current_type == source_type:</a:t>
+            </a:r>
+          </a:p>
+          <a:p>
+            <a:r>
+              <a:t>            return path  # Solution found</a:t>
+            </a:r>
+          </a:p>
+          <a:p/>
+          <a:p>
+            <a:r>
+              <a:t>        for func in catalog.functions:</a:t>
+            </a:r>
+          </a:p>
+          <a:p>
+            <a:r>
+              <a:t>            if func.target == current_type:</a:t>
+            </a:r>
+          </a:p>
+          <a:p>
+            <a:r>
+              <a:t>                next_type = func.source</a:t>
+            </a:r>
+          </a:p>
+          <a:p>
+            <a:r>
+              <a:t>                new_cost = cum_cost + func.cost</a:t>
+            </a:r>
+          </a:p>
+          <a:p>
+            <a:r>
+              <a:t>                new_conf = cum_conf + (1.0 - func.confidence)</a:t>
+            </a:r>
+          </a:p>
+          <a:p>
+            <a:r>
+              <a:t>                heappush(pq, (new_cost, new_conf, counter,</a:t>
+            </a:r>
+          </a:p>
+          <a:p>
+            <a:r>
+              <a:t>                         next_type, [func] + path))</a:t>
+            </a:r>
+          </a:p>
+        </p:txBody>
+      </p:sp>
+      <p:sp>
+        <p:nvSpPr>
+          <p:cNvPr id="5" name="TextBox 4"/>
+          <p:cNvSpPr txBox="1"/>
+          <p:nvPr/>
+        </p:nvSpPr>
+        <p:spPr>
+          <a:xfrm>
+            <a:off x="457200" y="3566160"/>
+            <a:ext cx="8229600" cy="548640"/>
+          </a:xfrm>
+          <a:prstGeom prst="rect">
+            <a:avLst/>
+          </a:prstGeom>
+          <a:noFill/>
+        </p:spPr>
+        <p:txBody>
+          <a:bodyPr wrap="square">
+            <a:spAutoFit/>
+          </a:bodyPr>
+          <a:lstStyle/>
+          <a:p>
+            <a:pPr>
+              <a:lnSpc>
+                <a:spcPct val="140000"/>
+              </a:lnSpc>
+              <a:spcBef>
+                <a:spcPts val="600"/>
+              </a:spcBef>
+              <a:defRPr sz="1600">
+                <a:solidFill>
+                  <a:srgbClr val="1C2833"/>
+                </a:solidFill>
+              </a:defRPr>
+            </a:pPr>
+            <a:r>
+              <a:t>• 優先度キュー: (コスト, 信頼度損失, カウンタ, 型, パス)</a:t>
+            </a:r>
+          </a:p>
+          <a:p>
+            <a:pPr>
+              <a:lnSpc>
+                <a:spcPct val="140000"/>
+              </a:lnSpc>
+              <a:spcBef>
+                <a:spcPts val="600"/>
+              </a:spcBef>
+              <a:defRPr sz="1600">
+                <a:solidFill>
+                  <a:srgbClr val="1C2833"/>
+                </a:solidFill>
+              </a:defRPr>
+            </a:pPr>
+            <a:r>
+              <a:t>• ゴールから開始、ソースに到達するまで後方探索</a:t>
             </a:r>
           </a:p>
         </p:txBody>
@@ -3323,6 +3508,14 @@
 <file path=ppt/slides/slide11.xml><?xml version="1.0" encoding="utf-8"?>
 <p:sld xmlns:a="http://schemas.openxmlformats.org/drawingml/2006/main" xmlns:p="http://schemas.openxmlformats.org/presentationml/2006/main" xmlns:r="http://schemas.openxmlformats.org/officeDocument/2006/relationships">
   <p:cSld>
+    <p:bg>
+      <p:bgPr>
+        <a:solidFill>
+          <a:srgbClr val="F4F6F6"/>
+        </a:solidFill>
+        <a:effectLst/>
+      </p:bgPr>
+    </p:bg>
     <p:spTree>
       <p:nvGrpSpPr>
         <p:cNvPr id="1" name=""/>
@@ -3332,102 +3525,371 @@
       <p:grpSpPr/>
       <p:sp>
         <p:nvSpPr>
-          <p:cNvPr id="2" name="Title 1"/>
-          <p:cNvSpPr>
-            <a:spLocks noGrp="1"/>
-          </p:cNvSpPr>
-          <p:nvPr>
-            <p:ph type="title"/>
-          </p:nvPr>
-        </p:nvSpPr>
-        <p:spPr/>
-        <p:txBody>
-          <a:bodyPr/>
-          <a:lstStyle/>
-          <a:p>
-            <a:r>
-              <a:t>探索アルゴリズム: 逆方向探索</a:t>
-            </a:r>
-          </a:p>
-        </p:txBody>
-      </p:sp>
-      <p:sp>
-        <p:nvSpPr>
-          <p:cNvPr id="3" name="Content Placeholder 2"/>
-          <p:cNvSpPr>
-            <a:spLocks noGrp="1"/>
-          </p:cNvSpPr>
-          <p:nvPr>
-            <p:ph idx="1"/>
-          </p:nvPr>
-        </p:nvSpPr>
-        <p:spPr/>
-        <p:txBody>
-          <a:bodyPr/>
-          <a:lstStyle/>
-          <a:p>
-            <a:pPr>
-              <a:defRPr b="1"/>
-            </a:pPr>
-            <a:r>
-              <a:t>アルゴリズム概要:</a:t>
-            </a:r>
-          </a:p>
-          <a:p>
-            <a:pPr lvl="1"/>
-            <a:r>
-              <a:t>1. ゴール型からスタート</a:t>
-            </a:r>
-          </a:p>
-          <a:p>
-            <a:pPr lvl="1"/>
-            <a:r>
-              <a:t>2. ゴールを返す関数を探索</a:t>
-            </a:r>
-          </a:p>
-          <a:p>
-            <a:pPr lvl="1"/>
-            <a:r>
-              <a:t>3. 各関数のdomainを新しいサブゴールに</a:t>
-            </a:r>
-          </a:p>
-          <a:p>
-            <a:pPr lvl="1"/>
-            <a:r>
-              <a:t>4. ソース型に到達したらパス記録</a:t>
-            </a:r>
-          </a:p>
-          <a:p>
-            <a:pPr lvl="1"/>
-            <a:r>
-              <a:t>5. コスト最小のパスを返す</a:t>
-            </a:r>
-          </a:p>
-          <a:p/>
-          <a:p>
-            <a:pPr>
-              <a:defRPr b="1"/>
-            </a:pPr>
-            <a:r>
-              <a:t>特徴:</a:t>
-            </a:r>
-          </a:p>
-          <a:p>
-            <a:pPr lvl="1"/>
-            <a:r>
-              <a:t>• Dijkstra的な最短経路探索</a:t>
-            </a:r>
-          </a:p>
-          <a:p>
-            <a:pPr lvl="1"/>
-            <a:r>
-              <a:t>• 優先度付きキュー使用</a:t>
-            </a:r>
-          </a:p>
-          <a:p>
-            <a:pPr lvl="1"/>
-            <a:r>
-              <a:t>• コスト制限による枝刈り</a:t>
+          <p:cNvPr id="2" name="TextBox 1"/>
+          <p:cNvSpPr txBox="1"/>
+          <p:nvPr/>
+        </p:nvSpPr>
+        <p:spPr>
+          <a:xfrm>
+            <a:off x="457200" y="274320"/>
+            <a:ext cx="8229600" cy="548640"/>
+          </a:xfrm>
+          <a:prstGeom prst="rect">
+            <a:avLst/>
+          </a:prstGeom>
+          <a:noFill/>
+        </p:spPr>
+        <p:txBody>
+          <a:bodyPr wrap="none">
+            <a:spAutoFit/>
+          </a:bodyPr>
+          <a:lstStyle/>
+          <a:p>
+            <a:pPr>
+              <a:defRPr sz="3200" b="1">
+                <a:solidFill>
+                  <a:srgbClr val="1C2833"/>
+                </a:solidFill>
+              </a:defRPr>
+            </a:pPr>
+            <a:r>
+              <a:t>検証結果</a:t>
+            </a:r>
+          </a:p>
+        </p:txBody>
+      </p:sp>
+      <p:sp>
+        <p:nvSpPr>
+          <p:cNvPr id="3" name="TextBox 2"/>
+          <p:cNvSpPr txBox="1"/>
+          <p:nvPr/>
+        </p:nvSpPr>
+        <p:spPr>
+          <a:xfrm>
+            <a:off x="457200" y="1097280"/>
+            <a:ext cx="8229600" cy="365760"/>
+          </a:xfrm>
+          <a:prstGeom prst="rect">
+            <a:avLst/>
+          </a:prstGeom>
+          <a:noFill/>
+        </p:spPr>
+        <p:txBody>
+          <a:bodyPr wrap="none">
+            <a:spAutoFit/>
+          </a:bodyPr>
+          <a:lstStyle/>
+          <a:p>
+            <a:pPr>
+              <a:defRPr sz="2400" b="1">
+                <a:solidFill>
+                  <a:srgbClr val="5EA8A7"/>
+                </a:solidFill>
+              </a:defRPr>
+            </a:pPr>
+            <a:r>
+              <a:t>テストシナリオ</a:t>
+            </a:r>
+          </a:p>
+        </p:txBody>
+      </p:sp>
+      <p:sp>
+        <p:nvSpPr>
+          <p:cNvPr id="4" name="TextBox 3"/>
+          <p:cNvSpPr txBox="1"/>
+          <p:nvPr/>
+        </p:nvSpPr>
+        <p:spPr>
+          <a:xfrm>
+            <a:off x="457200" y="1371600"/>
+            <a:ext cx="8229600" cy="822960"/>
+          </a:xfrm>
+          <a:prstGeom prst="rect">
+            <a:avLst/>
+          </a:prstGeom>
+          <a:noFill/>
+        </p:spPr>
+        <p:txBody>
+          <a:bodyPr wrap="square">
+            <a:spAutoFit/>
+          </a:bodyPr>
+          <a:lstStyle/>
+          <a:p>
+            <a:pPr>
+              <a:lnSpc>
+                <a:spcPct val="140000"/>
+              </a:lnSpc>
+              <a:spcBef>
+                <a:spcPts val="600"/>
+              </a:spcBef>
+              <a:defRPr sz="1600">
+                <a:solidFill>
+                  <a:srgbClr val="1C2833"/>
+                </a:solidFill>
+              </a:defRPr>
+            </a:pPr>
+            <a:r>
+              <a:t>• CFP計算：購買金額 → CO2排出量</a:t>
+            </a:r>
+          </a:p>
+          <a:p>
+            <a:pPr>
+              <a:lnSpc>
+                <a:spcPct val="140000"/>
+              </a:lnSpc>
+              <a:spcBef>
+                <a:spcPts val="600"/>
+              </a:spcBef>
+              <a:defRPr sz="1600">
+                <a:solidFill>
+                  <a:srgbClr val="1C2833"/>
+                </a:solidFill>
+              </a:defRPr>
+            </a:pPr>
+            <a:r>
+              <a:t>• エネルギー換算：電力消費 → ガス消費</a:t>
+            </a:r>
+          </a:p>
+          <a:p>
+            <a:pPr>
+              <a:lnSpc>
+                <a:spcPct val="140000"/>
+              </a:lnSpc>
+              <a:spcBef>
+                <a:spcPts val="600"/>
+              </a:spcBef>
+              <a:defRPr sz="1600">
+                <a:solidFill>
+                  <a:srgbClr val="1C2833"/>
+                </a:solidFill>
+              </a:defRPr>
+            </a:pPr>
+            <a:r>
+              <a:t>• 複数中間型を経由するパス</a:t>
+            </a:r>
+          </a:p>
+        </p:txBody>
+      </p:sp>
+      <p:sp>
+        <p:nvSpPr>
+          <p:cNvPr id="5" name="TextBox 4"/>
+          <p:cNvSpPr txBox="1"/>
+          <p:nvPr/>
+        </p:nvSpPr>
+        <p:spPr>
+          <a:xfrm>
+            <a:off x="457200" y="2377440"/>
+            <a:ext cx="8229600" cy="365760"/>
+          </a:xfrm>
+          <a:prstGeom prst="rect">
+            <a:avLst/>
+          </a:prstGeom>
+          <a:noFill/>
+        </p:spPr>
+        <p:txBody>
+          <a:bodyPr wrap="none">
+            <a:spAutoFit/>
+          </a:bodyPr>
+          <a:lstStyle/>
+          <a:p>
+            <a:pPr>
+              <a:defRPr sz="2400" b="1">
+                <a:solidFill>
+                  <a:srgbClr val="5EA8A7"/>
+                </a:solidFill>
+              </a:defRPr>
+            </a:pPr>
+            <a:r>
+              <a:t>成果</a:t>
+            </a:r>
+          </a:p>
+        </p:txBody>
+      </p:sp>
+      <p:sp>
+        <p:nvSpPr>
+          <p:cNvPr id="6" name="TextBox 5"/>
+          <p:cNvSpPr txBox="1"/>
+          <p:nvPr/>
+        </p:nvSpPr>
+        <p:spPr>
+          <a:xfrm>
+            <a:off x="457200" y="2651760"/>
+            <a:ext cx="8229600" cy="1097280"/>
+          </a:xfrm>
+          <a:prstGeom prst="rect">
+            <a:avLst/>
+          </a:prstGeom>
+          <a:noFill/>
+        </p:spPr>
+        <p:txBody>
+          <a:bodyPr wrap="square">
+            <a:spAutoFit/>
+          </a:bodyPr>
+          <a:lstStyle/>
+          <a:p>
+            <a:pPr>
+              <a:lnSpc>
+                <a:spcPct val="140000"/>
+              </a:lnSpc>
+              <a:spcBef>
+                <a:spcPts val="600"/>
+              </a:spcBef>
+              <a:defRPr sz="1600">
+                <a:solidFill>
+                  <a:srgbClr val="1C2833"/>
+                </a:solidFill>
+              </a:defRPr>
+            </a:pPr>
+            <a:r>
+              <a:t>• 100% のパス発見成功率</a:t>
+            </a:r>
+          </a:p>
+          <a:p>
+            <a:pPr>
+              <a:lnSpc>
+                <a:spcPct val="140000"/>
+              </a:lnSpc>
+              <a:spcBef>
+                <a:spcPts val="600"/>
+              </a:spcBef>
+              <a:defRPr sz="1600">
+                <a:solidFill>
+                  <a:srgbClr val="1C2833"/>
+                </a:solidFill>
+              </a:defRPr>
+            </a:pPr>
+            <a:r>
+              <a:t>• 平均 2-3ホップ で目標型に到達</a:t>
+            </a:r>
+          </a:p>
+          <a:p>
+            <a:pPr>
+              <a:lnSpc>
+                <a:spcPct val="140000"/>
+              </a:lnSpc>
+              <a:spcBef>
+                <a:spcPts val="600"/>
+              </a:spcBef>
+              <a:defRPr sz="1600">
+                <a:solidFill>
+                  <a:srgbClr val="1C2833"/>
+                </a:solidFill>
+              </a:defRPr>
+            </a:pPr>
+            <a:r>
+              <a:t>• コスト最小パスの正確な選択</a:t>
+            </a:r>
+          </a:p>
+          <a:p>
+            <a:pPr>
+              <a:lnSpc>
+                <a:spcPct val="140000"/>
+              </a:lnSpc>
+              <a:spcBef>
+                <a:spcPts val="600"/>
+              </a:spcBef>
+              <a:defRPr sz="1600">
+                <a:solidFill>
+                  <a:srgbClr val="1C2833"/>
+                </a:solidFill>
+              </a:defRPr>
+            </a:pPr>
+            <a:r>
+              <a:t>• 信頼度を考慮した最適化</a:t>
+            </a:r>
+          </a:p>
+        </p:txBody>
+      </p:sp>
+      <p:sp>
+        <p:nvSpPr>
+          <p:cNvPr id="7" name="TextBox 6"/>
+          <p:cNvSpPr txBox="1"/>
+          <p:nvPr/>
+        </p:nvSpPr>
+        <p:spPr>
+          <a:xfrm>
+            <a:off x="457200" y="3931920"/>
+            <a:ext cx="8229600" cy="365760"/>
+          </a:xfrm>
+          <a:prstGeom prst="rect">
+            <a:avLst/>
+          </a:prstGeom>
+          <a:noFill/>
+        </p:spPr>
+        <p:txBody>
+          <a:bodyPr wrap="none">
+            <a:spAutoFit/>
+          </a:bodyPr>
+          <a:lstStyle/>
+          <a:p>
+            <a:pPr>
+              <a:defRPr sz="2400" b="1">
+                <a:solidFill>
+                  <a:srgbClr val="5EA8A7"/>
+                </a:solidFill>
+              </a:defRPr>
+            </a:pPr>
+            <a:r>
+              <a:t>限界</a:t>
+            </a:r>
+          </a:p>
+        </p:txBody>
+      </p:sp>
+      <p:sp>
+        <p:nvSpPr>
+          <p:cNvPr id="8" name="TextBox 7"/>
+          <p:cNvSpPr txBox="1"/>
+          <p:nvPr/>
+        </p:nvSpPr>
+        <p:spPr>
+          <a:xfrm>
+            <a:off x="457200" y="4206240"/>
+            <a:ext cx="8229600" cy="548640"/>
+          </a:xfrm>
+          <a:prstGeom prst="rect">
+            <a:avLst/>
+          </a:prstGeom>
+          <a:noFill/>
+        </p:spPr>
+        <p:txBody>
+          <a:bodyPr wrap="square">
+            <a:spAutoFit/>
+          </a:bodyPr>
+          <a:lstStyle/>
+          <a:p>
+            <a:pPr>
+              <a:lnSpc>
+                <a:spcPct val="140000"/>
+              </a:lnSpc>
+              <a:spcBef>
+                <a:spcPts val="600"/>
+              </a:spcBef>
+              <a:defRPr sz="1600">
+                <a:solidFill>
+                  <a:srgbClr val="1C2833"/>
+                </a:solidFill>
+              </a:defRPr>
+            </a:pPr>
+            <a:r>
+              <a:t>• 集約関数（複数入力）の扱いが単純化されている</a:t>
+            </a:r>
+          </a:p>
+          <a:p>
+            <a:pPr>
+              <a:lnSpc>
+                <a:spcPct val="140000"/>
+              </a:lnSpc>
+              <a:spcBef>
+                <a:spcPts val="600"/>
+              </a:spcBef>
+              <a:defRPr sz="1600">
+                <a:solidFill>
+                  <a:srgbClr val="1C2833"/>
+                </a:solidFill>
+              </a:defRPr>
+            </a:pPr>
+            <a:r>
+              <a:t>• 単位変換が型システムに統合されていない</a:t>
             </a:r>
           </a:p>
         </p:txBody>
@@ -3443,6 +3905,14 @@
 <file path=ppt/slides/slide12.xml><?xml version="1.0" encoding="utf-8"?>
 <p:sld xmlns:a="http://schemas.openxmlformats.org/drawingml/2006/main" xmlns:p="http://schemas.openxmlformats.org/presentationml/2006/main" xmlns:r="http://schemas.openxmlformats.org/officeDocument/2006/relationships">
   <p:cSld>
+    <p:bg>
+      <p:bgPr>
+        <a:solidFill>
+          <a:srgbClr val="2E4053"/>
+        </a:solidFill>
+        <a:effectLst/>
+      </p:bgPr>
+    </p:bg>
     <p:spTree>
       <p:nvGrpSpPr>
         <p:cNvPr id="1" name=""/>
@@ -3452,86 +3922,70 @@
       <p:grpSpPr/>
       <p:sp>
         <p:nvSpPr>
-          <p:cNvPr id="2" name="Title 1"/>
-          <p:cNvSpPr>
-            <a:spLocks noGrp="1"/>
-          </p:cNvSpPr>
-          <p:nvPr>
-            <p:ph type="title"/>
-          </p:nvPr>
-        </p:nvSpPr>
-        <p:spPr/>
-        <p:txBody>
-          <a:bodyPr/>
-          <a:lstStyle/>
-          <a:p>
-            <a:r>
-              <a:t>検証結果</a:t>
-            </a:r>
-          </a:p>
-        </p:txBody>
-      </p:sp>
-      <p:sp>
-        <p:nvSpPr>
-          <p:cNvPr id="3" name="Content Placeholder 2"/>
-          <p:cNvSpPr>
-            <a:spLocks noGrp="1"/>
-          </p:cNvSpPr>
-          <p:nvPr>
-            <p:ph idx="1"/>
-          </p:nvPr>
-        </p:nvSpPr>
-        <p:spPr/>
-        <p:txBody>
-          <a:bodyPr/>
-          <a:lstStyle/>
-          <a:p>
-            <a:pPr>
-              <a:defRPr b="1" sz="2400">
-                <a:solidFill>
-                  <a:srgbClr val="008000"/>
-                </a:solidFill>
-              </a:defRPr>
-            </a:pPr>
-            <a:r>
-              <a:t>すべてのテストが成功</a:t>
-            </a:r>
-          </a:p>
-          <a:p/>
-          <a:p>
-            <a:pPr lvl="1"/>
-            <a:r>
-              <a:t>✓ 基本動作: Product → CO2 のパス探索成功</a:t>
-            </a:r>
-          </a:p>
-          <a:p>
-            <a:pPr lvl="1"/>
-            <a:r>
-              <a:t>✓ 包括的テスト: 6つのテストケースすべて成功</a:t>
-            </a:r>
-          </a:p>
-          <a:p>
-            <a:pPr lvl="1"/>
-            <a:r>
-              <a:t>✓ DSL統合テスト: 5つのテストケースすべて成功</a:t>
-            </a:r>
-          </a:p>
-          <a:p>
-            <a:pPr lvl="1"/>
-            <a:r>
-              <a:t>✓ 実行機能テスト: 5つのテストケースすべて成功</a:t>
-            </a:r>
-          </a:p>
-          <a:p>
-            <a:pPr lvl="1"/>
-            <a:r>
-              <a:t>✓ GHG集約テスト: 8つのシナリオすべて成功</a:t>
-            </a:r>
-          </a:p>
-          <a:p>
-            <a:pPr lvl="1"/>
-            <a:r>
-              <a:t>✓ 型理論・圏論との整合性確認</a:t>
+          <p:cNvPr id="2" name="TextBox 1"/>
+          <p:cNvSpPr txBox="1"/>
+          <p:nvPr/>
+        </p:nvSpPr>
+        <p:spPr>
+          <a:xfrm>
+            <a:off x="914400" y="1828800"/>
+            <a:ext cx="7315200" cy="914400"/>
+          </a:xfrm>
+          <a:prstGeom prst="rect">
+            <a:avLst/>
+          </a:prstGeom>
+          <a:noFill/>
+        </p:spPr>
+        <p:txBody>
+          <a:bodyPr wrap="none">
+            <a:spAutoFit/>
+          </a:bodyPr>
+          <a:lstStyle/>
+          <a:p>
+            <a:pPr algn="ctr">
+              <a:defRPr sz="4000" b="1">
+                <a:solidFill>
+                  <a:srgbClr val="F4F6F6"/>
+                </a:solidFill>
+              </a:defRPr>
+            </a:pPr>
+            <a:r>
+              <a:t>第3部：本格的なDSL設計</a:t>
+            </a:r>
+          </a:p>
+        </p:txBody>
+      </p:sp>
+      <p:sp>
+        <p:nvSpPr>
+          <p:cNvPr id="3" name="TextBox 2"/>
+          <p:cNvSpPr txBox="1"/>
+          <p:nvPr/>
+        </p:nvSpPr>
+        <p:spPr>
+          <a:xfrm>
+            <a:off x="914400" y="2926080"/>
+            <a:ext cx="7315200" cy="457200"/>
+          </a:xfrm>
+          <a:prstGeom prst="rect">
+            <a:avLst/>
+          </a:prstGeom>
+          <a:noFill/>
+        </p:spPr>
+        <p:txBody>
+          <a:bodyPr wrap="none">
+            <a:spAutoFit/>
+          </a:bodyPr>
+          <a:lstStyle/>
+          <a:p>
+            <a:pPr algn="ctr">
+              <a:defRPr sz="2000">
+                <a:solidFill>
+                  <a:srgbClr val="5EA8A7"/>
+                </a:solidFill>
+              </a:defRPr>
+            </a:pPr>
+            <a:r>
+              <a:t>拡張可能なDSLと実行エンジン</a:t>
             </a:r>
           </a:p>
         </p:txBody>
@@ -3547,6 +4001,14 @@
 <file path=ppt/slides/slide13.xml><?xml version="1.0" encoding="utf-8"?>
 <p:sld xmlns:a="http://schemas.openxmlformats.org/drawingml/2006/main" xmlns:p="http://schemas.openxmlformats.org/presentationml/2006/main" xmlns:r="http://schemas.openxmlformats.org/officeDocument/2006/relationships">
   <p:cSld>
+    <p:bg>
+      <p:bgPr>
+        <a:solidFill>
+          <a:srgbClr val="F4F6F6"/>
+        </a:solidFill>
+        <a:effectLst/>
+      </p:bgPr>
+    </p:bg>
     <p:spTree>
       <p:nvGrpSpPr>
         <p:cNvPr id="1" name=""/>
@@ -3556,42 +4018,266 @@
       <p:grpSpPr/>
       <p:sp>
         <p:nvSpPr>
-          <p:cNvPr id="2" name="Title 1"/>
-          <p:cNvSpPr>
-            <a:spLocks noGrp="1"/>
-          </p:cNvSpPr>
-          <p:nvPr>
-            <p:ph type="title"/>
-          </p:nvPr>
-        </p:nvSpPr>
-        <p:spPr/>
-        <p:txBody>
-          <a:bodyPr/>
-          <a:lstStyle/>
-          <a:p>
-            <a:r>
-              <a:t>3. 本格的なDSL設計</a:t>
-            </a:r>
-          </a:p>
-        </p:txBody>
-      </p:sp>
-      <p:sp>
-        <p:nvSpPr>
-          <p:cNvPr id="3" name="Content Placeholder 2"/>
-          <p:cNvSpPr>
-            <a:spLocks noGrp="1"/>
-          </p:cNvSpPr>
-          <p:nvPr>
-            <p:ph idx="1"/>
-          </p:nvPr>
-        </p:nvSpPr>
-        <p:spPr/>
-        <p:txBody>
-          <a:bodyPr/>
-          <a:lstStyle/>
-          <a:p>
-            <a:r>
-              <a:t>読みやすく拡張可能な専用言語</a:t>
+          <p:cNvPr id="2" name="TextBox 1"/>
+          <p:cNvSpPr txBox="1"/>
+          <p:nvPr/>
+        </p:nvSpPr>
+        <p:spPr>
+          <a:xfrm>
+            <a:off x="457200" y="274320"/>
+            <a:ext cx="8229600" cy="548640"/>
+          </a:xfrm>
+          <a:prstGeom prst="rect">
+            <a:avLst/>
+          </a:prstGeom>
+          <a:noFill/>
+        </p:spPr>
+        <p:txBody>
+          <a:bodyPr wrap="none">
+            <a:spAutoFit/>
+          </a:bodyPr>
+          <a:lstStyle/>
+          <a:p>
+            <a:pPr>
+              <a:defRPr sz="3200" b="1">
+                <a:solidFill>
+                  <a:srgbClr val="1C2833"/>
+                </a:solidFill>
+              </a:defRPr>
+            </a:pPr>
+            <a:r>
+              <a:t>DSL構文</a:t>
+            </a:r>
+          </a:p>
+        </p:txBody>
+      </p:sp>
+      <p:sp>
+        <p:nvSpPr>
+          <p:cNvPr id="3" name="TextBox 2"/>
+          <p:cNvSpPr txBox="1"/>
+          <p:nvPr/>
+        </p:nvSpPr>
+        <p:spPr>
+          <a:xfrm>
+            <a:off x="457200" y="1097280"/>
+            <a:ext cx="8229600" cy="365760"/>
+          </a:xfrm>
+          <a:prstGeom prst="rect">
+            <a:avLst/>
+          </a:prstGeom>
+          <a:noFill/>
+        </p:spPr>
+        <p:txBody>
+          <a:bodyPr wrap="none">
+            <a:spAutoFit/>
+          </a:bodyPr>
+          <a:lstStyle/>
+          <a:p>
+            <a:pPr>
+              <a:defRPr sz="2400" b="1">
+                <a:solidFill>
+                  <a:srgbClr val="5EA8A7"/>
+                </a:solidFill>
+              </a:defRPr>
+            </a:pPr>
+            <a:r>
+              <a:t>型定義</a:t>
+            </a:r>
+          </a:p>
+        </p:txBody>
+      </p:sp>
+      <p:sp>
+        <p:nvSpPr>
+          <p:cNvPr id="4" name="TextBox 3"/>
+          <p:cNvSpPr txBox="1"/>
+          <p:nvPr/>
+        </p:nvSpPr>
+        <p:spPr>
+          <a:xfrm>
+            <a:off x="457200" y="1371600"/>
+            <a:ext cx="8229600" cy="1005840"/>
+          </a:xfrm>
+          <a:prstGeom prst="rect">
+            <a:avLst/>
+          </a:prstGeom>
+          <a:solidFill>
+            <a:srgbClr val="ECF0F1"/>
+          </a:solidFill>
+          <a:ln w="12700">
+            <a:solidFill>
+              <a:srgbClr val="AAB7B8"/>
+            </a:solidFill>
+          </a:ln>
+        </p:spPr>
+        <p:txBody>
+          <a:bodyPr wrap="none" lIns="127000" tIns="127000" rIns="127000" bIns="127000">
+            <a:spAutoFit/>
+          </a:bodyPr>
+          <a:lstStyle/>
+          <a:p>
+            <a:pPr>
+              <a:defRPr sz="1300">
+                <a:solidFill>
+                  <a:srgbClr val="1C2833"/>
+                </a:solidFill>
+                <a:latin typeface="Courier New"/>
+              </a:defRPr>
+            </a:pPr>
+            <a:r>
+              <a:t>type EmissionFactor [unit=kg-CO2/kWh] {</a:t>
+            </a:r>
+          </a:p>
+          <a:p>
+            <a:r>
+              <a:t>  doc: "Emission factor for energy consumption"</a:t>
+            </a:r>
+          </a:p>
+          <a:p>
+            <a:r>
+              <a:t>  metadata: {</a:t>
+            </a:r>
+          </a:p>
+          <a:p>
+            <a:r>
+              <a:t>    domain: "GHG Protocol"</a:t>
+            </a:r>
+          </a:p>
+          <a:p>
+            <a:r>
+              <a:t>    version: "2024"</a:t>
+            </a:r>
+          </a:p>
+          <a:p>
+            <a:r>
+              <a:t>  }</a:t>
+            </a:r>
+          </a:p>
+          <a:p>
+            <a:r>
+              <a:t>}</a:t>
+            </a:r>
+          </a:p>
+        </p:txBody>
+      </p:sp>
+      <p:sp>
+        <p:nvSpPr>
+          <p:cNvPr id="5" name="TextBox 4"/>
+          <p:cNvSpPr txBox="1"/>
+          <p:nvPr/>
+        </p:nvSpPr>
+        <p:spPr>
+          <a:xfrm>
+            <a:off x="457200" y="2560320"/>
+            <a:ext cx="8229600" cy="365760"/>
+          </a:xfrm>
+          <a:prstGeom prst="rect">
+            <a:avLst/>
+          </a:prstGeom>
+          <a:noFill/>
+        </p:spPr>
+        <p:txBody>
+          <a:bodyPr wrap="none">
+            <a:spAutoFit/>
+          </a:bodyPr>
+          <a:lstStyle/>
+          <a:p>
+            <a:pPr>
+              <a:defRPr sz="2400" b="1">
+                <a:solidFill>
+                  <a:srgbClr val="5EA8A7"/>
+                </a:solidFill>
+              </a:defRPr>
+            </a:pPr>
+            <a:r>
+              <a:t>関数定義</a:t>
+            </a:r>
+          </a:p>
+        </p:txBody>
+      </p:sp>
+      <p:sp>
+        <p:nvSpPr>
+          <p:cNvPr id="6" name="TextBox 5"/>
+          <p:cNvSpPr txBox="1"/>
+          <p:nvPr/>
+        </p:nvSpPr>
+        <p:spPr>
+          <a:xfrm>
+            <a:off x="457200" y="2834640"/>
+            <a:ext cx="8229600" cy="1371600"/>
+          </a:xfrm>
+          <a:prstGeom prst="rect">
+            <a:avLst/>
+          </a:prstGeom>
+          <a:solidFill>
+            <a:srgbClr val="ECF0F1"/>
+          </a:solidFill>
+          <a:ln w="12700">
+            <a:solidFill>
+              <a:srgbClr val="AAB7B8"/>
+            </a:solidFill>
+          </a:ln>
+        </p:spPr>
+        <p:txBody>
+          <a:bodyPr wrap="none" lIns="127000" tIns="127000" rIns="127000" bIns="127000">
+            <a:spAutoFit/>
+          </a:bodyPr>
+          <a:lstStyle/>
+          <a:p>
+            <a:pPr>
+              <a:defRPr sz="1300">
+                <a:solidFill>
+                  <a:srgbClr val="1C2833"/>
+                </a:solidFill>
+                <a:latin typeface="Courier New"/>
+              </a:defRPr>
+            </a:pPr>
+            <a:r>
+              <a:t>fn energyToEmissions {</a:t>
+            </a:r>
+          </a:p>
+          <a:p>
+            <a:r>
+              <a:t>  sig: EnergyConsumption -&gt; EmissionFactor -&gt; kg-CO2</a:t>
+            </a:r>
+          </a:p>
+          <a:p>
+            <a:r>
+              <a:t>  impl: formula("energy * factor")</a:t>
+            </a:r>
+          </a:p>
+          <a:p>
+            <a:r>
+              <a:t>  cost: 0.1</a:t>
+            </a:r>
+          </a:p>
+          <a:p>
+            <a:r>
+              <a:t>  confidence: 0.95</a:t>
+            </a:r>
+          </a:p>
+          <a:p>
+            <a:r>
+              <a:t>  provenance: {</a:t>
+            </a:r>
+          </a:p>
+          <a:p>
+            <a:r>
+              <a:t>    method: "IPCC Guidelines"</a:t>
+            </a:r>
+          </a:p>
+          <a:p>
+            <a:r>
+              <a:t>    source: "IEA Database"</a:t>
+            </a:r>
+          </a:p>
+          <a:p>
+            <a:r>
+              <a:t>  }</a:t>
+            </a:r>
+          </a:p>
+          <a:p>
+            <a:r>
+              <a:t>}</a:t>
             </a:r>
           </a:p>
         </p:txBody>
@@ -3607,6 +4293,14 @@
 <file path=ppt/slides/slide14.xml><?xml version="1.0" encoding="utf-8"?>
 <p:sld xmlns:a="http://schemas.openxmlformats.org/drawingml/2006/main" xmlns:p="http://schemas.openxmlformats.org/presentationml/2006/main" xmlns:r="http://schemas.openxmlformats.org/officeDocument/2006/relationships">
   <p:cSld>
+    <p:bg>
+      <p:bgPr>
+        <a:solidFill>
+          <a:srgbClr val="F4F6F6"/>
+        </a:solidFill>
+        <a:effectLst/>
+      </p:bgPr>
+    </p:bg>
     <p:spTree>
       <p:nvGrpSpPr>
         <p:cNvPr id="1" name=""/>
@@ -3616,136 +4310,407 @@
       <p:grpSpPr/>
       <p:sp>
         <p:nvSpPr>
-          <p:cNvPr id="2" name="Title 1"/>
-          <p:cNvSpPr>
-            <a:spLocks noGrp="1"/>
-          </p:cNvSpPr>
-          <p:nvPr>
-            <p:ph type="title"/>
-          </p:nvPr>
-        </p:nvSpPr>
-        <p:spPr/>
-        <p:txBody>
-          <a:bodyPr/>
-          <a:lstStyle/>
-          <a:p>
-            <a:r>
-              <a:t>DSL構文</a:t>
-            </a:r>
-          </a:p>
-        </p:txBody>
-      </p:sp>
-      <p:sp>
-        <p:nvSpPr>
-          <p:cNvPr id="3" name="Content Placeholder 2"/>
-          <p:cNvSpPr>
-            <a:spLocks noGrp="1"/>
-          </p:cNvSpPr>
-          <p:nvPr>
-            <p:ph idx="1"/>
-          </p:nvPr>
-        </p:nvSpPr>
-        <p:spPr/>
-        <p:txBody>
-          <a:bodyPr/>
-          <a:lstStyle/>
-          <a:p>
-            <a:pPr>
-              <a:defRPr sz="1400">
+          <p:cNvPr id="2" name="TextBox 1"/>
+          <p:cNvSpPr txBox="1"/>
+          <p:nvPr/>
+        </p:nvSpPr>
+        <p:spPr>
+          <a:xfrm>
+            <a:off x="457200" y="274320"/>
+            <a:ext cx="8229600" cy="548640"/>
+          </a:xfrm>
+          <a:prstGeom prst="rect">
+            <a:avLst/>
+          </a:prstGeom>
+          <a:noFill/>
+        </p:spPr>
+        <p:txBody>
+          <a:bodyPr wrap="none">
+            <a:spAutoFit/>
+          </a:bodyPr>
+          <a:lstStyle/>
+          <a:p>
+            <a:pPr>
+              <a:defRPr sz="3200" b="1">
+                <a:solidFill>
+                  <a:srgbClr val="1C2833"/>
+                </a:solidFill>
+              </a:defRPr>
+            </a:pPr>
+            <a:r>
+              <a:t>実装の種類</a:t>
+            </a:r>
+          </a:p>
+        </p:txBody>
+      </p:sp>
+      <p:sp>
+        <p:nvSpPr>
+          <p:cNvPr id="3" name="TextBox 2"/>
+          <p:cNvSpPr txBox="1"/>
+          <p:nvPr/>
+        </p:nvSpPr>
+        <p:spPr>
+          <a:xfrm>
+            <a:off x="457200" y="1097280"/>
+            <a:ext cx="8229600" cy="365760"/>
+          </a:xfrm>
+          <a:prstGeom prst="rect">
+            <a:avLst/>
+          </a:prstGeom>
+          <a:noFill/>
+        </p:spPr>
+        <p:txBody>
+          <a:bodyPr wrap="none">
+            <a:spAutoFit/>
+          </a:bodyPr>
+          <a:lstStyle/>
+          <a:p>
+            <a:pPr>
+              <a:defRPr sz="2400" b="1">
+                <a:solidFill>
+                  <a:srgbClr val="5EA8A7"/>
+                </a:solidFill>
+              </a:defRPr>
+            </a:pPr>
+            <a:r>
+              <a:t>1. Formula実装</a:t>
+            </a:r>
+          </a:p>
+        </p:txBody>
+      </p:sp>
+      <p:sp>
+        <p:nvSpPr>
+          <p:cNvPr id="4" name="TextBox 3"/>
+          <p:cNvSpPr txBox="1"/>
+          <p:nvPr/>
+        </p:nvSpPr>
+        <p:spPr>
+          <a:xfrm>
+            <a:off x="457200" y="1371600"/>
+            <a:ext cx="8229600" cy="274320"/>
+          </a:xfrm>
+          <a:prstGeom prst="rect">
+            <a:avLst/>
+          </a:prstGeom>
+          <a:noFill/>
+        </p:spPr>
+        <p:txBody>
+          <a:bodyPr wrap="square">
+            <a:spAutoFit/>
+          </a:bodyPr>
+          <a:lstStyle/>
+          <a:p>
+            <a:pPr>
+              <a:defRPr sz="1600">
+                <a:solidFill>
+                  <a:srgbClr val="1C2833"/>
+                </a:solidFill>
+              </a:defRPr>
+            </a:pPr>
+            <a:r>
+              <a:t>数式による直接計算</a:t>
+            </a:r>
+          </a:p>
+        </p:txBody>
+      </p:sp>
+      <p:sp>
+        <p:nvSpPr>
+          <p:cNvPr id="5" name="TextBox 4"/>
+          <p:cNvSpPr txBox="1"/>
+          <p:nvPr/>
+        </p:nvSpPr>
+        <p:spPr>
+          <a:xfrm>
+            <a:off x="457200" y="1645920"/>
+            <a:ext cx="8229600" cy="365760"/>
+          </a:xfrm>
+          <a:prstGeom prst="rect">
+            <a:avLst/>
+          </a:prstGeom>
+          <a:solidFill>
+            <a:srgbClr val="ECF0F1"/>
+          </a:solidFill>
+          <a:ln w="12700">
+            <a:solidFill>
+              <a:srgbClr val="AAB7B8"/>
+            </a:solidFill>
+          </a:ln>
+        </p:spPr>
+        <p:txBody>
+          <a:bodyPr wrap="none" lIns="127000" tIns="127000" rIns="127000" bIns="127000">
+            <a:spAutoFit/>
+          </a:bodyPr>
+          <a:lstStyle/>
+          <a:p>
+            <a:pPr>
+              <a:defRPr sz="1300">
+                <a:solidFill>
+                  <a:srgbClr val="1C2833"/>
+                </a:solidFill>
                 <a:latin typeface="Courier New"/>
               </a:defRPr>
             </a:pPr>
             <a:r>
-              <a:t># 型定義</a:t>
-            </a:r>
-          </a:p>
-          <a:p>
-            <a:pPr>
-              <a:defRPr sz="1400">
+              <a:t>impl: formula("x * 0.5 + 100")</a:t>
+            </a:r>
+          </a:p>
+        </p:txBody>
+      </p:sp>
+      <p:sp>
+        <p:nvSpPr>
+          <p:cNvPr id="6" name="TextBox 5"/>
+          <p:cNvSpPr txBox="1"/>
+          <p:nvPr/>
+        </p:nvSpPr>
+        <p:spPr>
+          <a:xfrm>
+            <a:off x="457200" y="2194560"/>
+            <a:ext cx="8229600" cy="365760"/>
+          </a:xfrm>
+          <a:prstGeom prst="rect">
+            <a:avLst/>
+          </a:prstGeom>
+          <a:noFill/>
+        </p:spPr>
+        <p:txBody>
+          <a:bodyPr wrap="none">
+            <a:spAutoFit/>
+          </a:bodyPr>
+          <a:lstStyle/>
+          <a:p>
+            <a:pPr>
+              <a:defRPr sz="2400" b="1">
+                <a:solidFill>
+                  <a:srgbClr val="5EA8A7"/>
+                </a:solidFill>
+              </a:defRPr>
+            </a:pPr>
+            <a:r>
+              <a:t>2. SPARQL実装</a:t>
+            </a:r>
+          </a:p>
+        </p:txBody>
+      </p:sp>
+      <p:sp>
+        <p:nvSpPr>
+          <p:cNvPr id="7" name="TextBox 6"/>
+          <p:cNvSpPr txBox="1"/>
+          <p:nvPr/>
+        </p:nvSpPr>
+        <p:spPr>
+          <a:xfrm>
+            <a:off x="457200" y="2468880"/>
+            <a:ext cx="8229600" cy="274320"/>
+          </a:xfrm>
+          <a:prstGeom prst="rect">
+            <a:avLst/>
+          </a:prstGeom>
+          <a:noFill/>
+        </p:spPr>
+        <p:txBody>
+          <a:bodyPr wrap="square">
+            <a:spAutoFit/>
+          </a:bodyPr>
+          <a:lstStyle/>
+          <a:p>
+            <a:pPr>
+              <a:defRPr sz="1600">
+                <a:solidFill>
+                  <a:srgbClr val="1C2833"/>
+                </a:solidFill>
+              </a:defRPr>
+            </a:pPr>
+            <a:r>
+              <a:t>RDFデータベースへのクエリ</a:t>
+            </a:r>
+          </a:p>
+        </p:txBody>
+      </p:sp>
+      <p:sp>
+        <p:nvSpPr>
+          <p:cNvPr id="8" name="TextBox 7"/>
+          <p:cNvSpPr txBox="1"/>
+          <p:nvPr/>
+        </p:nvSpPr>
+        <p:spPr>
+          <a:xfrm>
+            <a:off x="457200" y="2743200"/>
+            <a:ext cx="8229600" cy="640080"/>
+          </a:xfrm>
+          <a:prstGeom prst="rect">
+            <a:avLst/>
+          </a:prstGeom>
+          <a:solidFill>
+            <a:srgbClr val="ECF0F1"/>
+          </a:solidFill>
+          <a:ln w="12700">
+            <a:solidFill>
+              <a:srgbClr val="AAB7B8"/>
+            </a:solidFill>
+          </a:ln>
+        </p:spPr>
+        <p:txBody>
+          <a:bodyPr wrap="none" lIns="127000" tIns="127000" rIns="127000" bIns="127000">
+            <a:spAutoFit/>
+          </a:bodyPr>
+          <a:lstStyle/>
+          <a:p>
+            <a:pPr>
+              <a:defRPr sz="1300">
+                <a:solidFill>
+                  <a:srgbClr val="1C2833"/>
+                </a:solidFill>
                 <a:latin typeface="Courier New"/>
               </a:defRPr>
             </a:pPr>
             <a:r>
-              <a:t>type Product</a:t>
-            </a:r>
-          </a:p>
-          <a:p>
-            <a:pPr>
-              <a:defRPr sz="1400">
+              <a:t>impl: sparql {</a:t>
+            </a:r>
+          </a:p>
+          <a:p>
+            <a:r>
+              <a:t>  endpoint: "http://example.org/sparql"</a:t>
+            </a:r>
+          </a:p>
+          <a:p>
+            <a:r>
+              <a:t>  query: "SELECT ?value WHERE { ?s ex:property ?value }"</a:t>
+            </a:r>
+          </a:p>
+          <a:p>
+            <a:r>
+              <a:t>}</a:t>
+            </a:r>
+          </a:p>
+        </p:txBody>
+      </p:sp>
+      <p:sp>
+        <p:nvSpPr>
+          <p:cNvPr id="9" name="TextBox 8"/>
+          <p:cNvSpPr txBox="1"/>
+          <p:nvPr/>
+        </p:nvSpPr>
+        <p:spPr>
+          <a:xfrm>
+            <a:off x="457200" y="3566160"/>
+            <a:ext cx="8229600" cy="365760"/>
+          </a:xfrm>
+          <a:prstGeom prst="rect">
+            <a:avLst/>
+          </a:prstGeom>
+          <a:noFill/>
+        </p:spPr>
+        <p:txBody>
+          <a:bodyPr wrap="none">
+            <a:spAutoFit/>
+          </a:bodyPr>
+          <a:lstStyle/>
+          <a:p>
+            <a:pPr>
+              <a:defRPr sz="2400" b="1">
+                <a:solidFill>
+                  <a:srgbClr val="5EA8A7"/>
+                </a:solidFill>
+              </a:defRPr>
+            </a:pPr>
+            <a:r>
+              <a:t>3. REST実装</a:t>
+            </a:r>
+          </a:p>
+        </p:txBody>
+      </p:sp>
+      <p:sp>
+        <p:nvSpPr>
+          <p:cNvPr id="10" name="TextBox 9"/>
+          <p:cNvSpPr txBox="1"/>
+          <p:nvPr/>
+        </p:nvSpPr>
+        <p:spPr>
+          <a:xfrm>
+            <a:off x="457200" y="3840480"/>
+            <a:ext cx="8229600" cy="274320"/>
+          </a:xfrm>
+          <a:prstGeom prst="rect">
+            <a:avLst/>
+          </a:prstGeom>
+          <a:noFill/>
+        </p:spPr>
+        <p:txBody>
+          <a:bodyPr wrap="square">
+            <a:spAutoFit/>
+          </a:bodyPr>
+          <a:lstStyle/>
+          <a:p>
+            <a:pPr>
+              <a:defRPr sz="1600">
+                <a:solidFill>
+                  <a:srgbClr val="1C2833"/>
+                </a:solidFill>
+              </a:defRPr>
+            </a:pPr>
+            <a:r>
+              <a:t>外部APIの呼び出し</a:t>
+            </a:r>
+          </a:p>
+        </p:txBody>
+      </p:sp>
+      <p:sp>
+        <p:nvSpPr>
+          <p:cNvPr id="11" name="TextBox 10"/>
+          <p:cNvSpPr txBox="1"/>
+          <p:nvPr/>
+        </p:nvSpPr>
+        <p:spPr>
+          <a:xfrm>
+            <a:off x="457200" y="4114800"/>
+            <a:ext cx="8229600" cy="640080"/>
+          </a:xfrm>
+          <a:prstGeom prst="rect">
+            <a:avLst/>
+          </a:prstGeom>
+          <a:solidFill>
+            <a:srgbClr val="ECF0F1"/>
+          </a:solidFill>
+          <a:ln w="12700">
+            <a:solidFill>
+              <a:srgbClr val="AAB7B8"/>
+            </a:solidFill>
+          </a:ln>
+        </p:spPr>
+        <p:txBody>
+          <a:bodyPr wrap="none" lIns="127000" tIns="127000" rIns="127000" bIns="127000">
+            <a:spAutoFit/>
+          </a:bodyPr>
+          <a:lstStyle/>
+          <a:p>
+            <a:pPr>
+              <a:defRPr sz="1300">
+                <a:solidFill>
+                  <a:srgbClr val="1C2833"/>
+                </a:solidFill>
                 <a:latin typeface="Courier New"/>
               </a:defRPr>
             </a:pPr>
             <a:r>
-              <a:t>type Energy [unit=J, range=&gt;=0]</a:t>
-            </a:r>
-          </a:p>
-          <a:p/>
-          <a:p>
-            <a:pPr>
-              <a:defRPr sz="1400">
-                <a:latin typeface="Courier New"/>
-              </a:defRPr>
-            </a:pPr>
-            <a:r>
-              <a:t># 関数定義</a:t>
-            </a:r>
-          </a:p>
-          <a:p>
-            <a:pPr>
-              <a:defRPr sz="1400">
-                <a:latin typeface="Courier New"/>
-              </a:defRPr>
-            </a:pPr>
-            <a:r>
-              <a:t>fn usesEnergy {</a:t>
-            </a:r>
-          </a:p>
-          <a:p>
-            <a:pPr>
-              <a:defRPr sz="1400">
-                <a:latin typeface="Courier New"/>
-              </a:defRPr>
-            </a:pPr>
-            <a:r>
-              <a:t>  sig: Product -&gt; Energy</a:t>
-            </a:r>
-          </a:p>
-          <a:p>
-            <a:pPr>
-              <a:defRPr sz="1400">
-                <a:latin typeface="Courier New"/>
-              </a:defRPr>
-            </a:pPr>
-            <a:r>
-              <a:t>  impl: sparql("SELECT ...")</a:t>
-            </a:r>
-          </a:p>
-          <a:p>
-            <a:pPr>
-              <a:defRPr sz="1400">
-                <a:latin typeface="Courier New"/>
-              </a:defRPr>
-            </a:pPr>
-            <a:r>
-              <a:t>  cost: 1</a:t>
-            </a:r>
-          </a:p>
-          <a:p>
-            <a:pPr>
-              <a:defRPr sz="1400">
-                <a:latin typeface="Courier New"/>
-              </a:defRPr>
-            </a:pPr>
-            <a:r>
-              <a:t>  confidence: 0.9</a:t>
-            </a:r>
-          </a:p>
-          <a:p>
-            <a:pPr>
-              <a:defRPr sz="1400">
-                <a:latin typeface="Courier New"/>
-              </a:defRPr>
-            </a:pPr>
+              <a:t>impl: rest {</a:t>
+            </a:r>
+          </a:p>
+          <a:p>
+            <a:r>
+              <a:t>  url: "https://api.example.com/convert"</a:t>
+            </a:r>
+          </a:p>
+          <a:p>
+            <a:r>
+              <a:t>  method: "POST"</a:t>
+            </a:r>
+          </a:p>
+          <a:p>
+            <a:r>
+              <a:t>  body_template: '{"value": {{input}}}'</a:t>
+            </a:r>
+          </a:p>
+          <a:p>
             <a:r>
               <a:t>}</a:t>
             </a:r>
@@ -3763,6 +4728,14 @@
 <file path=ppt/slides/slide15.xml><?xml version="1.0" encoding="utf-8"?>
 <p:sld xmlns:a="http://schemas.openxmlformats.org/drawingml/2006/main" xmlns:p="http://schemas.openxmlformats.org/presentationml/2006/main" xmlns:r="http://schemas.openxmlformats.org/officeDocument/2006/relationships">
   <p:cSld>
+    <p:bg>
+      <p:bgPr>
+        <a:solidFill>
+          <a:srgbClr val="F4F6F6"/>
+        </a:solidFill>
+        <a:effectLst/>
+      </p:bgPr>
+    </p:bg>
     <p:spTree>
       <p:nvGrpSpPr>
         <p:cNvPr id="1" name=""/>
@@ -3772,96 +4745,305 @@
       <p:grpSpPr/>
       <p:sp>
         <p:nvSpPr>
-          <p:cNvPr id="2" name="Title 1"/>
-          <p:cNvSpPr>
-            <a:spLocks noGrp="1"/>
-          </p:cNvSpPr>
-          <p:nvPr>
-            <p:ph type="title"/>
-          </p:nvPr>
-        </p:nvSpPr>
-        <p:spPr/>
-        <p:txBody>
-          <a:bodyPr/>
-          <a:lstStyle/>
-          <a:p>
-            <a:r>
-              <a:t>実行機能（新実装）</a:t>
-            </a:r>
-          </a:p>
-        </p:txBody>
-      </p:sp>
-      <p:sp>
-        <p:nvSpPr>
-          <p:cNvPr id="3" name="Content Placeholder 2"/>
-          <p:cNvSpPr>
-            <a:spLocks noGrp="1"/>
-          </p:cNvSpPr>
-          <p:nvPr>
-            <p:ph idx="1"/>
-          </p:nvPr>
-        </p:nvSpPr>
-        <p:spPr/>
-        <p:txBody>
-          <a:bodyPr/>
-          <a:lstStyle/>
-          <a:p>
-            <a:pPr>
-              <a:defRPr b="1"/>
-            </a:pPr>
-            <a:r>
-              <a:t>3つの主要機能を追加:</a:t>
-            </a:r>
-          </a:p>
-          <a:p/>
-          <a:p>
-            <a:pPr lvl="1"/>
-            <a:r>
-              <a:t>1. 実行レイヤー: SPARQL/REST/Formula の実際の実行</a:t>
-            </a:r>
-          </a:p>
-          <a:p>
-            <a:pPr lvl="2"/>
-            <a:r>
-              <a:t>• FormulaExecutor: 数式の安全な評価</a:t>
-            </a:r>
-          </a:p>
-          <a:p>
-            <a:pPr lvl="2"/>
-            <a:r>
-              <a:t>• SPARQLExecutor: SPARQLクエリ実行</a:t>
-            </a:r>
-          </a:p>
-          <a:p>
-            <a:pPr lvl="2"/>
-            <a:r>
-              <a:t>• RESTExecutor: REST API呼び出し</a:t>
-            </a:r>
-          </a:p>
-          <a:p/>
-          <a:p>
-            <a:pPr lvl="1"/>
-            <a:r>
-              <a:t>2. 単位変換: 自動的な単位変換関数の挿入</a:t>
-            </a:r>
-          </a:p>
-          <a:p>
-            <a:pPr lvl="2"/>
-            <a:r>
-              <a:t>• J ↔ kWh, kg ↔ g, K ↔ C ↔ F など</a:t>
-            </a:r>
-          </a:p>
-          <a:p/>
-          <a:p>
-            <a:pPr lvl="1"/>
-            <a:r>
-              <a:t>3. Provenance: PROV-O形式での来歴記録</a:t>
-            </a:r>
-          </a:p>
-          <a:p>
-            <a:pPr lvl="2"/>
-            <a:r>
-              <a:t>• Turtle および JSON 形式で出力</a:t>
+          <p:cNvPr id="2" name="TextBox 1"/>
+          <p:cNvSpPr txBox="1"/>
+          <p:nvPr/>
+        </p:nvSpPr>
+        <p:spPr>
+          <a:xfrm>
+            <a:off x="457200" y="274320"/>
+            <a:ext cx="8229600" cy="548640"/>
+          </a:xfrm>
+          <a:prstGeom prst="rect">
+            <a:avLst/>
+          </a:prstGeom>
+          <a:noFill/>
+        </p:spPr>
+        <p:txBody>
+          <a:bodyPr wrap="none">
+            <a:spAutoFit/>
+          </a:bodyPr>
+          <a:lstStyle/>
+          <a:p>
+            <a:pPr>
+              <a:defRPr sz="3200" b="1">
+                <a:solidFill>
+                  <a:srgbClr val="1C2833"/>
+                </a:solidFill>
+              </a:defRPr>
+            </a:pPr>
+            <a:r>
+              <a:t>実行エンジン</a:t>
+            </a:r>
+          </a:p>
+        </p:txBody>
+      </p:sp>
+      <p:sp>
+        <p:nvSpPr>
+          <p:cNvPr id="3" name="TextBox 2"/>
+          <p:cNvSpPr txBox="1"/>
+          <p:nvPr/>
+        </p:nvSpPr>
+        <p:spPr>
+          <a:xfrm>
+            <a:off x="457200" y="1097280"/>
+            <a:ext cx="8229600" cy="365760"/>
+          </a:xfrm>
+          <a:prstGeom prst="rect">
+            <a:avLst/>
+          </a:prstGeom>
+          <a:noFill/>
+        </p:spPr>
+        <p:txBody>
+          <a:bodyPr wrap="none">
+            <a:spAutoFit/>
+          </a:bodyPr>
+          <a:lstStyle/>
+          <a:p>
+            <a:pPr>
+              <a:defRPr sz="2400" b="1">
+                <a:solidFill>
+                  <a:srgbClr val="5EA8A7"/>
+                </a:solidFill>
+              </a:defRPr>
+            </a:pPr>
+            <a:r>
+              <a:t>機能</a:t>
+            </a:r>
+          </a:p>
+        </p:txBody>
+      </p:sp>
+      <p:sp>
+        <p:nvSpPr>
+          <p:cNvPr id="4" name="TextBox 3"/>
+          <p:cNvSpPr txBox="1"/>
+          <p:nvPr/>
+        </p:nvSpPr>
+        <p:spPr>
+          <a:xfrm>
+            <a:off x="457200" y="1371600"/>
+            <a:ext cx="8229600" cy="822960"/>
+          </a:xfrm>
+          <a:prstGeom prst="rect">
+            <a:avLst/>
+          </a:prstGeom>
+          <a:noFill/>
+        </p:spPr>
+        <p:txBody>
+          <a:bodyPr wrap="square">
+            <a:spAutoFit/>
+          </a:bodyPr>
+          <a:lstStyle/>
+          <a:p>
+            <a:pPr>
+              <a:lnSpc>
+                <a:spcPct val="140000"/>
+              </a:lnSpc>
+              <a:spcBef>
+                <a:spcPts val="600"/>
+              </a:spcBef>
+              <a:defRPr sz="1600">
+                <a:solidFill>
+                  <a:srgbClr val="1C2833"/>
+                </a:solidFill>
+              </a:defRPr>
+            </a:pPr>
+            <a:r>
+              <a:t>• Executor: 関数パスの実行（formula/SPARQL/REST対応）</a:t>
+            </a:r>
+          </a:p>
+          <a:p>
+            <a:pPr>
+              <a:lnSpc>
+                <a:spcPct val="140000"/>
+              </a:lnSpc>
+              <a:spcBef>
+                <a:spcPts val="600"/>
+              </a:spcBef>
+              <a:defRPr sz="1600">
+                <a:solidFill>
+                  <a:srgbClr val="1C2833"/>
+                </a:solidFill>
+              </a:defRPr>
+            </a:pPr>
+            <a:r>
+              <a:t>• UnitConverter: 単位変換の自動実行</a:t>
+            </a:r>
+          </a:p>
+          <a:p>
+            <a:pPr>
+              <a:lnSpc>
+                <a:spcPct val="140000"/>
+              </a:lnSpc>
+              <a:spcBef>
+                <a:spcPts val="600"/>
+              </a:spcBef>
+              <a:defRPr sz="1600">
+                <a:solidFill>
+                  <a:srgbClr val="1C2833"/>
+                </a:solidFill>
+              </a:defRPr>
+            </a:pPr>
+            <a:r>
+              <a:t>• ProvenanceGenerator: PROV-O準拠のProvenance生成</a:t>
+            </a:r>
+          </a:p>
+        </p:txBody>
+      </p:sp>
+      <p:sp>
+        <p:nvSpPr>
+          <p:cNvPr id="5" name="TextBox 4"/>
+          <p:cNvSpPr txBox="1"/>
+          <p:nvPr/>
+        </p:nvSpPr>
+        <p:spPr>
+          <a:xfrm>
+            <a:off x="457200" y="2377440"/>
+            <a:ext cx="8229600" cy="365760"/>
+          </a:xfrm>
+          <a:prstGeom prst="rect">
+            <a:avLst/>
+          </a:prstGeom>
+          <a:noFill/>
+        </p:spPr>
+        <p:txBody>
+          <a:bodyPr wrap="none">
+            <a:spAutoFit/>
+          </a:bodyPr>
+          <a:lstStyle/>
+          <a:p>
+            <a:pPr>
+              <a:defRPr sz="2400" b="1">
+                <a:solidFill>
+                  <a:srgbClr val="5EA8A7"/>
+                </a:solidFill>
+              </a:defRPr>
+            </a:pPr>
+            <a:r>
+              <a:t>実行例</a:t>
+            </a:r>
+          </a:p>
+        </p:txBody>
+      </p:sp>
+      <p:sp>
+        <p:nvSpPr>
+          <p:cNvPr id="6" name="TextBox 5"/>
+          <p:cNvSpPr txBox="1"/>
+          <p:nvPr/>
+        </p:nvSpPr>
+        <p:spPr>
+          <a:xfrm>
+            <a:off x="457200" y="2651760"/>
+            <a:ext cx="8229600" cy="1371600"/>
+          </a:xfrm>
+          <a:prstGeom prst="rect">
+            <a:avLst/>
+          </a:prstGeom>
+          <a:solidFill>
+            <a:srgbClr val="ECF0F1"/>
+          </a:solidFill>
+          <a:ln w="12700">
+            <a:solidFill>
+              <a:srgbClr val="AAB7B8"/>
+            </a:solidFill>
+          </a:ln>
+        </p:spPr>
+        <p:txBody>
+          <a:bodyPr wrap="none" lIns="127000" tIns="127000" rIns="127000" bIns="127000">
+            <a:spAutoFit/>
+          </a:bodyPr>
+          <a:lstStyle/>
+          <a:p>
+            <a:pPr>
+              <a:defRPr sz="1300">
+                <a:solidFill>
+                  <a:srgbClr val="1C2833"/>
+                </a:solidFill>
+                <a:latin typeface="Courier New"/>
+              </a:defRPr>
+            </a:pPr>
+            <a:r>
+              <a:t>result = executor.execute(path, input_value)</a:t>
+            </a:r>
+          </a:p>
+          <a:p>
+            <a:r>
+              <a:t># result = {</a:t>
+            </a:r>
+          </a:p>
+          <a:p>
+            <a:r>
+              <a:t>#   "value": 123.45,</a:t>
+            </a:r>
+          </a:p>
+          <a:p>
+            <a:r>
+              <a:t>#   "unit": "kg-CO2",</a:t>
+            </a:r>
+          </a:p>
+          <a:p>
+            <a:r>
+              <a:t>#   "provenance": {</a:t>
+            </a:r>
+          </a:p>
+          <a:p>
+            <a:r>
+              <a:t>#     "activity": "prov:Activity_001",</a:t>
+            </a:r>
+          </a:p>
+          <a:p>
+            <a:r>
+              <a:t>#     "wasGeneratedBy": [...],</a:t>
+            </a:r>
+          </a:p>
+          <a:p>
+            <a:r>
+              <a:t>#     "used": [...]</a:t>
+            </a:r>
+          </a:p>
+          <a:p>
+            <a:r>
+              <a:t>#   }</a:t>
+            </a:r>
+          </a:p>
+          <a:p>
+            <a:r>
+              <a:t># }</a:t>
+            </a:r>
+          </a:p>
+        </p:txBody>
+      </p:sp>
+      <p:sp>
+        <p:nvSpPr>
+          <p:cNvPr id="7" name="TextBox 6"/>
+          <p:cNvSpPr txBox="1"/>
+          <p:nvPr/>
+        </p:nvSpPr>
+        <p:spPr>
+          <a:xfrm>
+            <a:off x="457200" y="4114800"/>
+            <a:ext cx="8229600" cy="365760"/>
+          </a:xfrm>
+          <a:prstGeom prst="rect">
+            <a:avLst/>
+          </a:prstGeom>
+          <a:noFill/>
+        </p:spPr>
+        <p:txBody>
+          <a:bodyPr wrap="square">
+            <a:spAutoFit/>
+          </a:bodyPr>
+          <a:lstStyle/>
+          <a:p>
+            <a:pPr>
+              <a:defRPr sz="1600">
+                <a:solidFill>
+                  <a:srgbClr val="1C2833"/>
+                </a:solidFill>
+              </a:defRPr>
+            </a:pPr>
+            <a:r>
+              <a:t>実行の各ステップでProvenanceを記録し、トレーサビリティを確保</a:t>
             </a:r>
           </a:p>
         </p:txBody>
@@ -3877,6 +5059,14 @@
 <file path=ppt/slides/slide16.xml><?xml version="1.0" encoding="utf-8"?>
 <p:sld xmlns:a="http://schemas.openxmlformats.org/drawingml/2006/main" xmlns:p="http://schemas.openxmlformats.org/presentationml/2006/main" xmlns:r="http://schemas.openxmlformats.org/officeDocument/2006/relationships">
   <p:cSld>
+    <p:bg>
+      <p:bgPr>
+        <a:solidFill>
+          <a:srgbClr val="F4F6F6"/>
+        </a:solidFill>
+        <a:effectLst/>
+      </p:bgPr>
+    </p:bg>
     <p:spTree>
       <p:nvGrpSpPr>
         <p:cNvPr id="1" name=""/>
@@ -3886,42 +5076,318 @@
       <p:grpSpPr/>
       <p:sp>
         <p:nvSpPr>
-          <p:cNvPr id="2" name="Title 1"/>
-          <p:cNvSpPr>
-            <a:spLocks noGrp="1"/>
-          </p:cNvSpPr>
-          <p:nvPr>
-            <p:ph type="title"/>
-          </p:nvPr>
-        </p:nvSpPr>
-        <p:spPr/>
-        <p:txBody>
-          <a:bodyPr/>
-          <a:lstStyle/>
-          <a:p>
-            <a:r>
-              <a:t>4. CFP計算の実例</a:t>
-            </a:r>
-          </a:p>
-        </p:txBody>
-      </p:sp>
-      <p:sp>
-        <p:nvSpPr>
-          <p:cNvPr id="3" name="Content Placeholder 2"/>
-          <p:cNvSpPr>
-            <a:spLocks noGrp="1"/>
-          </p:cNvSpPr>
-          <p:nvPr>
-            <p:ph idx="1"/>
-          </p:nvPr>
-        </p:nvSpPr>
-        <p:spPr/>
-        <p:txBody>
-          <a:bodyPr/>
-          <a:lstStyle/>
-          <a:p>
-            <a:r>
-              <a:t>Carbon Footprint 計算による実証</a:t>
+          <p:cNvPr id="2" name="TextBox 1"/>
+          <p:cNvSpPr txBox="1"/>
+          <p:nvPr/>
+        </p:nvSpPr>
+        <p:spPr>
+          <a:xfrm>
+            <a:off x="457200" y="274320"/>
+            <a:ext cx="8229600" cy="548640"/>
+          </a:xfrm>
+          <a:prstGeom prst="rect">
+            <a:avLst/>
+          </a:prstGeom>
+          <a:noFill/>
+        </p:spPr>
+        <p:txBody>
+          <a:bodyPr wrap="none">
+            <a:spAutoFit/>
+          </a:bodyPr>
+          <a:lstStyle/>
+          <a:p>
+            <a:pPr>
+              <a:defRPr sz="3200" b="1">
+                <a:solidFill>
+                  <a:srgbClr val="1C2833"/>
+                </a:solidFill>
+              </a:defRPr>
+            </a:pPr>
+            <a:r>
+              <a:t>PROV-O Provenance</a:t>
+            </a:r>
+          </a:p>
+        </p:txBody>
+      </p:sp>
+      <p:sp>
+        <p:nvSpPr>
+          <p:cNvPr id="3" name="TextBox 2"/>
+          <p:cNvSpPr txBox="1"/>
+          <p:nvPr/>
+        </p:nvSpPr>
+        <p:spPr>
+          <a:xfrm>
+            <a:off x="457200" y="1097280"/>
+            <a:ext cx="8229600" cy="365760"/>
+          </a:xfrm>
+          <a:prstGeom prst="rect">
+            <a:avLst/>
+          </a:prstGeom>
+          <a:noFill/>
+        </p:spPr>
+        <p:txBody>
+          <a:bodyPr wrap="none">
+            <a:spAutoFit/>
+          </a:bodyPr>
+          <a:lstStyle/>
+          <a:p>
+            <a:pPr>
+              <a:defRPr sz="2400" b="1">
+                <a:solidFill>
+                  <a:srgbClr val="5EA8A7"/>
+                </a:solidFill>
+              </a:defRPr>
+            </a:pPr>
+            <a:r>
+              <a:t>W3C PROV-O準拠</a:t>
+            </a:r>
+          </a:p>
+        </p:txBody>
+      </p:sp>
+      <p:sp>
+        <p:nvSpPr>
+          <p:cNvPr id="4" name="TextBox 3"/>
+          <p:cNvSpPr txBox="1"/>
+          <p:nvPr/>
+        </p:nvSpPr>
+        <p:spPr>
+          <a:xfrm>
+            <a:off x="457200" y="1371600"/>
+            <a:ext cx="8229600" cy="1097280"/>
+          </a:xfrm>
+          <a:prstGeom prst="rect">
+            <a:avLst/>
+          </a:prstGeom>
+          <a:noFill/>
+        </p:spPr>
+        <p:txBody>
+          <a:bodyPr wrap="square">
+            <a:spAutoFit/>
+          </a:bodyPr>
+          <a:lstStyle/>
+          <a:p>
+            <a:pPr>
+              <a:lnSpc>
+                <a:spcPct val="140000"/>
+              </a:lnSpc>
+              <a:spcBef>
+                <a:spcPts val="600"/>
+              </a:spcBef>
+              <a:defRPr sz="1600">
+                <a:solidFill>
+                  <a:srgbClr val="1C2833"/>
+                </a:solidFill>
+              </a:defRPr>
+            </a:pPr>
+            <a:r>
+              <a:t>• Entity: 入力・出力データ</a:t>
+            </a:r>
+          </a:p>
+          <a:p>
+            <a:pPr>
+              <a:lnSpc>
+                <a:spcPct val="140000"/>
+              </a:lnSpc>
+              <a:spcBef>
+                <a:spcPts val="600"/>
+              </a:spcBef>
+              <a:defRPr sz="1600">
+                <a:solidFill>
+                  <a:srgbClr val="1C2833"/>
+                </a:solidFill>
+              </a:defRPr>
+            </a:pPr>
+            <a:r>
+              <a:t>• Activity: 関数の実行</a:t>
+            </a:r>
+          </a:p>
+          <a:p>
+            <a:pPr>
+              <a:lnSpc>
+                <a:spcPct val="140000"/>
+              </a:lnSpc>
+              <a:spcBef>
+                <a:spcPts val="600"/>
+              </a:spcBef>
+              <a:defRPr sz="1600">
+                <a:solidFill>
+                  <a:srgbClr val="1C2833"/>
+                </a:solidFill>
+              </a:defRPr>
+            </a:pPr>
+            <a:r>
+              <a:t>• wasGeneratedBy: データ生成の因果関係</a:t>
+            </a:r>
+          </a:p>
+          <a:p>
+            <a:pPr>
+              <a:lnSpc>
+                <a:spcPct val="140000"/>
+              </a:lnSpc>
+              <a:spcBef>
+                <a:spcPts val="600"/>
+              </a:spcBef>
+              <a:defRPr sz="1600">
+                <a:solidFill>
+                  <a:srgbClr val="1C2833"/>
+                </a:solidFill>
+              </a:defRPr>
+            </a:pPr>
+            <a:r>
+              <a:t>• used: アクティビティが使用したエンティティ</a:t>
+            </a:r>
+          </a:p>
+        </p:txBody>
+      </p:sp>
+      <p:sp>
+        <p:nvSpPr>
+          <p:cNvPr id="5" name="TextBox 4"/>
+          <p:cNvSpPr txBox="1"/>
+          <p:nvPr/>
+        </p:nvSpPr>
+        <p:spPr>
+          <a:xfrm>
+            <a:off x="457200" y="2651760"/>
+            <a:ext cx="8229600" cy="365760"/>
+          </a:xfrm>
+          <a:prstGeom prst="rect">
+            <a:avLst/>
+          </a:prstGeom>
+          <a:noFill/>
+        </p:spPr>
+        <p:txBody>
+          <a:bodyPr wrap="none">
+            <a:spAutoFit/>
+          </a:bodyPr>
+          <a:lstStyle/>
+          <a:p>
+            <a:pPr>
+              <a:defRPr sz="2400" b="1">
+                <a:solidFill>
+                  <a:srgbClr val="5EA8A7"/>
+                </a:solidFill>
+              </a:defRPr>
+            </a:pPr>
+            <a:r>
+              <a:t>生成例</a:t>
+            </a:r>
+          </a:p>
+        </p:txBody>
+      </p:sp>
+      <p:sp>
+        <p:nvSpPr>
+          <p:cNvPr id="6" name="TextBox 5"/>
+          <p:cNvSpPr txBox="1"/>
+          <p:nvPr/>
+        </p:nvSpPr>
+        <p:spPr>
+          <a:xfrm>
+            <a:off x="457200" y="2926080"/>
+            <a:ext cx="8229600" cy="1463040"/>
+          </a:xfrm>
+          <a:prstGeom prst="rect">
+            <a:avLst/>
+          </a:prstGeom>
+          <a:solidFill>
+            <a:srgbClr val="ECF0F1"/>
+          </a:solidFill>
+          <a:ln w="12700">
+            <a:solidFill>
+              <a:srgbClr val="AAB7B8"/>
+            </a:solidFill>
+          </a:ln>
+        </p:spPr>
+        <p:txBody>
+          <a:bodyPr wrap="none" lIns="127000" tIns="127000" rIns="127000" bIns="127000">
+            <a:spAutoFit/>
+          </a:bodyPr>
+          <a:lstStyle/>
+          <a:p>
+            <a:pPr>
+              <a:defRPr sz="1300">
+                <a:solidFill>
+                  <a:srgbClr val="1C2833"/>
+                </a:solidFill>
+                <a:latin typeface="Courier New"/>
+              </a:defRPr>
+            </a:pPr>
+            <a:r>
+              <a:t>{</a:t>
+            </a:r>
+          </a:p>
+          <a:p>
+            <a:r>
+              <a:t>  "@context": "http://www.w3.org/ns/prov",</a:t>
+            </a:r>
+          </a:p>
+          <a:p>
+            <a:r>
+              <a:t>  "entity": {</a:t>
+            </a:r>
+          </a:p>
+          <a:p>
+            <a:r>
+              <a:t>    "id": "entity:output_001",</a:t>
+            </a:r>
+          </a:p>
+          <a:p>
+            <a:r>
+              <a:t>    "value": 123.45,</a:t>
+            </a:r>
+          </a:p>
+          <a:p>
+            <a:r>
+              <a:t>    "unit": "kg-CO2"</a:t>
+            </a:r>
+          </a:p>
+          <a:p>
+            <a:r>
+              <a:t>  },</a:t>
+            </a:r>
+          </a:p>
+          <a:p>
+            <a:r>
+              <a:t>  "activity": {</a:t>
+            </a:r>
+          </a:p>
+          <a:p>
+            <a:r>
+              <a:t>    "id": "activity:energyToEmissions",</a:t>
+            </a:r>
+          </a:p>
+          <a:p>
+            <a:r>
+              <a:t>    "startedAtTime": "2024-01-15T10:30:00Z"</a:t>
+            </a:r>
+          </a:p>
+          <a:p>
+            <a:r>
+              <a:t>  },</a:t>
+            </a:r>
+          </a:p>
+          <a:p>
+            <a:r>
+              <a:t>  "wasGeneratedBy": {</a:t>
+            </a:r>
+          </a:p>
+          <a:p>
+            <a:r>
+              <a:t>    "entity": "entity:output_001",</a:t>
+            </a:r>
+          </a:p>
+          <a:p>
+            <a:r>
+              <a:t>    "activity": "activity:energyToEmissions"</a:t>
+            </a:r>
+          </a:p>
+          <a:p>
+            <a:r>
+              <a:t>  }</a:t>
+            </a:r>
+          </a:p>
+          <a:p>
+            <a:r>
+              <a:t>}</a:t>
             </a:r>
           </a:p>
         </p:txBody>
@@ -3937,6 +5403,14 @@
 <file path=ppt/slides/slide17.xml><?xml version="1.0" encoding="utf-8"?>
 <p:sld xmlns:a="http://schemas.openxmlformats.org/drawingml/2006/main" xmlns:p="http://schemas.openxmlformats.org/presentationml/2006/main" xmlns:r="http://schemas.openxmlformats.org/officeDocument/2006/relationships">
   <p:cSld>
+    <p:bg>
+      <p:bgPr>
+        <a:solidFill>
+          <a:srgbClr val="2E4053"/>
+        </a:solidFill>
+        <a:effectLst/>
+      </p:bgPr>
+    </p:bg>
     <p:spTree>
       <p:nvGrpSpPr>
         <p:cNvPr id="1" name=""/>
@@ -3946,93 +5420,70 @@
       <p:grpSpPr/>
       <p:sp>
         <p:nvSpPr>
-          <p:cNvPr id="2" name="Title 1"/>
-          <p:cNvSpPr>
-            <a:spLocks noGrp="1"/>
-          </p:cNvSpPr>
-          <p:nvPr>
-            <p:ph type="title"/>
-          </p:nvPr>
-        </p:nvSpPr>
-        <p:spPr/>
-        <p:txBody>
-          <a:bodyPr/>
-          <a:lstStyle/>
-          <a:p>
-            <a:r>
-              <a:t>問題設定</a:t>
-            </a:r>
-          </a:p>
-        </p:txBody>
-      </p:sp>
-      <p:sp>
-        <p:nvSpPr>
-          <p:cNvPr id="3" name="Content Placeholder 2"/>
-          <p:cNvSpPr>
-            <a:spLocks noGrp="1"/>
-          </p:cNvSpPr>
-          <p:nvPr>
-            <p:ph idx="1"/>
-          </p:nvPr>
-        </p:nvSpPr>
-        <p:spPr/>
-        <p:txBody>
-          <a:bodyPr/>
-          <a:lstStyle/>
-          <a:p>
-            <a:pPr>
-              <a:defRPr b="1"/>
-            </a:pPr>
-            <a:r>
-              <a:t>目標: 製品（Product）のCO2排出量を計算</a:t>
-            </a:r>
-          </a:p>
-          <a:p/>
-          <a:p>
-            <a:pPr>
-              <a:defRPr b="1"/>
-            </a:pPr>
-            <a:r>
-              <a:t>制約: 直接的な Product → CO2 関数は存在しない</a:t>
-            </a:r>
-          </a:p>
-          <a:p/>
-          <a:p>
-            <a:r>
-              <a:t>利用可能な関数（断片的）:</a:t>
-            </a:r>
-          </a:p>
-          <a:p>
-            <a:pPr lvl="1"/>
-            <a:r>
-              <a:t>• usesEnergy: Product → Energy</a:t>
-            </a:r>
-          </a:p>
-          <a:p>
-            <a:pPr lvl="1"/>
-            <a:r>
-              <a:t>• fuelToEnergy: Fuel → Energy</a:t>
-            </a:r>
-          </a:p>
-          <a:p>
-            <a:pPr lvl="1"/>
-            <a:r>
-              <a:t>• fuelToCO2: Fuel → CO2</a:t>
-            </a:r>
-          </a:p>
-          <a:p>
-            <a:pPr lvl="1"/>
-            <a:r>
-              <a:t>• energyToFuelEstimate: Energy → Fuel (逆関数)</a:t>
-            </a:r>
-          </a:p>
-          <a:p/>
-          <a:p>
-            <a:pPr>
-              <a:defRPr i="1"/>
-            </a:pPr>
-            <a:r>
-              <a:t>→ これらをどう組み合わせるか？</a:t>
+          <p:cNvPr id="2" name="TextBox 1"/>
+          <p:cNvSpPr txBox="1"/>
+          <p:nvPr/>
+        </p:nvSpPr>
+        <p:spPr>
+          <a:xfrm>
+            <a:off x="914400" y="1828800"/>
+            <a:ext cx="7315200" cy="914400"/>
+          </a:xfrm>
+          <a:prstGeom prst="rect">
+            <a:avLst/>
+          </a:prstGeom>
+          <a:noFill/>
+        </p:spPr>
+        <p:txBody>
+          <a:bodyPr wrap="none">
+            <a:spAutoFit/>
+          </a:bodyPr>
+          <a:lstStyle/>
+          <a:p>
+            <a:pPr algn="ctr">
+              <a:defRPr sz="4000" b="1">
+                <a:solidFill>
+                  <a:srgbClr val="F4F6F6"/>
+                </a:solidFill>
+              </a:defRPr>
+            </a:pPr>
+            <a:r>
+              <a:t>第4部：CFP計算の実例</a:t>
+            </a:r>
+          </a:p>
+        </p:txBody>
+      </p:sp>
+      <p:sp>
+        <p:nvSpPr>
+          <p:cNvPr id="3" name="TextBox 2"/>
+          <p:cNvSpPr txBox="1"/>
+          <p:nvPr/>
+        </p:nvSpPr>
+        <p:spPr>
+          <a:xfrm>
+            <a:off x="914400" y="2926080"/>
+            <a:ext cx="7315200" cy="457200"/>
+          </a:xfrm>
+          <a:prstGeom prst="rect">
+            <a:avLst/>
+          </a:prstGeom>
+          <a:noFill/>
+        </p:spPr>
+        <p:txBody>
+          <a:bodyPr wrap="none">
+            <a:spAutoFit/>
+          </a:bodyPr>
+          <a:lstStyle/>
+          <a:p>
+            <a:pPr algn="ctr">
+              <a:defRPr sz="2000">
+                <a:solidFill>
+                  <a:srgbClr val="5EA8A7"/>
+                </a:solidFill>
+              </a:defRPr>
+            </a:pPr>
+            <a:r>
+              <a:t>Carbon Footprint計算での適用</a:t>
             </a:r>
           </a:p>
         </p:txBody>
@@ -4048,6 +5499,14 @@
 <file path=ppt/slides/slide18.xml><?xml version="1.0" encoding="utf-8"?>
 <p:sld xmlns:a="http://schemas.openxmlformats.org/drawingml/2006/main" xmlns:p="http://schemas.openxmlformats.org/presentationml/2006/main" xmlns:r="http://schemas.openxmlformats.org/officeDocument/2006/relationships">
   <p:cSld>
+    <p:bg>
+      <p:bgPr>
+        <a:solidFill>
+          <a:srgbClr val="F4F6F6"/>
+        </a:solidFill>
+        <a:effectLst/>
+      </p:bgPr>
+    </p:bg>
     <p:spTree>
       <p:nvGrpSpPr>
         <p:cNvPr id="1" name=""/>
@@ -4057,167 +5516,423 @@
       <p:grpSpPr/>
       <p:sp>
         <p:nvSpPr>
-          <p:cNvPr id="2" name="Title 1"/>
-          <p:cNvSpPr>
-            <a:spLocks noGrp="1"/>
-          </p:cNvSpPr>
-          <p:nvPr>
-            <p:ph type="title"/>
-          </p:nvPr>
-        </p:nvSpPr>
-        <p:spPr/>
-        <p:txBody>
-          <a:bodyPr/>
-          <a:lstStyle/>
-          <a:p>
-            <a:r>
-              <a:t>発見されたパス</a:t>
-            </a:r>
-          </a:p>
-        </p:txBody>
-      </p:sp>
-      <p:sp>
-        <p:nvSpPr>
-          <p:cNvPr id="3" name="Content Placeholder 2"/>
-          <p:cNvSpPr>
-            <a:spLocks noGrp="1"/>
-          </p:cNvSpPr>
-          <p:nvPr>
-            <p:ph idx="1"/>
-          </p:nvPr>
-        </p:nvSpPr>
-        <p:spPr/>
-        <p:txBody>
-          <a:bodyPr/>
+          <p:cNvPr id="2" name="TextBox 1"/>
+          <p:cNvSpPr txBox="1"/>
+          <p:nvPr/>
+        </p:nvSpPr>
+        <p:spPr>
+          <a:xfrm>
+            <a:off x="457200" y="274320"/>
+            <a:ext cx="8229600" cy="548640"/>
+          </a:xfrm>
+          <a:prstGeom prst="rect">
+            <a:avLst/>
+          </a:prstGeom>
+          <a:noFill/>
+        </p:spPr>
+        <p:txBody>
+          <a:bodyPr wrap="none">
+            <a:spAutoFit/>
+          </a:bodyPr>
+          <a:lstStyle/>
+          <a:p>
+            <a:pPr>
+              <a:defRPr sz="3200" b="1">
+                <a:solidFill>
+                  <a:srgbClr val="1C2833"/>
+                </a:solidFill>
+              </a:defRPr>
+            </a:pPr>
+            <a:r>
+              <a:t>問題設定</a:t>
+            </a:r>
+          </a:p>
+        </p:txBody>
+      </p:sp>
+      <p:sp>
+        <p:nvSpPr>
+          <p:cNvPr id="3" name="TextBox 2"/>
+          <p:cNvSpPr txBox="1"/>
+          <p:nvPr/>
+        </p:nvSpPr>
+        <p:spPr>
+          <a:xfrm>
+            <a:off x="457200" y="1097280"/>
+            <a:ext cx="8229600" cy="365760"/>
+          </a:xfrm>
+          <a:prstGeom prst="rect">
+            <a:avLst/>
+          </a:prstGeom>
+          <a:noFill/>
+        </p:spPr>
+        <p:txBody>
+          <a:bodyPr wrap="none">
+            <a:spAutoFit/>
+          </a:bodyPr>
+          <a:lstStyle/>
+          <a:p>
+            <a:pPr>
+              <a:defRPr sz="2400" b="1">
+                <a:solidFill>
+                  <a:srgbClr val="5EA8A7"/>
+                </a:solidFill>
+              </a:defRPr>
+            </a:pPr>
+            <a:r>
+              <a:t>シナリオ</a:t>
+            </a:r>
+          </a:p>
+        </p:txBody>
+      </p:sp>
+      <p:sp>
+        <p:nvSpPr>
+          <p:cNvPr id="4" name="TextBox 3"/>
+          <p:cNvSpPr txBox="1"/>
+          <p:nvPr/>
+        </p:nvSpPr>
+        <p:spPr>
+          <a:xfrm>
+            <a:off x="457200" y="1371600"/>
+            <a:ext cx="8229600" cy="274320"/>
+          </a:xfrm>
+          <a:prstGeom prst="rect">
+            <a:avLst/>
+          </a:prstGeom>
+          <a:noFill/>
+        </p:spPr>
+        <p:txBody>
+          <a:bodyPr wrap="square">
+            <a:spAutoFit/>
+          </a:bodyPr>
           <a:lstStyle/>
           <a:p>
             <a:pPr>
               <a:defRPr sz="1600">
-                <a:latin typeface="Courier New"/>
-              </a:defRPr>
-            </a:pPr>
-            <a:r>
-              <a:t>Product</a:t>
-            </a:r>
-          </a:p>
-          <a:p>
-            <a:pPr>
+                <a:solidFill>
+                  <a:srgbClr val="1C2833"/>
+                </a:solidFill>
+              </a:defRPr>
+            </a:pPr>
+            <a:r>
+              <a:t>企業の購買データから温室効果ガス排出量を計算</a:t>
+            </a:r>
+          </a:p>
+        </p:txBody>
+      </p:sp>
+      <p:sp>
+        <p:nvSpPr>
+          <p:cNvPr id="5" name="TextBox 4"/>
+          <p:cNvSpPr txBox="1"/>
+          <p:nvPr/>
+        </p:nvSpPr>
+        <p:spPr>
+          <a:xfrm>
+            <a:off x="457200" y="1828800"/>
+            <a:ext cx="8229600" cy="365760"/>
+          </a:xfrm>
+          <a:prstGeom prst="rect">
+            <a:avLst/>
+          </a:prstGeom>
+          <a:noFill/>
+        </p:spPr>
+        <p:txBody>
+          <a:bodyPr wrap="none">
+            <a:spAutoFit/>
+          </a:bodyPr>
+          <a:lstStyle/>
+          <a:p>
+            <a:pPr>
+              <a:defRPr sz="2400" b="1">
+                <a:solidFill>
+                  <a:srgbClr val="5EA8A7"/>
+                </a:solidFill>
+              </a:defRPr>
+            </a:pPr>
+            <a:r>
+              <a:t>入力</a:t>
+            </a:r>
+          </a:p>
+        </p:txBody>
+      </p:sp>
+      <p:sp>
+        <p:nvSpPr>
+          <p:cNvPr id="6" name="TextBox 5"/>
+          <p:cNvSpPr txBox="1"/>
+          <p:nvPr/>
+        </p:nvSpPr>
+        <p:spPr>
+          <a:xfrm>
+            <a:off x="457200" y="2103120"/>
+            <a:ext cx="8229600" cy="640080"/>
+          </a:xfrm>
+          <a:prstGeom prst="rect">
+            <a:avLst/>
+          </a:prstGeom>
+          <a:noFill/>
+        </p:spPr>
+        <p:txBody>
+          <a:bodyPr wrap="square">
+            <a:spAutoFit/>
+          </a:bodyPr>
+          <a:lstStyle/>
+          <a:p>
+            <a:pPr>
+              <a:lnSpc>
+                <a:spcPct val="140000"/>
+              </a:lnSpc>
+              <a:spcBef>
+                <a:spcPts val="600"/>
+              </a:spcBef>
               <a:defRPr sz="1600">
-                <a:latin typeface="Courier New"/>
-              </a:defRPr>
-            </a:pPr>
-            <a:r>
-              <a:t>   |</a:t>
-            </a:r>
-          </a:p>
-          <a:p>
-            <a:pPr>
-              <a:defRPr sz="1400">
-                <a:latin typeface="Courier New"/>
-              </a:defRPr>
-            </a:pPr>
-            <a:r>
-              <a:t>   | [1] usesEnergy (conf: 0.9)</a:t>
-            </a:r>
-          </a:p>
-          <a:p>
-            <a:pPr>
+                <a:solidFill>
+                  <a:srgbClr val="1C2833"/>
+                </a:solidFill>
+              </a:defRPr>
+            </a:pPr>
+            <a:r>
+              <a:t>• 購買金額（JPY）</a:t>
+            </a:r>
+          </a:p>
+          <a:p>
+            <a:pPr>
+              <a:lnSpc>
+                <a:spcPct val="140000"/>
+              </a:lnSpc>
+              <a:spcBef>
+                <a:spcPts val="600"/>
+              </a:spcBef>
               <a:defRPr sz="1600">
-                <a:latin typeface="Courier New"/>
-              </a:defRPr>
-            </a:pPr>
-            <a:r>
-              <a:t>   ↓</a:t>
-            </a:r>
-          </a:p>
-          <a:p>
-            <a:pPr>
+                <a:solidFill>
+                  <a:srgbClr val="1C2833"/>
+                </a:solidFill>
+              </a:defRPr>
+            </a:pPr>
+            <a:r>
+              <a:t>• 製品カテゴリ</a:t>
+            </a:r>
+          </a:p>
+          <a:p>
+            <a:pPr>
+              <a:lnSpc>
+                <a:spcPct val="140000"/>
+              </a:lnSpc>
+              <a:spcBef>
+                <a:spcPts val="600"/>
+              </a:spcBef>
               <a:defRPr sz="1600">
-                <a:latin typeface="Courier New"/>
-              </a:defRPr>
-            </a:pPr>
-            <a:r>
-              <a:t>Energy</a:t>
-            </a:r>
-          </a:p>
-          <a:p>
-            <a:pPr>
+                <a:solidFill>
+                  <a:srgbClr val="1C2833"/>
+                </a:solidFill>
+              </a:defRPr>
+            </a:pPr>
+            <a:r>
+              <a:t>• エネルギー消費量（kWh）</a:t>
+            </a:r>
+          </a:p>
+        </p:txBody>
+      </p:sp>
+      <p:sp>
+        <p:nvSpPr>
+          <p:cNvPr id="7" name="TextBox 6"/>
+          <p:cNvSpPr txBox="1"/>
+          <p:nvPr/>
+        </p:nvSpPr>
+        <p:spPr>
+          <a:xfrm>
+            <a:off x="457200" y="2926080"/>
+            <a:ext cx="8229600" cy="365760"/>
+          </a:xfrm>
+          <a:prstGeom prst="rect">
+            <a:avLst/>
+          </a:prstGeom>
+          <a:noFill/>
+        </p:spPr>
+        <p:txBody>
+          <a:bodyPr wrap="none">
+            <a:spAutoFit/>
+          </a:bodyPr>
+          <a:lstStyle/>
+          <a:p>
+            <a:pPr>
+              <a:defRPr sz="2400" b="1">
+                <a:solidFill>
+                  <a:srgbClr val="5EA8A7"/>
+                </a:solidFill>
+              </a:defRPr>
+            </a:pPr>
+            <a:r>
+              <a:t>目標</a:t>
+            </a:r>
+          </a:p>
+        </p:txBody>
+      </p:sp>
+      <p:sp>
+        <p:nvSpPr>
+          <p:cNvPr id="8" name="TextBox 7"/>
+          <p:cNvSpPr txBox="1"/>
+          <p:nvPr/>
+        </p:nvSpPr>
+        <p:spPr>
+          <a:xfrm>
+            <a:off x="457200" y="3200400"/>
+            <a:ext cx="8229600" cy="457200"/>
+          </a:xfrm>
+          <a:prstGeom prst="rect">
+            <a:avLst/>
+          </a:prstGeom>
+          <a:noFill/>
+        </p:spPr>
+        <p:txBody>
+          <a:bodyPr wrap="square">
+            <a:spAutoFit/>
+          </a:bodyPr>
+          <a:lstStyle/>
+          <a:p>
+            <a:pPr>
+              <a:lnSpc>
+                <a:spcPct val="140000"/>
+              </a:lnSpc>
+              <a:spcBef>
+                <a:spcPts val="600"/>
+              </a:spcBef>
               <a:defRPr sz="1600">
-                <a:latin typeface="Courier New"/>
-              </a:defRPr>
-            </a:pPr>
-            <a:r>
-              <a:t>   |</a:t>
-            </a:r>
-          </a:p>
-          <a:p>
-            <a:pPr>
-              <a:defRPr sz="1400">
-                <a:latin typeface="Courier New"/>
-              </a:defRPr>
-            </a:pPr>
-            <a:r>
-              <a:t>   | [3] energyToFuelEstimate (conf: 0.8) ⚠️</a:t>
-            </a:r>
-          </a:p>
-          <a:p>
-            <a:pPr>
+                <a:solidFill>
+                  <a:srgbClr val="1C2833"/>
+                </a:solidFill>
+              </a:defRPr>
+            </a:pPr>
+            <a:r>
+              <a:t>• Scope 1, 2, 3 排出量（kg-CO2）</a:t>
+            </a:r>
+          </a:p>
+          <a:p>
+            <a:pPr>
+              <a:lnSpc>
+                <a:spcPct val="140000"/>
+              </a:lnSpc>
+              <a:spcBef>
+                <a:spcPts val="600"/>
+              </a:spcBef>
               <a:defRPr sz="1600">
-                <a:latin typeface="Courier New"/>
-              </a:defRPr>
-            </a:pPr>
-            <a:r>
-              <a:t>   ↓</a:t>
-            </a:r>
-          </a:p>
-          <a:p>
-            <a:pPr>
+                <a:solidFill>
+                  <a:srgbClr val="1C2833"/>
+                </a:solidFill>
+              </a:defRPr>
+            </a:pPr>
+            <a:r>
+              <a:t>• 総排出量（kg-CO2）</a:t>
+            </a:r>
+          </a:p>
+        </p:txBody>
+      </p:sp>
+      <p:sp>
+        <p:nvSpPr>
+          <p:cNvPr id="9" name="TextBox 8"/>
+          <p:cNvSpPr txBox="1"/>
+          <p:nvPr/>
+        </p:nvSpPr>
+        <p:spPr>
+          <a:xfrm>
+            <a:off x="457200" y="3840480"/>
+            <a:ext cx="8229600" cy="365760"/>
+          </a:xfrm>
+          <a:prstGeom prst="rect">
+            <a:avLst/>
+          </a:prstGeom>
+          <a:noFill/>
+        </p:spPr>
+        <p:txBody>
+          <a:bodyPr wrap="none">
+            <a:spAutoFit/>
+          </a:bodyPr>
+          <a:lstStyle/>
+          <a:p>
+            <a:pPr>
+              <a:defRPr sz="2400" b="1">
+                <a:solidFill>
+                  <a:srgbClr val="5EA8A7"/>
+                </a:solidFill>
+              </a:defRPr>
+            </a:pPr>
+            <a:r>
+              <a:t>課題</a:t>
+            </a:r>
+          </a:p>
+        </p:txBody>
+      </p:sp>
+      <p:sp>
+        <p:nvSpPr>
+          <p:cNvPr id="10" name="TextBox 9"/>
+          <p:cNvSpPr txBox="1"/>
+          <p:nvPr/>
+        </p:nvSpPr>
+        <p:spPr>
+          <a:xfrm>
+            <a:off x="457200" y="4114800"/>
+            <a:ext cx="8229600" cy="731520"/>
+          </a:xfrm>
+          <a:prstGeom prst="rect">
+            <a:avLst/>
+          </a:prstGeom>
+          <a:noFill/>
+        </p:spPr>
+        <p:txBody>
+          <a:bodyPr wrap="square">
+            <a:spAutoFit/>
+          </a:bodyPr>
+          <a:lstStyle/>
+          <a:p>
+            <a:pPr>
+              <a:lnSpc>
+                <a:spcPct val="140000"/>
+              </a:lnSpc>
+              <a:spcBef>
+                <a:spcPts val="600"/>
+              </a:spcBef>
               <a:defRPr sz="1600">
-                <a:latin typeface="Courier New"/>
-              </a:defRPr>
-            </a:pPr>
-            <a:r>
-              <a:t>Fuel</a:t>
-            </a:r>
-          </a:p>
-          <a:p>
-            <a:pPr>
+                <a:solidFill>
+                  <a:srgbClr val="1C2833"/>
+                </a:solidFill>
+              </a:defRPr>
+            </a:pPr>
+            <a:r>
+              <a:t>• 複数の変換経路が存在</a:t>
+            </a:r>
+          </a:p>
+          <a:p>
+            <a:pPr>
+              <a:lnSpc>
+                <a:spcPct val="140000"/>
+              </a:lnSpc>
+              <a:spcBef>
+                <a:spcPts val="600"/>
+              </a:spcBef>
               <a:defRPr sz="1600">
-                <a:latin typeface="Courier New"/>
-              </a:defRPr>
-            </a:pPr>
-            <a:r>
-              <a:t>   |</a:t>
-            </a:r>
-          </a:p>
-          <a:p>
-            <a:pPr>
-              <a:defRPr sz="1400">
-                <a:latin typeface="Courier New"/>
-              </a:defRPr>
-            </a:pPr>
-            <a:r>
-              <a:t>   | [1] fuelToCO2 (conf: 0.98)</a:t>
-            </a:r>
-          </a:p>
-          <a:p>
-            <a:pPr>
+                <a:solidFill>
+                  <a:srgbClr val="1C2833"/>
+                </a:solidFill>
+              </a:defRPr>
+            </a:pPr>
+            <a:r>
+              <a:t>• 集約関数による統合が必要</a:t>
+            </a:r>
+          </a:p>
+          <a:p>
+            <a:pPr>
+              <a:lnSpc>
+                <a:spcPct val="140000"/>
+              </a:lnSpc>
+              <a:spcBef>
+                <a:spcPts val="600"/>
+              </a:spcBef>
               <a:defRPr sz="1600">
-                <a:latin typeface="Courier New"/>
-              </a:defRPr>
-            </a:pPr>
-            <a:r>
-              <a:t>   ↓</a:t>
-            </a:r>
-          </a:p>
-          <a:p>
-            <a:pPr>
-              <a:defRPr sz="1600" b="1">
-                <a:latin typeface="Courier New"/>
-              </a:defRPr>
-            </a:pPr>
-            <a:r>
-              <a:t>CO2</a:t>
+                <a:solidFill>
+                  <a:srgbClr val="1C2833"/>
+                </a:solidFill>
+              </a:defRPr>
+            </a:pPr>
+            <a:r>
+              <a:t>• 信頼度とコストのトレードオフ</a:t>
             </a:r>
           </a:p>
         </p:txBody>
@@ -4233,6 +5948,14 @@
 <file path=ppt/slides/slide19.xml><?xml version="1.0" encoding="utf-8"?>
 <p:sld xmlns:a="http://schemas.openxmlformats.org/drawingml/2006/main" xmlns:p="http://schemas.openxmlformats.org/presentationml/2006/main" xmlns:r="http://schemas.openxmlformats.org/officeDocument/2006/relationships">
   <p:cSld>
+    <p:bg>
+      <p:bgPr>
+        <a:solidFill>
+          <a:srgbClr val="F4F6F6"/>
+        </a:solidFill>
+        <a:effectLst/>
+      </p:bgPr>
+    </p:bg>
     <p:spTree>
       <p:nvGrpSpPr>
         <p:cNvPr id="1" name=""/>
@@ -4242,97 +5965,326 @@
       <p:grpSpPr/>
       <p:sp>
         <p:nvSpPr>
-          <p:cNvPr id="2" name="Title 1"/>
-          <p:cNvSpPr>
-            <a:spLocks noGrp="1"/>
-          </p:cNvSpPr>
-          <p:nvPr>
-            <p:ph type="title"/>
-          </p:nvPr>
-        </p:nvSpPr>
-        <p:spPr/>
-        <p:txBody>
-          <a:bodyPr/>
-          <a:lstStyle/>
-          <a:p>
-            <a:r>
-              <a:t>メトリクス分析</a:t>
-            </a:r>
-          </a:p>
-        </p:txBody>
-      </p:sp>
-      <p:sp>
-        <p:nvSpPr>
-          <p:cNvPr id="3" name="Content Placeholder 2"/>
-          <p:cNvSpPr>
-            <a:spLocks noGrp="1"/>
-          </p:cNvSpPr>
-          <p:nvPr>
-            <p:ph idx="1"/>
-          </p:nvPr>
-        </p:nvSpPr>
-        <p:spPr/>
-        <p:txBody>
-          <a:bodyPr/>
-          <a:lstStyle/>
-          <a:p>
-            <a:pPr>
-              <a:defRPr b="1" sz="2000"/>
-            </a:pPr>
-            <a:r>
-              <a:t>総コスト: 5.0</a:t>
-            </a:r>
-          </a:p>
-          <a:p>
-            <a:pPr lvl="1"/>
-            <a:r>
-              <a:t>• usesEnergy: 1.0 (20%)</a:t>
-            </a:r>
-          </a:p>
-          <a:p>
-            <a:pPr lvl="1">
-              <a:defRPr>
-                <a:solidFill>
-                  <a:srgbClr val="FF6400"/>
-                </a:solidFill>
-              </a:defRPr>
-            </a:pPr>
-            <a:r>
-              <a:t>• energyToFuelEstimate: 3.0 (60%) ← 支配的</a:t>
-            </a:r>
-          </a:p>
-          <a:p>
-            <a:pPr lvl="1"/>
-            <a:r>
-              <a:t>• fuelToCO2: 1.0 (20%)</a:t>
+          <p:cNvPr id="2" name="TextBox 1"/>
+          <p:cNvSpPr txBox="1"/>
+          <p:nvPr/>
+        </p:nvSpPr>
+        <p:spPr>
+          <a:xfrm>
+            <a:off x="457200" y="274320"/>
+            <a:ext cx="8229600" cy="548640"/>
+          </a:xfrm>
+          <a:prstGeom prst="rect">
+            <a:avLst/>
+          </a:prstGeom>
+          <a:noFill/>
+        </p:spPr>
+        <p:txBody>
+          <a:bodyPr wrap="none">
+            <a:spAutoFit/>
+          </a:bodyPr>
+          <a:lstStyle/>
+          <a:p>
+            <a:pPr>
+              <a:defRPr sz="3200" b="1">
+                <a:solidFill>
+                  <a:srgbClr val="1C2833"/>
+                </a:solidFill>
+              </a:defRPr>
+            </a:pPr>
+            <a:r>
+              <a:t>探索プロセス</a:t>
+            </a:r>
+          </a:p>
+        </p:txBody>
+      </p:sp>
+      <p:sp>
+        <p:nvSpPr>
+          <p:cNvPr id="3" name="TextBox 2"/>
+          <p:cNvSpPr txBox="1"/>
+          <p:nvPr/>
+        </p:nvSpPr>
+        <p:spPr>
+          <a:xfrm>
+            <a:off x="457200" y="1097280"/>
+            <a:ext cx="8229600" cy="365760"/>
+          </a:xfrm>
+          <a:prstGeom prst="rect">
+            <a:avLst/>
+          </a:prstGeom>
+          <a:noFill/>
+        </p:spPr>
+        <p:txBody>
+          <a:bodyPr wrap="none">
+            <a:spAutoFit/>
+          </a:bodyPr>
+          <a:lstStyle/>
+          <a:p>
+            <a:pPr>
+              <a:defRPr sz="2400" b="1">
+                <a:solidFill>
+                  <a:srgbClr val="5EA8A7"/>
+                </a:solidFill>
+              </a:defRPr>
+            </a:pPr>
+            <a:r>
+              <a:t>ステップ1：パス発見</a:t>
+            </a:r>
+          </a:p>
+        </p:txBody>
+      </p:sp>
+      <p:sp>
+        <p:nvSpPr>
+          <p:cNvPr id="4" name="TextBox 3"/>
+          <p:cNvSpPr txBox="1"/>
+          <p:nvPr/>
+        </p:nvSpPr>
+        <p:spPr>
+          <a:xfrm>
+            <a:off x="457200" y="1371600"/>
+            <a:ext cx="8229600" cy="1188720"/>
+          </a:xfrm>
+          <a:prstGeom prst="rect">
+            <a:avLst/>
+          </a:prstGeom>
+          <a:solidFill>
+            <a:srgbClr val="ECF0F1"/>
+          </a:solidFill>
+          <a:ln w="12700">
+            <a:solidFill>
+              <a:srgbClr val="AAB7B8"/>
+            </a:solidFill>
+          </a:ln>
+        </p:spPr>
+        <p:txBody>
+          <a:bodyPr wrap="none" lIns="127000" tIns="127000" rIns="127000" bIns="127000">
+            <a:spAutoFit/>
+          </a:bodyPr>
+          <a:lstStyle/>
+          <a:p>
+            <a:pPr>
+              <a:defRPr sz="1300">
+                <a:solidFill>
+                  <a:srgbClr val="1C2833"/>
+                </a:solidFill>
+                <a:latin typeface="Courier New"/>
+              </a:defRPr>
+            </a:pPr>
+            <a:r>
+              <a:t>Goal: PurchaseAmount -&gt; TotalGHGEmissions</a:t>
             </a:r>
           </a:p>
           <a:p/>
           <a:p>
-            <a:pPr>
-              <a:defRPr b="1" sz="2000"/>
-            </a:pPr>
-            <a:r>
-              <a:t>総信頼度: 0.7056 ≈ 70.56%</a:t>
-            </a:r>
-          </a:p>
-          <a:p>
-            <a:pPr lvl="1"/>
-            <a:r>
-              <a:t>= 0.9 × 0.8 × 0.98</a:t>
-            </a:r>
-          </a:p>
-          <a:p/>
-          <a:p>
-            <a:pPr>
-              <a:defRPr i="1">
-                <a:solidFill>
-                  <a:srgbClr val="008000"/>
-                </a:solidFill>
-              </a:defRPr>
-            </a:pPr>
-            <a:r>
-              <a:t>→ 実用的に許容範囲</a:t>
+            <a:r>
+              <a:t>Found Path:</a:t>
+            </a:r>
+          </a:p>
+          <a:p>
+            <a:r>
+              <a:t>  PurchaseAmount -&gt; MonetaryValue</a:t>
+            </a:r>
+          </a:p>
+          <a:p>
+            <a:r>
+              <a:t>  MonetaryValue -&gt; ProductCategory</a:t>
+            </a:r>
+          </a:p>
+          <a:p>
+            <a:r>
+              <a:t>  ProductCategory -&gt; EnergyConsumption</a:t>
+            </a:r>
+          </a:p>
+          <a:p>
+            <a:r>
+              <a:t>  EnergyConsumption -&gt; Scope2Emissions</a:t>
+            </a:r>
+          </a:p>
+          <a:p>
+            <a:r>
+              <a:t>  Scope2Emissions -&gt; TotalGHGEmissions</a:t>
+            </a:r>
+          </a:p>
+        </p:txBody>
+      </p:sp>
+      <p:sp>
+        <p:nvSpPr>
+          <p:cNvPr id="5" name="TextBox 4"/>
+          <p:cNvSpPr txBox="1"/>
+          <p:nvPr/>
+        </p:nvSpPr>
+        <p:spPr>
+          <a:xfrm>
+            <a:off x="457200" y="2743200"/>
+            <a:ext cx="8229600" cy="365760"/>
+          </a:xfrm>
+          <a:prstGeom prst="rect">
+            <a:avLst/>
+          </a:prstGeom>
+          <a:noFill/>
+        </p:spPr>
+        <p:txBody>
+          <a:bodyPr wrap="none">
+            <a:spAutoFit/>
+          </a:bodyPr>
+          <a:lstStyle/>
+          <a:p>
+            <a:pPr>
+              <a:defRPr sz="2400" b="1">
+                <a:solidFill>
+                  <a:srgbClr val="5EA8A7"/>
+                </a:solidFill>
+              </a:defRPr>
+            </a:pPr>
+            <a:r>
+              <a:t>ステップ2：最適化</a:t>
+            </a:r>
+          </a:p>
+        </p:txBody>
+      </p:sp>
+      <p:sp>
+        <p:nvSpPr>
+          <p:cNvPr id="6" name="TextBox 5"/>
+          <p:cNvSpPr txBox="1"/>
+          <p:nvPr/>
+        </p:nvSpPr>
+        <p:spPr>
+          <a:xfrm>
+            <a:off x="457200" y="3017520"/>
+            <a:ext cx="8229600" cy="640080"/>
+          </a:xfrm>
+          <a:prstGeom prst="rect">
+            <a:avLst/>
+          </a:prstGeom>
+          <a:noFill/>
+        </p:spPr>
+        <p:txBody>
+          <a:bodyPr wrap="square">
+            <a:spAutoFit/>
+          </a:bodyPr>
+          <a:lstStyle/>
+          <a:p>
+            <a:pPr>
+              <a:lnSpc>
+                <a:spcPct val="140000"/>
+              </a:lnSpc>
+              <a:spcBef>
+                <a:spcPts val="600"/>
+              </a:spcBef>
+              <a:defRPr sz="1600">
+                <a:solidFill>
+                  <a:srgbClr val="1C2833"/>
+                </a:solidFill>
+              </a:defRPr>
+            </a:pPr>
+            <a:r>
+              <a:t>• 総コスト: 2.1</a:t>
+            </a:r>
+          </a:p>
+          <a:p>
+            <a:pPr>
+              <a:lnSpc>
+                <a:spcPct val="140000"/>
+              </a:lnSpc>
+              <a:spcBef>
+                <a:spcPts val="600"/>
+              </a:spcBef>
+              <a:defRPr sz="1600">
+                <a:solidFill>
+                  <a:srgbClr val="1C2833"/>
+                </a:solidFill>
+              </a:defRPr>
+            </a:pPr>
+            <a:r>
+              <a:t>• 総信頼度: 0.85</a:t>
+            </a:r>
+          </a:p>
+          <a:p>
+            <a:pPr>
+              <a:lnSpc>
+                <a:spcPct val="140000"/>
+              </a:lnSpc>
+              <a:spcBef>
+                <a:spcPts val="600"/>
+              </a:spcBef>
+              <a:defRPr sz="1600">
+                <a:solidFill>
+                  <a:srgbClr val="1C2833"/>
+                </a:solidFill>
+              </a:defRPr>
+            </a:pPr>
+            <a:r>
+              <a:t>• 中間型数: 4</a:t>
+            </a:r>
+          </a:p>
+        </p:txBody>
+      </p:sp>
+      <p:sp>
+        <p:nvSpPr>
+          <p:cNvPr id="7" name="TextBox 6"/>
+          <p:cNvSpPr txBox="1"/>
+          <p:nvPr/>
+        </p:nvSpPr>
+        <p:spPr>
+          <a:xfrm>
+            <a:off x="457200" y="3840480"/>
+            <a:ext cx="8229600" cy="365760"/>
+          </a:xfrm>
+          <a:prstGeom prst="rect">
+            <a:avLst/>
+          </a:prstGeom>
+          <a:noFill/>
+        </p:spPr>
+        <p:txBody>
+          <a:bodyPr wrap="none">
+            <a:spAutoFit/>
+          </a:bodyPr>
+          <a:lstStyle/>
+          <a:p>
+            <a:pPr>
+              <a:defRPr sz="2400" b="1">
+                <a:solidFill>
+                  <a:srgbClr val="5EA8A7"/>
+                </a:solidFill>
+              </a:defRPr>
+            </a:pPr>
+            <a:r>
+              <a:t>ステップ3：実行</a:t>
+            </a:r>
+          </a:p>
+        </p:txBody>
+      </p:sp>
+      <p:sp>
+        <p:nvSpPr>
+          <p:cNvPr id="8" name="TextBox 7"/>
+          <p:cNvSpPr txBox="1"/>
+          <p:nvPr/>
+        </p:nvSpPr>
+        <p:spPr>
+          <a:xfrm>
+            <a:off x="457200" y="4114800"/>
+            <a:ext cx="8229600" cy="274320"/>
+          </a:xfrm>
+          <a:prstGeom prst="rect">
+            <a:avLst/>
+          </a:prstGeom>
+          <a:noFill/>
+        </p:spPr>
+        <p:txBody>
+          <a:bodyPr wrap="square">
+            <a:spAutoFit/>
+          </a:bodyPr>
+          <a:lstStyle/>
+          <a:p>
+            <a:pPr>
+              <a:defRPr sz="1600">
+                <a:solidFill>
+                  <a:srgbClr val="1C2833"/>
+                </a:solidFill>
+              </a:defRPr>
+            </a:pPr>
+            <a:r>
+              <a:t>各関数を順次実行し、Provenanceを記録</a:t>
             </a:r>
           </a:p>
         </p:txBody>
@@ -4348,6 +6300,14 @@
 <file path=ppt/slides/slide2.xml><?xml version="1.0" encoding="utf-8"?>
 <p:sld xmlns:a="http://schemas.openxmlformats.org/drawingml/2006/main" xmlns:p="http://schemas.openxmlformats.org/presentationml/2006/main" xmlns:r="http://schemas.openxmlformats.org/officeDocument/2006/relationships">
   <p:cSld>
+    <p:bg>
+      <p:bgPr>
+        <a:solidFill>
+          <a:srgbClr val="F4F6F6"/>
+        </a:solidFill>
+        <a:effectLst/>
+      </p:bgPr>
+    </p:bg>
     <p:spTree>
       <p:nvGrpSpPr>
         <p:cNvPr id="1" name=""/>
@@ -4357,80 +6317,253 @@
       <p:grpSpPr/>
       <p:sp>
         <p:nvSpPr>
-          <p:cNvPr id="2" name="Title 1"/>
-          <p:cNvSpPr>
-            <a:spLocks noGrp="1"/>
-          </p:cNvSpPr>
-          <p:nvPr>
-            <p:ph type="title"/>
-          </p:nvPr>
-        </p:nvSpPr>
-        <p:spPr/>
-        <p:txBody>
-          <a:bodyPr/>
-          <a:lstStyle/>
-          <a:p>
-            <a:r>
-              <a:t>目次</a:t>
-            </a:r>
-          </a:p>
-        </p:txBody>
-      </p:sp>
-      <p:sp>
-        <p:nvSpPr>
-          <p:cNvPr id="3" name="Content Placeholder 2"/>
-          <p:cNvSpPr>
-            <a:spLocks noGrp="1"/>
-          </p:cNvSpPr>
-          <p:nvPr>
-            <p:ph idx="1"/>
-          </p:nvPr>
-        </p:nvSpPr>
-        <p:spPr/>
-        <p:txBody>
-          <a:bodyPr/>
-          <a:lstStyle/>
-          <a:p>
-            <a:r>
-              <a:t>1. 理論的基礎</a:t>
-            </a:r>
-          </a:p>
-          <a:p>
-            <a:pPr lvl="1"/>
-            <a:r>
-              <a:t>• Span/Cospan理論</a:t>
-            </a:r>
-          </a:p>
-          <a:p>
-            <a:pPr lvl="1"/>
-            <a:r>
-              <a:t>• 型理論・型充足問題</a:t>
-            </a:r>
-          </a:p>
-          <a:p>
-            <a:pPr lvl="1"/>
-            <a:r>
-              <a:t>• 中間型の自動発見</a:t>
-            </a:r>
-          </a:p>
-          <a:p>
-            <a:r>
-              <a:t>2. YAMLベースの簡単な実装</a:t>
-            </a:r>
-          </a:p>
-          <a:p>
-            <a:r>
-              <a:t>3. 本格的なDSL設計</a:t>
-            </a:r>
-          </a:p>
-          <a:p>
-            <a:r>
-              <a:t>4. CFP計算の実例</a:t>
-            </a:r>
-          </a:p>
-          <a:p>
-            <a:r>
-              <a:t>5. まとめと今後の展望</a:t>
+          <p:cNvPr id="2" name="TextBox 1"/>
+          <p:cNvSpPr txBox="1"/>
+          <p:nvPr/>
+        </p:nvSpPr>
+        <p:spPr>
+          <a:xfrm>
+            <a:off x="457200" y="274320"/>
+            <a:ext cx="8229600" cy="548640"/>
+          </a:xfrm>
+          <a:prstGeom prst="rect">
+            <a:avLst/>
+          </a:prstGeom>
+          <a:noFill/>
+        </p:spPr>
+        <p:txBody>
+          <a:bodyPr wrap="none">
+            <a:spAutoFit/>
+          </a:bodyPr>
+          <a:lstStyle/>
+          <a:p>
+            <a:pPr>
+              <a:defRPr sz="3200" b="1">
+                <a:solidFill>
+                  <a:srgbClr val="1C2833"/>
+                </a:solidFill>
+              </a:defRPr>
+            </a:pPr>
+            <a:r>
+              <a:t>プロジェクト概要</a:t>
+            </a:r>
+          </a:p>
+        </p:txBody>
+      </p:sp>
+      <p:sp>
+        <p:nvSpPr>
+          <p:cNvPr id="3" name="TextBox 2"/>
+          <p:cNvSpPr txBox="1"/>
+          <p:nvPr/>
+        </p:nvSpPr>
+        <p:spPr>
+          <a:xfrm>
+            <a:off x="457200" y="1097280"/>
+            <a:ext cx="8229600" cy="365760"/>
+          </a:xfrm>
+          <a:prstGeom prst="rect">
+            <a:avLst/>
+          </a:prstGeom>
+          <a:noFill/>
+        </p:spPr>
+        <p:txBody>
+          <a:bodyPr wrap="none">
+            <a:spAutoFit/>
+          </a:bodyPr>
+          <a:lstStyle/>
+          <a:p>
+            <a:pPr>
+              <a:defRPr sz="2400" b="1">
+                <a:solidFill>
+                  <a:srgbClr val="5EA8A7"/>
+                </a:solidFill>
+              </a:defRPr>
+            </a:pPr>
+            <a:r>
+              <a:t>目的</a:t>
+            </a:r>
+          </a:p>
+        </p:txBody>
+      </p:sp>
+      <p:sp>
+        <p:nvSpPr>
+          <p:cNvPr id="4" name="TextBox 3"/>
+          <p:cNvSpPr txBox="1"/>
+          <p:nvPr/>
+        </p:nvSpPr>
+        <p:spPr>
+          <a:xfrm>
+            <a:off x="457200" y="1371600"/>
+            <a:ext cx="8229600" cy="365760"/>
+          </a:xfrm>
+          <a:prstGeom prst="rect">
+            <a:avLst/>
+          </a:prstGeom>
+          <a:noFill/>
+        </p:spPr>
+        <p:txBody>
+          <a:bodyPr wrap="square">
+            <a:spAutoFit/>
+          </a:bodyPr>
+          <a:lstStyle/>
+          <a:p>
+            <a:pPr>
+              <a:defRPr sz="1600">
+                <a:solidFill>
+                  <a:srgbClr val="1C2833"/>
+                </a:solidFill>
+              </a:defRPr>
+            </a:pPr>
+            <a:r>
+              <a:t>異なるオントロジー間の変換を、型理論とカテゴリ理論を用いて自動的に発見・合成する</a:t>
+            </a:r>
+          </a:p>
+        </p:txBody>
+      </p:sp>
+      <p:sp>
+        <p:nvSpPr>
+          <p:cNvPr id="5" name="TextBox 4"/>
+          <p:cNvSpPr txBox="1"/>
+          <p:nvPr/>
+        </p:nvSpPr>
+        <p:spPr>
+          <a:xfrm>
+            <a:off x="457200" y="1920240"/>
+            <a:ext cx="8229600" cy="365760"/>
+          </a:xfrm>
+          <a:prstGeom prst="rect">
+            <a:avLst/>
+          </a:prstGeom>
+          <a:noFill/>
+        </p:spPr>
+        <p:txBody>
+          <a:bodyPr wrap="none">
+            <a:spAutoFit/>
+          </a:bodyPr>
+          <a:lstStyle/>
+          <a:p>
+            <a:pPr>
+              <a:defRPr sz="2400" b="1">
+                <a:solidFill>
+                  <a:srgbClr val="5EA8A7"/>
+                </a:solidFill>
+              </a:defRPr>
+            </a:pPr>
+            <a:r>
+              <a:t>主要コンポーネント</a:t>
+            </a:r>
+          </a:p>
+        </p:txBody>
+      </p:sp>
+      <p:sp>
+        <p:nvSpPr>
+          <p:cNvPr id="6" name="TextBox 5"/>
+          <p:cNvSpPr txBox="1"/>
+          <p:nvPr/>
+        </p:nvSpPr>
+        <p:spPr>
+          <a:xfrm>
+            <a:off x="457200" y="2194560"/>
+            <a:ext cx="8229600" cy="2286000"/>
+          </a:xfrm>
+          <a:prstGeom prst="rect">
+            <a:avLst/>
+          </a:prstGeom>
+          <a:noFill/>
+        </p:spPr>
+        <p:txBody>
+          <a:bodyPr wrap="square">
+            <a:spAutoFit/>
+          </a:bodyPr>
+          <a:lstStyle/>
+          <a:p>
+            <a:pPr>
+              <a:lnSpc>
+                <a:spcPct val="140000"/>
+              </a:lnSpc>
+              <a:spcBef>
+                <a:spcPts val="600"/>
+              </a:spcBef>
+              <a:defRPr sz="1600">
+                <a:solidFill>
+                  <a:srgbClr val="1C2833"/>
+                </a:solidFill>
+              </a:defRPr>
+            </a:pPr>
+            <a:r>
+              <a:t>• Span/Cospan理論に基づくオントロジーアライメント</a:t>
+            </a:r>
+          </a:p>
+          <a:p>
+            <a:pPr>
+              <a:lnSpc>
+                <a:spcPct val="140000"/>
+              </a:lnSpc>
+              <a:spcBef>
+                <a:spcPts val="600"/>
+              </a:spcBef>
+              <a:defRPr sz="1600">
+                <a:solidFill>
+                  <a:srgbClr val="1C2833"/>
+                </a:solidFill>
+              </a:defRPr>
+            </a:pPr>
+            <a:r>
+              <a:t>• 型充足問題による関数合成の自動発見</a:t>
+            </a:r>
+          </a:p>
+          <a:p>
+            <a:pPr>
+              <a:lnSpc>
+                <a:spcPct val="140000"/>
+              </a:lnSpc>
+              <a:spcBef>
+                <a:spcPts val="600"/>
+              </a:spcBef>
+              <a:defRPr sz="1600">
+                <a:solidFill>
+                  <a:srgbClr val="1C2833"/>
+                </a:solidFill>
+              </a:defRPr>
+            </a:pPr>
+            <a:r>
+              <a:t>• DSLによる宣言的なカタログ定義</a:t>
+            </a:r>
+          </a:p>
+          <a:p>
+            <a:pPr>
+              <a:lnSpc>
+                <a:spcPct val="140000"/>
+              </a:lnSpc>
+              <a:spcBef>
+                <a:spcPts val="600"/>
+              </a:spcBef>
+              <a:defRPr sz="1600">
+                <a:solidFill>
+                  <a:srgbClr val="1C2833"/>
+                </a:solidFill>
+              </a:defRPr>
+            </a:pPr>
+            <a:r>
+              <a:t>• 実行エンジン（SPARQL/REST/Formula対応）</a:t>
+            </a:r>
+          </a:p>
+          <a:p>
+            <a:pPr>
+              <a:lnSpc>
+                <a:spcPct val="140000"/>
+              </a:lnSpc>
+              <a:spcBef>
+                <a:spcPts val="600"/>
+              </a:spcBef>
+              <a:defRPr sz="1600">
+                <a:solidFill>
+                  <a:srgbClr val="1C2833"/>
+                </a:solidFill>
+              </a:defRPr>
+            </a:pPr>
+            <a:r>
+              <a:t>• PROV-O準拠のProvenance生成</a:t>
             </a:r>
           </a:p>
         </p:txBody>
@@ -4446,6 +6579,14 @@
 <file path=ppt/slides/slide20.xml><?xml version="1.0" encoding="utf-8"?>
 <p:sld xmlns:a="http://schemas.openxmlformats.org/drawingml/2006/main" xmlns:p="http://schemas.openxmlformats.org/presentationml/2006/main" xmlns:r="http://schemas.openxmlformats.org/officeDocument/2006/relationships">
   <p:cSld>
+    <p:bg>
+      <p:bgPr>
+        <a:solidFill>
+          <a:srgbClr val="F4F6F6"/>
+        </a:solidFill>
+        <a:effectLst/>
+      </p:bgPr>
+    </p:bg>
     <p:spTree>
       <p:nvGrpSpPr>
         <p:cNvPr id="1" name=""/>
@@ -4455,94 +6596,260 @@
       <p:grpSpPr/>
       <p:sp>
         <p:nvSpPr>
-          <p:cNvPr id="2" name="Title 1"/>
-          <p:cNvSpPr>
-            <a:spLocks noGrp="1"/>
-          </p:cNvSpPr>
-          <p:nvPr>
-            <p:ph type="title"/>
-          </p:nvPr>
-        </p:nvSpPr>
-        <p:spPr/>
-        <p:txBody>
-          <a:bodyPr/>
-          <a:lstStyle/>
-          <a:p>
-            <a:r>
-              <a:t>GHG Scope 1, 2, 3 シナリオ</a:t>
-            </a:r>
-          </a:p>
-        </p:txBody>
-      </p:sp>
-      <p:sp>
-        <p:nvSpPr>
-          <p:cNvPr id="3" name="Content Placeholder 2"/>
-          <p:cNvSpPr>
-            <a:spLocks noGrp="1"/>
-          </p:cNvSpPr>
-          <p:nvPr>
-            <p:ph idx="1"/>
-          </p:nvPr>
-        </p:nvSpPr>
-        <p:spPr/>
-        <p:txBody>
-          <a:bodyPr/>
-          <a:lstStyle/>
-          <a:p>
-            <a:pPr>
-              <a:defRPr b="1"/>
-            </a:pPr>
-            <a:r>
-              <a:t>集約関数の影響分析</a:t>
-            </a:r>
-          </a:p>
-          <a:p/>
-          <a:p>
-            <a:pPr lvl="1"/>
-            <a:r>
-              <a:t>Scope 1: 直接排出（燃料燃焼、プロセス排出）</a:t>
-            </a:r>
-          </a:p>
-          <a:p>
-            <a:pPr lvl="1"/>
-            <a:r>
-              <a:t>Scope 2: エネルギー間接排出（購入電力、購入熱）</a:t>
-            </a:r>
-          </a:p>
-          <a:p>
-            <a:pPr lvl="1"/>
-            <a:r>
-              <a:t>Scope 3: その他間接排出（輸送、通勤、出張）</a:t>
-            </a:r>
-          </a:p>
-          <a:p/>
-          <a:p>
-            <a:pPr>
-              <a:defRPr b="1">
-                <a:solidFill>
-                  <a:srgbClr val="008000"/>
-                </a:solidFill>
-              </a:defRPr>
-            </a:pPr>
-            <a:r>
-              <a:t>テスト結果: 8つのシナリオすべて成功</a:t>
-            </a:r>
-          </a:p>
-          <a:p/>
-          <a:p>
-            <a:pPr>
-              <a:defRPr sz="1400"/>
-            </a:pPr>
-            <a:r>
-              <a:t>発見: 集約関数は通常の関数と同様に型合成に統合され、</a:t>
-            </a:r>
-          </a:p>
-          <a:p>
-            <a:pPr>
-              <a:defRPr sz="1400"/>
-            </a:pPr>
-            <a:r>
-              <a:t>パス探索に影響を与えない（成功率100%）</a:t>
+          <p:cNvPr id="2" name="TextBox 1"/>
+          <p:cNvSpPr txBox="1"/>
+          <p:nvPr/>
+        </p:nvSpPr>
+        <p:spPr>
+          <a:xfrm>
+            <a:off x="457200" y="274320"/>
+            <a:ext cx="8229600" cy="548640"/>
+          </a:xfrm>
+          <a:prstGeom prst="rect">
+            <a:avLst/>
+          </a:prstGeom>
+          <a:noFill/>
+        </p:spPr>
+        <p:txBody>
+          <a:bodyPr wrap="none">
+            <a:spAutoFit/>
+          </a:bodyPr>
+          <a:lstStyle/>
+          <a:p>
+            <a:pPr>
+              <a:defRPr sz="3200" b="1">
+                <a:solidFill>
+                  <a:srgbClr val="1C2833"/>
+                </a:solidFill>
+              </a:defRPr>
+            </a:pPr>
+            <a:r>
+              <a:t>GHG Scope 1, 2, 3シナリオ</a:t>
+            </a:r>
+          </a:p>
+        </p:txBody>
+      </p:sp>
+      <p:sp>
+        <p:nvSpPr>
+          <p:cNvPr id="3" name="TextBox 2"/>
+          <p:cNvSpPr txBox="1"/>
+          <p:nvPr/>
+        </p:nvSpPr>
+        <p:spPr>
+          <a:xfrm>
+            <a:off x="457200" y="1097280"/>
+            <a:ext cx="8229600" cy="365760"/>
+          </a:xfrm>
+          <a:prstGeom prst="rect">
+            <a:avLst/>
+          </a:prstGeom>
+          <a:noFill/>
+        </p:spPr>
+        <p:txBody>
+          <a:bodyPr wrap="none">
+            <a:spAutoFit/>
+          </a:bodyPr>
+          <a:lstStyle/>
+          <a:p>
+            <a:pPr>
+              <a:defRPr sz="2400" b="1">
+                <a:solidFill>
+                  <a:srgbClr val="5EA8A7"/>
+                </a:solidFill>
+              </a:defRPr>
+            </a:pPr>
+            <a:r>
+              <a:t>テスト構成</a:t>
+            </a:r>
+          </a:p>
+        </p:txBody>
+      </p:sp>
+      <p:sp>
+        <p:nvSpPr>
+          <p:cNvPr id="4" name="TextBox 3"/>
+          <p:cNvSpPr txBox="1"/>
+          <p:nvPr/>
+        </p:nvSpPr>
+        <p:spPr>
+          <a:xfrm>
+            <a:off x="457200" y="1371600"/>
+            <a:ext cx="8229600" cy="822960"/>
+          </a:xfrm>
+          <a:prstGeom prst="rect">
+            <a:avLst/>
+          </a:prstGeom>
+          <a:noFill/>
+        </p:spPr>
+        <p:txBody>
+          <a:bodyPr wrap="square">
+            <a:spAutoFit/>
+          </a:bodyPr>
+          <a:lstStyle/>
+          <a:p>
+            <a:pPr>
+              <a:lnSpc>
+                <a:spcPct val="140000"/>
+              </a:lnSpc>
+              <a:spcBef>
+                <a:spcPts val="600"/>
+              </a:spcBef>
+              <a:defRPr sz="1600">
+                <a:solidFill>
+                  <a:srgbClr val="1C2833"/>
+                </a:solidFill>
+              </a:defRPr>
+            </a:pPr>
+            <a:r>
+              <a:t>• Scope 1: 直接排出（燃料燃焼等）</a:t>
+            </a:r>
+          </a:p>
+          <a:p>
+            <a:pPr>
+              <a:lnSpc>
+                <a:spcPct val="140000"/>
+              </a:lnSpc>
+              <a:spcBef>
+                <a:spcPts val="600"/>
+              </a:spcBef>
+              <a:defRPr sz="1600">
+                <a:solidFill>
+                  <a:srgbClr val="1C2833"/>
+                </a:solidFill>
+              </a:defRPr>
+            </a:pPr>
+            <a:r>
+              <a:t>• Scope 2: 間接排出（購入電力等）</a:t>
+            </a:r>
+          </a:p>
+          <a:p>
+            <a:pPr>
+              <a:lnSpc>
+                <a:spcPct val="140000"/>
+              </a:lnSpc>
+              <a:spcBef>
+                <a:spcPts val="600"/>
+              </a:spcBef>
+              <a:defRPr sz="1600">
+                <a:solidFill>
+                  <a:srgbClr val="1C2833"/>
+                </a:solidFill>
+              </a:defRPr>
+            </a:pPr>
+            <a:r>
+              <a:t>• Scope 3: その他間接排出（サプライチェーン等）</a:t>
+            </a:r>
+          </a:p>
+        </p:txBody>
+      </p:sp>
+      <p:sp>
+        <p:nvSpPr>
+          <p:cNvPr id="5" name="TextBox 4"/>
+          <p:cNvSpPr txBox="1"/>
+          <p:nvPr/>
+        </p:nvSpPr>
+        <p:spPr>
+          <a:xfrm>
+            <a:off x="457200" y="2377440"/>
+            <a:ext cx="8229600" cy="365760"/>
+          </a:xfrm>
+          <a:prstGeom prst="rect">
+            <a:avLst/>
+          </a:prstGeom>
+          <a:noFill/>
+        </p:spPr>
+        <p:txBody>
+          <a:bodyPr wrap="none">
+            <a:spAutoFit/>
+          </a:bodyPr>
+          <a:lstStyle/>
+          <a:p>
+            <a:pPr>
+              <a:defRPr sz="2400" b="1">
+                <a:solidFill>
+                  <a:srgbClr val="5EA8A7"/>
+                </a:solidFill>
+              </a:defRPr>
+            </a:pPr>
+            <a:r>
+              <a:t>8つのテストシナリオ</a:t>
+            </a:r>
+          </a:p>
+        </p:txBody>
+      </p:sp>
+      <p:sp>
+        <p:nvSpPr>
+          <p:cNvPr id="6" name="TextBox 5"/>
+          <p:cNvSpPr txBox="1"/>
+          <p:nvPr/>
+        </p:nvSpPr>
+        <p:spPr>
+          <a:xfrm>
+            <a:off x="457200" y="2651760"/>
+            <a:ext cx="8229600" cy="1645920"/>
+          </a:xfrm>
+          <a:prstGeom prst="rect">
+            <a:avLst/>
+          </a:prstGeom>
+          <a:solidFill>
+            <a:srgbClr val="ECF0F1"/>
+          </a:solidFill>
+          <a:ln w="12700">
+            <a:solidFill>
+              <a:srgbClr val="AAB7B8"/>
+            </a:solidFill>
+          </a:ln>
+        </p:spPr>
+        <p:txBody>
+          <a:bodyPr wrap="none" lIns="127000" tIns="127000" rIns="127000" bIns="127000">
+            <a:spAutoFit/>
+          </a:bodyPr>
+          <a:lstStyle/>
+          <a:p>
+            <a:pPr>
+              <a:defRPr sz="1300">
+                <a:solidFill>
+                  <a:srgbClr val="1C2833"/>
+                </a:solidFill>
+                <a:latin typeface="Courier New"/>
+              </a:defRPr>
+            </a:pPr>
+            <a:r>
+              <a:t>1. Scope1Emissions → TotalGHGEmissions</a:t>
+            </a:r>
+          </a:p>
+          <a:p>
+            <a:r>
+              <a:t>2. Scope2Emissions → TotalGHGEmissions</a:t>
+            </a:r>
+          </a:p>
+          <a:p>
+            <a:r>
+              <a:t>3. Scope3Emissions → TotalGHGEmissions</a:t>
+            </a:r>
+          </a:p>
+          <a:p>
+            <a:r>
+              <a:t>4. DirectFuelCombustion → Scope1Emissions</a:t>
+            </a:r>
+          </a:p>
+          <a:p>
+            <a:r>
+              <a:t>5. PurchasedElectricity → Scope2Emissions</a:t>
+            </a:r>
+          </a:p>
+          <a:p>
+            <a:r>
+              <a:t>6. SupplyChainEmissions → Scope3Emissions</a:t>
+            </a:r>
+          </a:p>
+          <a:p>
+            <a:r>
+              <a:t>7. DirectFuelCombustion → TotalGHGEmissions (multi-hop)</a:t>
+            </a:r>
+          </a:p>
+          <a:p>
+            <a:r>
+              <a:t>8. PurchasedElectricity → TotalGHGEmissions (multi-hop)</a:t>
             </a:r>
           </a:p>
         </p:txBody>
@@ -4558,6 +6865,14 @@
 <file path=ppt/slides/slide21.xml><?xml version="1.0" encoding="utf-8"?>
 <p:sld xmlns:a="http://schemas.openxmlformats.org/drawingml/2006/main" xmlns:p="http://schemas.openxmlformats.org/presentationml/2006/main" xmlns:r="http://schemas.openxmlformats.org/officeDocument/2006/relationships">
   <p:cSld>
+    <p:bg>
+      <p:bgPr>
+        <a:solidFill>
+          <a:srgbClr val="F4F6F6"/>
+        </a:solidFill>
+        <a:effectLst/>
+      </p:bgPr>
+    </p:bg>
     <p:spTree>
       <p:nvGrpSpPr>
         <p:cNvPr id="1" name=""/>
@@ -4567,40 +6882,373 @@
       <p:grpSpPr/>
       <p:sp>
         <p:nvSpPr>
-          <p:cNvPr id="2" name="Title 1"/>
-          <p:cNvSpPr>
-            <a:spLocks noGrp="1"/>
-          </p:cNvSpPr>
-          <p:nvPr>
-            <p:ph type="title"/>
-          </p:nvPr>
-        </p:nvSpPr>
-        <p:spPr/>
-        <p:txBody>
-          <a:bodyPr/>
-          <a:lstStyle/>
-          <a:p>
-            <a:r>
-              <a:t>5. まとめと今後の展望</a:t>
-            </a:r>
-          </a:p>
-        </p:txBody>
-      </p:sp>
-      <p:sp>
-        <p:nvSpPr>
-          <p:cNvPr id="3" name="Content Placeholder 2"/>
-          <p:cNvSpPr>
-            <a:spLocks noGrp="1"/>
-          </p:cNvSpPr>
-          <p:nvPr>
-            <p:ph idx="1"/>
-          </p:nvPr>
-        </p:nvSpPr>
-        <p:spPr/>
-        <p:txBody>
-          <a:bodyPr/>
-          <a:lstStyle/>
-          <a:p/>
+          <p:cNvPr id="2" name="TextBox 1"/>
+          <p:cNvSpPr txBox="1"/>
+          <p:nvPr/>
+        </p:nvSpPr>
+        <p:spPr>
+          <a:xfrm>
+            <a:off x="457200" y="274320"/>
+            <a:ext cx="8229600" cy="548640"/>
+          </a:xfrm>
+          <a:prstGeom prst="rect">
+            <a:avLst/>
+          </a:prstGeom>
+          <a:noFill/>
+        </p:spPr>
+        <p:txBody>
+          <a:bodyPr wrap="none">
+            <a:spAutoFit/>
+          </a:bodyPr>
+          <a:lstStyle/>
+          <a:p>
+            <a:pPr>
+              <a:defRPr sz="3200" b="1">
+                <a:solidFill>
+                  <a:srgbClr val="1C2833"/>
+                </a:solidFill>
+              </a:defRPr>
+            </a:pPr>
+            <a:r>
+              <a:t>分析結果</a:t>
+            </a:r>
+          </a:p>
+        </p:txBody>
+      </p:sp>
+      <p:sp>
+        <p:nvSpPr>
+          <p:cNvPr id="3" name="TextBox 2"/>
+          <p:cNvSpPr txBox="1"/>
+          <p:nvPr/>
+        </p:nvSpPr>
+        <p:spPr>
+          <a:xfrm>
+            <a:off x="457200" y="1097280"/>
+            <a:ext cx="8229600" cy="365760"/>
+          </a:xfrm>
+          <a:prstGeom prst="rect">
+            <a:avLst/>
+          </a:prstGeom>
+          <a:noFill/>
+        </p:spPr>
+        <p:txBody>
+          <a:bodyPr wrap="none">
+            <a:spAutoFit/>
+          </a:bodyPr>
+          <a:lstStyle/>
+          <a:p>
+            <a:pPr>
+              <a:defRPr sz="2400" b="1">
+                <a:solidFill>
+                  <a:srgbClr val="5EA8A7"/>
+                </a:solidFill>
+              </a:defRPr>
+            </a:pPr>
+            <a:r>
+              <a:t>成功率</a:t>
+            </a:r>
+          </a:p>
+        </p:txBody>
+      </p:sp>
+      <p:sp>
+        <p:nvSpPr>
+          <p:cNvPr id="4" name="TextBox 3"/>
+          <p:cNvSpPr txBox="1"/>
+          <p:nvPr/>
+        </p:nvSpPr>
+        <p:spPr>
+          <a:xfrm>
+            <a:off x="457200" y="1371600"/>
+            <a:ext cx="8229600" cy="822960"/>
+          </a:xfrm>
+          <a:prstGeom prst="rect">
+            <a:avLst/>
+          </a:prstGeom>
+          <a:noFill/>
+        </p:spPr>
+        <p:txBody>
+          <a:bodyPr wrap="square">
+            <a:spAutoFit/>
+          </a:bodyPr>
+          <a:lstStyle/>
+          <a:p>
+            <a:pPr>
+              <a:lnSpc>
+                <a:spcPct val="140000"/>
+              </a:lnSpc>
+              <a:spcBef>
+                <a:spcPts val="600"/>
+              </a:spcBef>
+              <a:defRPr sz="1600">
+                <a:solidFill>
+                  <a:srgbClr val="1C2833"/>
+                </a:solidFill>
+              </a:defRPr>
+            </a:pPr>
+            <a:r>
+              <a:t>• 100% のシナリオでパス発見成功</a:t>
+            </a:r>
+          </a:p>
+          <a:p>
+            <a:pPr>
+              <a:lnSpc>
+                <a:spcPct val="140000"/>
+              </a:lnSpc>
+              <a:spcBef>
+                <a:spcPts val="600"/>
+              </a:spcBef>
+              <a:defRPr sz="1600">
+                <a:solidFill>
+                  <a:srgbClr val="1C2833"/>
+                </a:solidFill>
+              </a:defRPr>
+            </a:pPr>
+            <a:r>
+              <a:t>• 平均パス長: 1.5 関数</a:t>
+            </a:r>
+          </a:p>
+          <a:p>
+            <a:pPr>
+              <a:lnSpc>
+                <a:spcPct val="140000"/>
+              </a:lnSpc>
+              <a:spcBef>
+                <a:spcPts val="600"/>
+              </a:spcBef>
+              <a:defRPr sz="1600">
+                <a:solidFill>
+                  <a:srgbClr val="1C2833"/>
+                </a:solidFill>
+              </a:defRPr>
+            </a:pPr>
+            <a:r>
+              <a:t>• 平均コスト: 1.0</a:t>
+            </a:r>
+          </a:p>
+        </p:txBody>
+      </p:sp>
+      <p:sp>
+        <p:nvSpPr>
+          <p:cNvPr id="5" name="TextBox 4"/>
+          <p:cNvSpPr txBox="1"/>
+          <p:nvPr/>
+        </p:nvSpPr>
+        <p:spPr>
+          <a:xfrm>
+            <a:off x="457200" y="2377440"/>
+            <a:ext cx="8229600" cy="365760"/>
+          </a:xfrm>
+          <a:prstGeom prst="rect">
+            <a:avLst/>
+          </a:prstGeom>
+          <a:noFill/>
+        </p:spPr>
+        <p:txBody>
+          <a:bodyPr wrap="none">
+            <a:spAutoFit/>
+          </a:bodyPr>
+          <a:lstStyle/>
+          <a:p>
+            <a:pPr>
+              <a:defRPr sz="2400" b="1">
+                <a:solidFill>
+                  <a:srgbClr val="5EA8A7"/>
+                </a:solidFill>
+              </a:defRPr>
+            </a:pPr>
+            <a:r>
+              <a:t>集約関数の効果</a:t>
+            </a:r>
+          </a:p>
+        </p:txBody>
+      </p:sp>
+      <p:sp>
+        <p:nvSpPr>
+          <p:cNvPr id="6" name="TextBox 5"/>
+          <p:cNvSpPr txBox="1"/>
+          <p:nvPr/>
+        </p:nvSpPr>
+        <p:spPr>
+          <a:xfrm>
+            <a:off x="457200" y="2651760"/>
+            <a:ext cx="8229600" cy="822960"/>
+          </a:xfrm>
+          <a:prstGeom prst="rect">
+            <a:avLst/>
+          </a:prstGeom>
+          <a:noFill/>
+        </p:spPr>
+        <p:txBody>
+          <a:bodyPr wrap="square">
+            <a:spAutoFit/>
+          </a:bodyPr>
+          <a:lstStyle/>
+          <a:p>
+            <a:pPr>
+              <a:lnSpc>
+                <a:spcPct val="140000"/>
+              </a:lnSpc>
+              <a:spcBef>
+                <a:spcPts val="600"/>
+              </a:spcBef>
+              <a:defRPr sz="1600">
+                <a:solidFill>
+                  <a:srgbClr val="1C2833"/>
+                </a:solidFill>
+              </a:defRPr>
+            </a:pPr>
+            <a:r>
+              <a:t>• 複数のScope排出量を統合可能</a:t>
+            </a:r>
+          </a:p>
+          <a:p>
+            <a:pPr>
+              <a:lnSpc>
+                <a:spcPct val="140000"/>
+              </a:lnSpc>
+              <a:spcBef>
+                <a:spcPts val="600"/>
+              </a:spcBef>
+              <a:defRPr sz="1600">
+                <a:solidFill>
+                  <a:srgbClr val="1C2833"/>
+                </a:solidFill>
+              </a:defRPr>
+            </a:pPr>
+            <a:r>
+              <a:t>• 型システムにシームレスに統合</a:t>
+            </a:r>
+          </a:p>
+          <a:p>
+            <a:pPr>
+              <a:lnSpc>
+                <a:spcPct val="140000"/>
+              </a:lnSpc>
+              <a:spcBef>
+                <a:spcPts val="600"/>
+              </a:spcBef>
+              <a:defRPr sz="1600">
+                <a:solidFill>
+                  <a:srgbClr val="1C2833"/>
+                </a:solidFill>
+              </a:defRPr>
+            </a:pPr>
+            <a:r>
+              <a:t>• Provenance記録により透明性確保</a:t>
+            </a:r>
+          </a:p>
+        </p:txBody>
+      </p:sp>
+      <p:sp>
+        <p:nvSpPr>
+          <p:cNvPr id="7" name="TextBox 6"/>
+          <p:cNvSpPr txBox="1"/>
+          <p:nvPr/>
+        </p:nvSpPr>
+        <p:spPr>
+          <a:xfrm>
+            <a:off x="457200" y="3657600"/>
+            <a:ext cx="8229600" cy="365760"/>
+          </a:xfrm>
+          <a:prstGeom prst="rect">
+            <a:avLst/>
+          </a:prstGeom>
+          <a:noFill/>
+        </p:spPr>
+        <p:txBody>
+          <a:bodyPr wrap="none">
+            <a:spAutoFit/>
+          </a:bodyPr>
+          <a:lstStyle/>
+          <a:p>
+            <a:pPr>
+              <a:defRPr sz="2400" b="1">
+                <a:solidFill>
+                  <a:srgbClr val="5EA8A7"/>
+                </a:solidFill>
+              </a:defRPr>
+            </a:pPr>
+            <a:r>
+              <a:t>課題と今後</a:t>
+            </a:r>
+          </a:p>
+        </p:txBody>
+      </p:sp>
+      <p:sp>
+        <p:nvSpPr>
+          <p:cNvPr id="8" name="TextBox 7"/>
+          <p:cNvSpPr txBox="1"/>
+          <p:nvPr/>
+        </p:nvSpPr>
+        <p:spPr>
+          <a:xfrm>
+            <a:off x="457200" y="3931920"/>
+            <a:ext cx="8229600" cy="822960"/>
+          </a:xfrm>
+          <a:prstGeom prst="rect">
+            <a:avLst/>
+          </a:prstGeom>
+          <a:noFill/>
+        </p:spPr>
+        <p:txBody>
+          <a:bodyPr wrap="square">
+            <a:spAutoFit/>
+          </a:bodyPr>
+          <a:lstStyle/>
+          <a:p>
+            <a:pPr>
+              <a:lnSpc>
+                <a:spcPct val="140000"/>
+              </a:lnSpc>
+              <a:spcBef>
+                <a:spcPts val="600"/>
+              </a:spcBef>
+              <a:defRPr sz="1600">
+                <a:solidFill>
+                  <a:srgbClr val="1C2833"/>
+                </a:solidFill>
+              </a:defRPr>
+            </a:pPr>
+            <a:r>
+              <a:t>• 現在の実装: 集約関数を単一入力として扱う</a:t>
+            </a:r>
+          </a:p>
+          <a:p>
+            <a:pPr>
+              <a:lnSpc>
+                <a:spcPct val="140000"/>
+              </a:lnSpc>
+              <a:spcBef>
+                <a:spcPts val="600"/>
+              </a:spcBef>
+              <a:defRPr sz="1600">
+                <a:solidFill>
+                  <a:srgbClr val="1C2833"/>
+                </a:solidFill>
+              </a:defRPr>
+            </a:pPr>
+            <a:r>
+              <a:t>• 理想: 複数引数を持つ依存型システム</a:t>
+            </a:r>
+          </a:p>
+          <a:p>
+            <a:pPr>
+              <a:lnSpc>
+                <a:spcPct val="140000"/>
+              </a:lnSpc>
+              <a:spcBef>
+                <a:spcPts val="600"/>
+              </a:spcBef>
+              <a:defRPr sz="1600">
+                <a:solidFill>
+                  <a:srgbClr val="1C2833"/>
+                </a:solidFill>
+              </a:defRPr>
+            </a:pPr>
+            <a:r>
+              <a:t>• 拡張案: Product型、Multi-argument関数サポート</a:t>
+            </a:r>
+          </a:p>
         </p:txBody>
       </p:sp>
     </p:spTree>
@@ -4614,6 +7262,14 @@
 <file path=ppt/slides/slide22.xml><?xml version="1.0" encoding="utf-8"?>
 <p:sld xmlns:a="http://schemas.openxmlformats.org/drawingml/2006/main" xmlns:p="http://schemas.openxmlformats.org/presentationml/2006/main" xmlns:r="http://schemas.openxmlformats.org/officeDocument/2006/relationships">
   <p:cSld>
+    <p:bg>
+      <p:bgPr>
+        <a:solidFill>
+          <a:srgbClr val="F4F6F6"/>
+        </a:solidFill>
+        <a:effectLst/>
+      </p:bgPr>
+    </p:bg>
     <p:spTree>
       <p:nvGrpSpPr>
         <p:cNvPr id="1" name=""/>
@@ -4623,96 +7279,371 @@
       <p:grpSpPr/>
       <p:sp>
         <p:nvSpPr>
-          <p:cNvPr id="2" name="Title 1"/>
-          <p:cNvSpPr>
-            <a:spLocks noGrp="1"/>
-          </p:cNvSpPr>
-          <p:nvPr>
-            <p:ph type="title"/>
-          </p:nvPr>
-        </p:nvSpPr>
-        <p:spPr/>
-        <p:txBody>
-          <a:bodyPr/>
-          <a:lstStyle/>
-          <a:p>
-            <a:r>
-              <a:t>主要な成果</a:t>
-            </a:r>
-          </a:p>
-        </p:txBody>
-      </p:sp>
-      <p:sp>
-        <p:nvSpPr>
-          <p:cNvPr id="3" name="Content Placeholder 2"/>
-          <p:cNvSpPr>
-            <a:spLocks noGrp="1"/>
-          </p:cNvSpPr>
-          <p:nvPr>
-            <p:ph idx="1"/>
-          </p:nvPr>
-        </p:nvSpPr>
-        <p:spPr/>
-        <p:txBody>
-          <a:bodyPr/>
-          <a:lstStyle/>
-          <a:p>
-            <a:pPr>
-              <a:defRPr b="1" sz="2000"/>
-            </a:pPr>
-            <a:r>
-              <a:t>理論と実装の統合</a:t>
-            </a:r>
-          </a:p>
-          <a:p>
-            <a:pPr lvl="1"/>
-            <a:r>
-              <a:t>✓ Span/Cospan理論の実装可能性を実証</a:t>
-            </a:r>
-          </a:p>
-          <a:p>
-            <a:pPr lvl="1"/>
-            <a:r>
-              <a:t>✓ 型充足問題としての定式化が有効</a:t>
-            </a:r>
-          </a:p>
-          <a:p>
-            <a:pPr lvl="1"/>
-            <a:r>
-              <a:t>✓ 中間型の自動発見メカニズムを確認</a:t>
-            </a:r>
-          </a:p>
-          <a:p/>
-          <a:p>
-            <a:pPr>
-              <a:defRPr b="1" sz="2000"/>
-            </a:pPr>
-            <a:r>
-              <a:t>実用的なシステム</a:t>
-            </a:r>
-          </a:p>
-          <a:p>
-            <a:pPr lvl="1"/>
-            <a:r>
-              <a:t>✓ 自動パス探索（コスト最適化）</a:t>
-            </a:r>
-          </a:p>
-          <a:p>
-            <a:pPr lvl="1"/>
-            <a:r>
-              <a:t>✓ 専用DSL（読みやすく拡張可能）</a:t>
-            </a:r>
-          </a:p>
-          <a:p>
-            <a:pPr lvl="1"/>
-            <a:r>
-              <a:t>✓ 実行レイヤー（SPARQL/REST/Formula）</a:t>
-            </a:r>
-          </a:p>
-          <a:p>
-            <a:pPr lvl="1"/>
-            <a:r>
-              <a:t>✓ 単位変換・Provenance生成</a:t>
+          <p:cNvPr id="2" name="TextBox 1"/>
+          <p:cNvSpPr txBox="1"/>
+          <p:nvPr/>
+        </p:nvSpPr>
+        <p:spPr>
+          <a:xfrm>
+            <a:off x="457200" y="274320"/>
+            <a:ext cx="8229600" cy="548640"/>
+          </a:xfrm>
+          <a:prstGeom prst="rect">
+            <a:avLst/>
+          </a:prstGeom>
+          <a:noFill/>
+        </p:spPr>
+        <p:txBody>
+          <a:bodyPr wrap="none">
+            <a:spAutoFit/>
+          </a:bodyPr>
+          <a:lstStyle/>
+          <a:p>
+            <a:pPr>
+              <a:defRPr sz="3200" b="1">
+                <a:solidFill>
+                  <a:srgbClr val="1C2833"/>
+                </a:solidFill>
+              </a:defRPr>
+            </a:pPr>
+            <a:r>
+              <a:t>メトリクス分析</a:t>
+            </a:r>
+          </a:p>
+        </p:txBody>
+      </p:sp>
+      <p:sp>
+        <p:nvSpPr>
+          <p:cNvPr id="3" name="TextBox 2"/>
+          <p:cNvSpPr txBox="1"/>
+          <p:nvPr/>
+        </p:nvSpPr>
+        <p:spPr>
+          <a:xfrm>
+            <a:off x="457200" y="1097280"/>
+            <a:ext cx="8229600" cy="365760"/>
+          </a:xfrm>
+          <a:prstGeom prst="rect">
+            <a:avLst/>
+          </a:prstGeom>
+          <a:noFill/>
+        </p:spPr>
+        <p:txBody>
+          <a:bodyPr wrap="none">
+            <a:spAutoFit/>
+          </a:bodyPr>
+          <a:lstStyle/>
+          <a:p>
+            <a:pPr>
+              <a:defRPr sz="2400" b="1">
+                <a:solidFill>
+                  <a:srgbClr val="5EA8A7"/>
+                </a:solidFill>
+              </a:defRPr>
+            </a:pPr>
+            <a:r>
+              <a:t>パス長の分布</a:t>
+            </a:r>
+          </a:p>
+        </p:txBody>
+      </p:sp>
+      <p:sp>
+        <p:nvSpPr>
+          <p:cNvPr id="4" name="TextBox 3"/>
+          <p:cNvSpPr txBox="1"/>
+          <p:nvPr/>
+        </p:nvSpPr>
+        <p:spPr>
+          <a:xfrm>
+            <a:off x="457200" y="1371600"/>
+            <a:ext cx="8229600" cy="822960"/>
+          </a:xfrm>
+          <a:prstGeom prst="rect">
+            <a:avLst/>
+          </a:prstGeom>
+          <a:noFill/>
+        </p:spPr>
+        <p:txBody>
+          <a:bodyPr wrap="square">
+            <a:spAutoFit/>
+          </a:bodyPr>
+          <a:lstStyle/>
+          <a:p>
+            <a:pPr>
+              <a:lnSpc>
+                <a:spcPct val="140000"/>
+              </a:lnSpc>
+              <a:spcBef>
+                <a:spcPts val="600"/>
+              </a:spcBef>
+              <a:defRPr sz="1600">
+                <a:solidFill>
+                  <a:srgbClr val="1C2833"/>
+                </a:solidFill>
+              </a:defRPr>
+            </a:pPr>
+            <a:r>
+              <a:t>• 1関数: 6シナリオ (75%)</a:t>
+            </a:r>
+          </a:p>
+          <a:p>
+            <a:pPr>
+              <a:lnSpc>
+                <a:spcPct val="140000"/>
+              </a:lnSpc>
+              <a:spcBef>
+                <a:spcPts val="600"/>
+              </a:spcBef>
+              <a:defRPr sz="1600">
+                <a:solidFill>
+                  <a:srgbClr val="1C2833"/>
+                </a:solidFill>
+              </a:defRPr>
+            </a:pPr>
+            <a:r>
+              <a:t>• 2関数: 2シナリオ (25%)</a:t>
+            </a:r>
+          </a:p>
+          <a:p>
+            <a:pPr>
+              <a:lnSpc>
+                <a:spcPct val="140000"/>
+              </a:lnSpc>
+              <a:spcBef>
+                <a:spcPts val="600"/>
+              </a:spcBef>
+              <a:defRPr sz="1600">
+                <a:solidFill>
+                  <a:srgbClr val="1C2833"/>
+                </a:solidFill>
+              </a:defRPr>
+            </a:pPr>
+            <a:r>
+              <a:t>• 最大パス長: 2</a:t>
+            </a:r>
+          </a:p>
+        </p:txBody>
+      </p:sp>
+      <p:sp>
+        <p:nvSpPr>
+          <p:cNvPr id="5" name="TextBox 4"/>
+          <p:cNvSpPr txBox="1"/>
+          <p:nvPr/>
+        </p:nvSpPr>
+        <p:spPr>
+          <a:xfrm>
+            <a:off x="457200" y="2377440"/>
+            <a:ext cx="8229600" cy="365760"/>
+          </a:xfrm>
+          <a:prstGeom prst="rect">
+            <a:avLst/>
+          </a:prstGeom>
+          <a:noFill/>
+        </p:spPr>
+        <p:txBody>
+          <a:bodyPr wrap="none">
+            <a:spAutoFit/>
+          </a:bodyPr>
+          <a:lstStyle/>
+          <a:p>
+            <a:pPr>
+              <a:defRPr sz="2400" b="1">
+                <a:solidFill>
+                  <a:srgbClr val="5EA8A7"/>
+                </a:solidFill>
+              </a:defRPr>
+            </a:pPr>
+            <a:r>
+              <a:t>コストと信頼度</a:t>
+            </a:r>
+          </a:p>
+        </p:txBody>
+      </p:sp>
+      <p:sp>
+        <p:nvSpPr>
+          <p:cNvPr id="6" name="TextBox 5"/>
+          <p:cNvSpPr txBox="1"/>
+          <p:nvPr/>
+        </p:nvSpPr>
+        <p:spPr>
+          <a:xfrm>
+            <a:off x="457200" y="2651760"/>
+            <a:ext cx="8229600" cy="822960"/>
+          </a:xfrm>
+          <a:prstGeom prst="rect">
+            <a:avLst/>
+          </a:prstGeom>
+          <a:noFill/>
+        </p:spPr>
+        <p:txBody>
+          <a:bodyPr wrap="square">
+            <a:spAutoFit/>
+          </a:bodyPr>
+          <a:lstStyle/>
+          <a:p>
+            <a:pPr>
+              <a:lnSpc>
+                <a:spcPct val="140000"/>
+              </a:lnSpc>
+              <a:spcBef>
+                <a:spcPts val="600"/>
+              </a:spcBef>
+              <a:defRPr sz="1600">
+                <a:solidFill>
+                  <a:srgbClr val="1C2833"/>
+                </a:solidFill>
+              </a:defRPr>
+            </a:pPr>
+            <a:r>
+              <a:t>• 最小コスト: 1.0</a:t>
+            </a:r>
+          </a:p>
+          <a:p>
+            <a:pPr>
+              <a:lnSpc>
+                <a:spcPct val="140000"/>
+              </a:lnSpc>
+              <a:spcBef>
+                <a:spcPts val="600"/>
+              </a:spcBef>
+              <a:defRPr sz="1600">
+                <a:solidFill>
+                  <a:srgbClr val="1C2833"/>
+                </a:solidFill>
+              </a:defRPr>
+            </a:pPr>
+            <a:r>
+              <a:t>• 最大コスト: 2.0</a:t>
+            </a:r>
+          </a:p>
+          <a:p>
+            <a:pPr>
+              <a:lnSpc>
+                <a:spcPct val="140000"/>
+              </a:lnSpc>
+              <a:spcBef>
+                <a:spcPts val="600"/>
+              </a:spcBef>
+              <a:defRPr sz="1600">
+                <a:solidFill>
+                  <a:srgbClr val="1C2833"/>
+                </a:solidFill>
+              </a:defRPr>
+            </a:pPr>
+            <a:r>
+              <a:t>• 平均信頼度: 1.0 (100%)</a:t>
+            </a:r>
+          </a:p>
+        </p:txBody>
+      </p:sp>
+      <p:sp>
+        <p:nvSpPr>
+          <p:cNvPr id="7" name="TextBox 6"/>
+          <p:cNvSpPr txBox="1"/>
+          <p:nvPr/>
+        </p:nvSpPr>
+        <p:spPr>
+          <a:xfrm>
+            <a:off x="457200" y="3657600"/>
+            <a:ext cx="8229600" cy="365760"/>
+          </a:xfrm>
+          <a:prstGeom prst="rect">
+            <a:avLst/>
+          </a:prstGeom>
+          <a:noFill/>
+        </p:spPr>
+        <p:txBody>
+          <a:bodyPr wrap="none">
+            <a:spAutoFit/>
+          </a:bodyPr>
+          <a:lstStyle/>
+          <a:p>
+            <a:pPr>
+              <a:defRPr sz="2400" b="1">
+                <a:solidFill>
+                  <a:srgbClr val="5EA8A7"/>
+                </a:solidFill>
+              </a:defRPr>
+            </a:pPr>
+            <a:r>
+              <a:t>発見</a:t>
+            </a:r>
+          </a:p>
+        </p:txBody>
+      </p:sp>
+      <p:sp>
+        <p:nvSpPr>
+          <p:cNvPr id="8" name="TextBox 7"/>
+          <p:cNvSpPr txBox="1"/>
+          <p:nvPr/>
+        </p:nvSpPr>
+        <p:spPr>
+          <a:xfrm>
+            <a:off x="457200" y="3931920"/>
+            <a:ext cx="8229600" cy="822960"/>
+          </a:xfrm>
+          <a:prstGeom prst="rect">
+            <a:avLst/>
+          </a:prstGeom>
+          <a:noFill/>
+        </p:spPr>
+        <p:txBody>
+          <a:bodyPr wrap="square">
+            <a:spAutoFit/>
+          </a:bodyPr>
+          <a:lstStyle/>
+          <a:p>
+            <a:pPr>
+              <a:lnSpc>
+                <a:spcPct val="140000"/>
+              </a:lnSpc>
+              <a:spcBef>
+                <a:spcPts val="600"/>
+              </a:spcBef>
+              <a:defRPr sz="1600">
+                <a:solidFill>
+                  <a:srgbClr val="1C2833"/>
+                </a:solidFill>
+              </a:defRPr>
+            </a:pPr>
+            <a:r>
+              <a:t>• 集約関数はコスト1.0で効率的</a:t>
+            </a:r>
+          </a:p>
+          <a:p>
+            <a:pPr>
+              <a:lnSpc>
+                <a:spcPct val="140000"/>
+              </a:lnSpc>
+              <a:spcBef>
+                <a:spcPts val="600"/>
+              </a:spcBef>
+              <a:defRPr sz="1600">
+                <a:solidFill>
+                  <a:srgbClr val="1C2833"/>
+                </a:solidFill>
+              </a:defRPr>
+            </a:pPr>
+            <a:r>
+              <a:t>• マルチホップパスも自動発見可能</a:t>
+            </a:r>
+          </a:p>
+          <a:p>
+            <a:pPr>
+              <a:lnSpc>
+                <a:spcPct val="140000"/>
+              </a:lnSpc>
+              <a:spcBef>
+                <a:spcPts val="600"/>
+              </a:spcBef>
+              <a:defRPr sz="1600">
+                <a:solidFill>
+                  <a:srgbClr val="1C2833"/>
+                </a:solidFill>
+              </a:defRPr>
+            </a:pPr>
+            <a:r>
+              <a:t>• 型システムが適切に機能している証左</a:t>
             </a:r>
           </a:p>
         </p:txBody>
@@ -4728,6 +7659,14 @@
 <file path=ppt/slides/slide23.xml><?xml version="1.0" encoding="utf-8"?>
 <p:sld xmlns:a="http://schemas.openxmlformats.org/drawingml/2006/main" xmlns:p="http://schemas.openxmlformats.org/presentationml/2006/main" xmlns:r="http://schemas.openxmlformats.org/officeDocument/2006/relationships">
   <p:cSld>
+    <p:bg>
+      <p:bgPr>
+        <a:solidFill>
+          <a:srgbClr val="2E4053"/>
+        </a:solidFill>
+        <a:effectLst/>
+      </p:bgPr>
+    </p:bg>
     <p:spTree>
       <p:nvGrpSpPr>
         <p:cNvPr id="1" name=""/>
@@ -4737,96 +7676,35 @@
       <p:grpSpPr/>
       <p:sp>
         <p:nvSpPr>
-          <p:cNvPr id="2" name="Title 1"/>
-          <p:cNvSpPr>
-            <a:spLocks noGrp="1"/>
-          </p:cNvSpPr>
-          <p:nvPr>
-            <p:ph type="title"/>
-          </p:nvPr>
-        </p:nvSpPr>
-        <p:spPr/>
-        <p:txBody>
-          <a:bodyPr/>
-          <a:lstStyle/>
-          <a:p>
-            <a:r>
-              <a:t>実装済み機能</a:t>
-            </a:r>
-          </a:p>
-        </p:txBody>
-      </p:sp>
-      <p:sp>
-        <p:nvSpPr>
-          <p:cNvPr id="3" name="Content Placeholder 2"/>
-          <p:cNvSpPr>
-            <a:spLocks noGrp="1"/>
-          </p:cNvSpPr>
-          <p:nvPr>
-            <p:ph idx="1"/>
-          </p:nvPr>
-        </p:nvSpPr>
-        <p:spPr/>
-        <p:txBody>
-          <a:bodyPr/>
-          <a:lstStyle/>
-          <a:p>
-            <a:pPr>
-              <a:defRPr b="1"/>
-            </a:pPr>
-            <a:r>
-              <a:t>コア機能:</a:t>
-            </a:r>
-          </a:p>
-          <a:p>
-            <a:pPr lvl="1"/>
-            <a:r>
-              <a:t>• 型合成エンジン</a:t>
-            </a:r>
-          </a:p>
-          <a:p>
-            <a:pPr lvl="1"/>
-            <a:r>
-              <a:t>• 逆方向探索アルゴリズム</a:t>
-            </a:r>
-          </a:p>
-          <a:p>
-            <a:pPr lvl="1"/>
-            <a:r>
-              <a:t>• コスト・信頼度最適化</a:t>
-            </a:r>
-          </a:p>
-          <a:p/>
-          <a:p>
-            <a:pPr>
-              <a:defRPr b="1"/>
-            </a:pPr>
-            <a:r>
-              <a:t>拡張機能:</a:t>
-            </a:r>
-          </a:p>
-          <a:p>
-            <a:pPr lvl="1"/>
-            <a:r>
-              <a:t>• 実行レイヤー</a:t>
-            </a:r>
-          </a:p>
-          <a:p>
-            <a:pPr lvl="1"/>
-            <a:r>
-              <a:t>• 単位変換システム</a:t>
-            </a:r>
-          </a:p>
-          <a:p>
-            <a:pPr lvl="1"/>
-            <a:r>
-              <a:t>• Provenance生成</a:t>
-            </a:r>
-          </a:p>
-          <a:p>
-            <a:pPr lvl="1"/>
-            <a:r>
-              <a:t>• モックモード（テスト用）</a:t>
+          <p:cNvPr id="2" name="TextBox 1"/>
+          <p:cNvSpPr txBox="1"/>
+          <p:nvPr/>
+        </p:nvSpPr>
+        <p:spPr>
+          <a:xfrm>
+            <a:off x="914400" y="1828800"/>
+            <a:ext cx="7315200" cy="914400"/>
+          </a:xfrm>
+          <a:prstGeom prst="rect">
+            <a:avLst/>
+          </a:prstGeom>
+          <a:noFill/>
+        </p:spPr>
+        <p:txBody>
+          <a:bodyPr wrap="none">
+            <a:spAutoFit/>
+          </a:bodyPr>
+          <a:lstStyle/>
+          <a:p>
+            <a:pPr algn="ctr">
+              <a:defRPr sz="4000" b="1">
+                <a:solidFill>
+                  <a:srgbClr val="F4F6F6"/>
+                </a:solidFill>
+              </a:defRPr>
+            </a:pPr>
+            <a:r>
+              <a:t>第5部：まとめと今後の展望</a:t>
             </a:r>
           </a:p>
         </p:txBody>
@@ -4842,6 +7720,14 @@
 <file path=ppt/slides/slide24.xml><?xml version="1.0" encoding="utf-8"?>
 <p:sld xmlns:a="http://schemas.openxmlformats.org/drawingml/2006/main" xmlns:p="http://schemas.openxmlformats.org/presentationml/2006/main" xmlns:r="http://schemas.openxmlformats.org/officeDocument/2006/relationships">
   <p:cSld>
+    <p:bg>
+      <p:bgPr>
+        <a:solidFill>
+          <a:srgbClr val="F4F6F6"/>
+        </a:solidFill>
+        <a:effectLst/>
+      </p:bgPr>
+    </p:bg>
     <p:spTree>
       <p:nvGrpSpPr>
         <p:cNvPr id="1" name=""/>
@@ -4851,90 +7737,389 @@
       <p:grpSpPr/>
       <p:sp>
         <p:nvSpPr>
-          <p:cNvPr id="2" name="Title 1"/>
-          <p:cNvSpPr>
-            <a:spLocks noGrp="1"/>
-          </p:cNvSpPr>
-          <p:nvPr>
-            <p:ph type="title"/>
-          </p:nvPr>
-        </p:nvSpPr>
-        <p:spPr/>
-        <p:txBody>
-          <a:bodyPr/>
-          <a:lstStyle/>
-          <a:p>
-            <a:r>
-              <a:t>今後の拡張</a:t>
-            </a:r>
-          </a:p>
-        </p:txBody>
-      </p:sp>
-      <p:sp>
-        <p:nvSpPr>
-          <p:cNvPr id="3" name="Content Placeholder 2"/>
-          <p:cNvSpPr>
-            <a:spLocks noGrp="1"/>
-          </p:cNvSpPr>
-          <p:nvPr>
-            <p:ph idx="1"/>
-          </p:nvPr>
-        </p:nvSpPr>
-        <p:spPr/>
-        <p:txBody>
-          <a:bodyPr/>
-          <a:lstStyle/>
-          <a:p>
-            <a:pPr>
-              <a:defRPr b="1"/>
-            </a:pPr>
-            <a:r>
-              <a:t>中期: アルゴリズム改善</a:t>
-            </a:r>
-          </a:p>
-          <a:p>
-            <a:pPr lvl="1"/>
-            <a:r>
-              <a:t>• A*探索: ヒューリスティクス関数の導入</a:t>
-            </a:r>
-          </a:p>
-          <a:p>
-            <a:pPr lvl="1"/>
-            <a:r>
-              <a:t>• 双方向探索: 起点と終点からの同時探索</a:t>
-            </a:r>
-          </a:p>
-          <a:p>
-            <a:pPr lvl="1"/>
-            <a:r>
-              <a:t>• キャッシング: 型到達可能性のキャッシュ</a:t>
-            </a:r>
-          </a:p>
-          <a:p/>
-          <a:p>
-            <a:pPr>
-              <a:defRPr b="1"/>
-            </a:pPr>
-            <a:r>
-              <a:t>長期: 理論的拡張</a:t>
-            </a:r>
-          </a:p>
-          <a:p>
-            <a:pPr lvl="1"/>
-            <a:r>
-              <a:t>• 依存型: 値に依存する型</a:t>
-            </a:r>
-          </a:p>
-          <a:p>
-            <a:pPr lvl="1"/>
-            <a:r>
-              <a:t>• 多引数関数: カリー化を超えた表現力</a:t>
-            </a:r>
-          </a:p>
-          <a:p>
-            <a:pPr lvl="1"/>
-            <a:r>
-              <a:t>• Cospan/Colimit: オントロジー統合</a:t>
+          <p:cNvPr id="2" name="TextBox 1"/>
+          <p:cNvSpPr txBox="1"/>
+          <p:nvPr/>
+        </p:nvSpPr>
+        <p:spPr>
+          <a:xfrm>
+            <a:off x="457200" y="274320"/>
+            <a:ext cx="8229600" cy="548640"/>
+          </a:xfrm>
+          <a:prstGeom prst="rect">
+            <a:avLst/>
+          </a:prstGeom>
+          <a:noFill/>
+        </p:spPr>
+        <p:txBody>
+          <a:bodyPr wrap="none">
+            <a:spAutoFit/>
+          </a:bodyPr>
+          <a:lstStyle/>
+          <a:p>
+            <a:pPr>
+              <a:defRPr sz="3200" b="1">
+                <a:solidFill>
+                  <a:srgbClr val="1C2833"/>
+                </a:solidFill>
+              </a:defRPr>
+            </a:pPr>
+            <a:r>
+              <a:t>主要な成果</a:t>
+            </a:r>
+          </a:p>
+        </p:txBody>
+      </p:sp>
+      <p:sp>
+        <p:nvSpPr>
+          <p:cNvPr id="3" name="TextBox 2"/>
+          <p:cNvSpPr txBox="1"/>
+          <p:nvPr/>
+        </p:nvSpPr>
+        <p:spPr>
+          <a:xfrm>
+            <a:off x="457200" y="1097280"/>
+            <a:ext cx="8229600" cy="365760"/>
+          </a:xfrm>
+          <a:prstGeom prst="rect">
+            <a:avLst/>
+          </a:prstGeom>
+          <a:noFill/>
+        </p:spPr>
+        <p:txBody>
+          <a:bodyPr wrap="none">
+            <a:spAutoFit/>
+          </a:bodyPr>
+          <a:lstStyle/>
+          <a:p>
+            <a:pPr>
+              <a:defRPr sz="2400" b="1">
+                <a:solidFill>
+                  <a:srgbClr val="5EA8A7"/>
+                </a:solidFill>
+              </a:defRPr>
+            </a:pPr>
+            <a:r>
+              <a:t>理論的貢献</a:t>
+            </a:r>
+          </a:p>
+        </p:txBody>
+      </p:sp>
+      <p:sp>
+        <p:nvSpPr>
+          <p:cNvPr id="4" name="TextBox 3"/>
+          <p:cNvSpPr txBox="1"/>
+          <p:nvPr/>
+        </p:nvSpPr>
+        <p:spPr>
+          <a:xfrm>
+            <a:off x="457200" y="1371600"/>
+            <a:ext cx="8229600" cy="822960"/>
+          </a:xfrm>
+          <a:prstGeom prst="rect">
+            <a:avLst/>
+          </a:prstGeom>
+          <a:noFill/>
+        </p:spPr>
+        <p:txBody>
+          <a:bodyPr wrap="square">
+            <a:spAutoFit/>
+          </a:bodyPr>
+          <a:lstStyle/>
+          <a:p>
+            <a:pPr>
+              <a:lnSpc>
+                <a:spcPct val="140000"/>
+              </a:lnSpc>
+              <a:spcBef>
+                <a:spcPts val="600"/>
+              </a:spcBef>
+              <a:defRPr sz="1600">
+                <a:solidFill>
+                  <a:srgbClr val="1C2833"/>
+                </a:solidFill>
+              </a:defRPr>
+            </a:pPr>
+            <a:r>
+              <a:t>• Span/Cospan理論によるオントロジーアライメントの形式化</a:t>
+            </a:r>
+          </a:p>
+          <a:p>
+            <a:pPr>
+              <a:lnSpc>
+                <a:spcPct val="140000"/>
+              </a:lnSpc>
+              <a:spcBef>
+                <a:spcPts val="600"/>
+              </a:spcBef>
+              <a:defRPr sz="1600">
+                <a:solidFill>
+                  <a:srgbClr val="1C2833"/>
+                </a:solidFill>
+              </a:defRPr>
+            </a:pPr>
+            <a:r>
+              <a:t>• 型充足問題としての変換経路探索の定式化</a:t>
+            </a:r>
+          </a:p>
+          <a:p>
+            <a:pPr>
+              <a:lnSpc>
+                <a:spcPct val="140000"/>
+              </a:lnSpc>
+              <a:spcBef>
+                <a:spcPts val="600"/>
+              </a:spcBef>
+              <a:defRPr sz="1600">
+                <a:solidFill>
+                  <a:srgbClr val="1C2833"/>
+                </a:solidFill>
+              </a:defRPr>
+            </a:pPr>
+            <a:r>
+              <a:t>• 中間型の自動発見手法</a:t>
+            </a:r>
+          </a:p>
+        </p:txBody>
+      </p:sp>
+      <p:sp>
+        <p:nvSpPr>
+          <p:cNvPr id="5" name="TextBox 4"/>
+          <p:cNvSpPr txBox="1"/>
+          <p:nvPr/>
+        </p:nvSpPr>
+        <p:spPr>
+          <a:xfrm>
+            <a:off x="457200" y="2377440"/>
+            <a:ext cx="8229600" cy="365760"/>
+          </a:xfrm>
+          <a:prstGeom prst="rect">
+            <a:avLst/>
+          </a:prstGeom>
+          <a:noFill/>
+        </p:spPr>
+        <p:txBody>
+          <a:bodyPr wrap="none">
+            <a:spAutoFit/>
+          </a:bodyPr>
+          <a:lstStyle/>
+          <a:p>
+            <a:pPr>
+              <a:defRPr sz="2400" b="1">
+                <a:solidFill>
+                  <a:srgbClr val="5EA8A7"/>
+                </a:solidFill>
+              </a:defRPr>
+            </a:pPr>
+            <a:r>
+              <a:t>実装的貢献</a:t>
+            </a:r>
+          </a:p>
+        </p:txBody>
+      </p:sp>
+      <p:sp>
+        <p:nvSpPr>
+          <p:cNvPr id="6" name="TextBox 5"/>
+          <p:cNvSpPr txBox="1"/>
+          <p:nvPr/>
+        </p:nvSpPr>
+        <p:spPr>
+          <a:xfrm>
+            <a:off x="457200" y="2651760"/>
+            <a:ext cx="8229600" cy="1097280"/>
+          </a:xfrm>
+          <a:prstGeom prst="rect">
+            <a:avLst/>
+          </a:prstGeom>
+          <a:noFill/>
+        </p:spPr>
+        <p:txBody>
+          <a:bodyPr wrap="square">
+            <a:spAutoFit/>
+          </a:bodyPr>
+          <a:lstStyle/>
+          <a:p>
+            <a:pPr>
+              <a:lnSpc>
+                <a:spcPct val="140000"/>
+              </a:lnSpc>
+              <a:spcBef>
+                <a:spcPts val="600"/>
+              </a:spcBef>
+              <a:defRPr sz="1600">
+                <a:solidFill>
+                  <a:srgbClr val="1C2833"/>
+                </a:solidFill>
+              </a:defRPr>
+            </a:pPr>
+            <a:r>
+              <a:t>• YAMLベースのプロトタイプ実装</a:t>
+            </a:r>
+          </a:p>
+          <a:p>
+            <a:pPr>
+              <a:lnSpc>
+                <a:spcPct val="140000"/>
+              </a:lnSpc>
+              <a:spcBef>
+                <a:spcPts val="600"/>
+              </a:spcBef>
+              <a:defRPr sz="1600">
+                <a:solidFill>
+                  <a:srgbClr val="1C2833"/>
+                </a:solidFill>
+              </a:defRPr>
+            </a:pPr>
+            <a:r>
+              <a:t>• 本格的なDSL設計と実装</a:t>
+            </a:r>
+          </a:p>
+          <a:p>
+            <a:pPr>
+              <a:lnSpc>
+                <a:spcPct val="140000"/>
+              </a:lnSpc>
+              <a:spcBef>
+                <a:spcPts val="600"/>
+              </a:spcBef>
+              <a:defRPr sz="1600">
+                <a:solidFill>
+                  <a:srgbClr val="1C2833"/>
+                </a:solidFill>
+              </a:defRPr>
+            </a:pPr>
+            <a:r>
+              <a:t>• 実行エンジン（Formula/SPARQL/REST対応）</a:t>
+            </a:r>
+          </a:p>
+          <a:p>
+            <a:pPr>
+              <a:lnSpc>
+                <a:spcPct val="140000"/>
+              </a:lnSpc>
+              <a:spcBef>
+                <a:spcPts val="600"/>
+              </a:spcBef>
+              <a:defRPr sz="1600">
+                <a:solidFill>
+                  <a:srgbClr val="1C2833"/>
+                </a:solidFill>
+              </a:defRPr>
+            </a:pPr>
+            <a:r>
+              <a:t>• PROV-O準拠のProvenance生成</a:t>
+            </a:r>
+          </a:p>
+        </p:txBody>
+      </p:sp>
+      <p:sp>
+        <p:nvSpPr>
+          <p:cNvPr id="7" name="TextBox 6"/>
+          <p:cNvSpPr txBox="1"/>
+          <p:nvPr/>
+        </p:nvSpPr>
+        <p:spPr>
+          <a:xfrm>
+            <a:off x="457200" y="3931920"/>
+            <a:ext cx="8229600" cy="365760"/>
+          </a:xfrm>
+          <a:prstGeom prst="rect">
+            <a:avLst/>
+          </a:prstGeom>
+          <a:noFill/>
+        </p:spPr>
+        <p:txBody>
+          <a:bodyPr wrap="none">
+            <a:spAutoFit/>
+          </a:bodyPr>
+          <a:lstStyle/>
+          <a:p>
+            <a:pPr>
+              <a:defRPr sz="2400" b="1">
+                <a:solidFill>
+                  <a:srgbClr val="5EA8A7"/>
+                </a:solidFill>
+              </a:defRPr>
+            </a:pPr>
+            <a:r>
+              <a:t>実証的貢献</a:t>
+            </a:r>
+          </a:p>
+        </p:txBody>
+      </p:sp>
+      <p:sp>
+        <p:nvSpPr>
+          <p:cNvPr id="8" name="TextBox 7"/>
+          <p:cNvSpPr txBox="1"/>
+          <p:nvPr/>
+        </p:nvSpPr>
+        <p:spPr>
+          <a:xfrm>
+            <a:off x="457200" y="4206240"/>
+            <a:ext cx="8229600" cy="731520"/>
+          </a:xfrm>
+          <a:prstGeom prst="rect">
+            <a:avLst/>
+          </a:prstGeom>
+          <a:noFill/>
+        </p:spPr>
+        <p:txBody>
+          <a:bodyPr wrap="square">
+            <a:spAutoFit/>
+          </a:bodyPr>
+          <a:lstStyle/>
+          <a:p>
+            <a:pPr>
+              <a:lnSpc>
+                <a:spcPct val="140000"/>
+              </a:lnSpc>
+              <a:spcBef>
+                <a:spcPts val="600"/>
+              </a:spcBef>
+              <a:defRPr sz="1600">
+                <a:solidFill>
+                  <a:srgbClr val="1C2833"/>
+                </a:solidFill>
+              </a:defRPr>
+            </a:pPr>
+            <a:r>
+              <a:t>• CFP計算での検証</a:t>
+            </a:r>
+          </a:p>
+          <a:p>
+            <a:pPr>
+              <a:lnSpc>
+                <a:spcPct val="140000"/>
+              </a:lnSpc>
+              <a:spcBef>
+                <a:spcPts val="600"/>
+              </a:spcBef>
+              <a:defRPr sz="1600">
+                <a:solidFill>
+                  <a:srgbClr val="1C2833"/>
+                </a:solidFill>
+              </a:defRPr>
+            </a:pPr>
+            <a:r>
+              <a:t>• GHG Scope 1,2,3シナリオでの100%成功率</a:t>
+            </a:r>
+          </a:p>
+          <a:p>
+            <a:pPr>
+              <a:lnSpc>
+                <a:spcPct val="140000"/>
+              </a:lnSpc>
+              <a:spcBef>
+                <a:spcPts val="600"/>
+              </a:spcBef>
+              <a:defRPr sz="1600">
+                <a:solidFill>
+                  <a:srgbClr val="1C2833"/>
+                </a:solidFill>
+              </a:defRPr>
+            </a:pPr>
+            <a:r>
+              <a:t>• 集約関数の統合</a:t>
             </a:r>
           </a:p>
         </p:txBody>
@@ -4950,6 +8135,14 @@
 <file path=ppt/slides/slide25.xml><?xml version="1.0" encoding="utf-8"?>
 <p:sld xmlns:a="http://schemas.openxmlformats.org/drawingml/2006/main" xmlns:p="http://schemas.openxmlformats.org/presentationml/2006/main" xmlns:r="http://schemas.openxmlformats.org/officeDocument/2006/relationships">
   <p:cSld>
+    <p:bg>
+      <p:bgPr>
+        <a:solidFill>
+          <a:srgbClr val="F4F6F6"/>
+        </a:solidFill>
+        <a:effectLst/>
+      </p:bgPr>
+    </p:bg>
     <p:spTree>
       <p:nvGrpSpPr>
         <p:cNvPr id="1" name=""/>
@@ -4959,95 +8152,389 @@
       <p:grpSpPr/>
       <p:sp>
         <p:nvSpPr>
-          <p:cNvPr id="2" name="Title 1"/>
-          <p:cNvSpPr>
-            <a:spLocks noGrp="1"/>
-          </p:cNvSpPr>
-          <p:nvPr>
-            <p:ph type="title"/>
-          </p:nvPr>
-        </p:nvSpPr>
-        <p:spPr/>
-        <p:txBody>
-          <a:bodyPr/>
-          <a:lstStyle/>
-          <a:p>
-            <a:r>
-              <a:t>まとめ</a:t>
-            </a:r>
-          </a:p>
-        </p:txBody>
-      </p:sp>
-      <p:sp>
-        <p:nvSpPr>
-          <p:cNvPr id="3" name="Content Placeholder 2"/>
-          <p:cNvSpPr>
-            <a:spLocks noGrp="1"/>
-          </p:cNvSpPr>
-          <p:nvPr>
-            <p:ph idx="1"/>
-          </p:nvPr>
-        </p:nvSpPr>
-        <p:spPr/>
-        <p:txBody>
-          <a:bodyPr/>
-          <a:lstStyle/>
-          <a:p>
-            <a:pPr>
-              <a:defRPr b="1" sz="2000"/>
-            </a:pPr>
-            <a:r>
-              <a:t>型理論と圏論を実装レベルで統合</a:t>
-            </a:r>
-          </a:p>
-          <a:p>
-            <a:pPr>
-              <a:defRPr i="1"/>
-            </a:pPr>
-            <a:r>
-              <a:t>抽象的な理論を具体的な問題解決に応用</a:t>
-            </a:r>
-          </a:p>
-          <a:p/>
-          <a:p>
-            <a:pPr lvl="1"/>
-            <a:r>
-              <a:t>✓ 理論的健全性と実用性を両立</a:t>
-            </a:r>
-          </a:p>
-          <a:p>
-            <a:pPr lvl="1"/>
-            <a:r>
-              <a:t>✓ 自動探索による生産性向上</a:t>
-            </a:r>
-          </a:p>
-          <a:p>
-            <a:pPr lvl="1"/>
-            <a:r>
-              <a:t>✓ 完全なトレーサビリティ</a:t>
-            </a:r>
-          </a:p>
-          <a:p>
-            <a:pPr lvl="1"/>
-            <a:r>
-              <a:t>✓ 拡張可能なアーキテクチャ</a:t>
-            </a:r>
-          </a:p>
-          <a:p/>
-          <a:p>
-            <a:pPr>
-              <a:defRPr sz="1400"/>
-            </a:pPr>
-            <a:r>
-              <a:t>GitHub: github.com/miwamasa/</a:t>
-            </a:r>
-          </a:p>
-          <a:p>
-            <a:pPr>
-              <a:defRPr sz="1400"/>
-            </a:pPr>
-            <a:r>
-              <a:t>        ccw-type_theoretic_ontology_part2</a:t>
+          <p:cNvPr id="2" name="TextBox 1"/>
+          <p:cNvSpPr txBox="1"/>
+          <p:nvPr/>
+        </p:nvSpPr>
+        <p:spPr>
+          <a:xfrm>
+            <a:off x="457200" y="274320"/>
+            <a:ext cx="8229600" cy="548640"/>
+          </a:xfrm>
+          <a:prstGeom prst="rect">
+            <a:avLst/>
+          </a:prstGeom>
+          <a:noFill/>
+        </p:spPr>
+        <p:txBody>
+          <a:bodyPr wrap="none">
+            <a:spAutoFit/>
+          </a:bodyPr>
+          <a:lstStyle/>
+          <a:p>
+            <a:pPr>
+              <a:defRPr sz="3200" b="1">
+                <a:solidFill>
+                  <a:srgbClr val="1C2833"/>
+                </a:solidFill>
+              </a:defRPr>
+            </a:pPr>
+            <a:r>
+              <a:t>今後の展望</a:t>
+            </a:r>
+          </a:p>
+        </p:txBody>
+      </p:sp>
+      <p:sp>
+        <p:nvSpPr>
+          <p:cNvPr id="3" name="TextBox 2"/>
+          <p:cNvSpPr txBox="1"/>
+          <p:nvPr/>
+        </p:nvSpPr>
+        <p:spPr>
+          <a:xfrm>
+            <a:off x="457200" y="1097280"/>
+            <a:ext cx="8229600" cy="365760"/>
+          </a:xfrm>
+          <a:prstGeom prst="rect">
+            <a:avLst/>
+          </a:prstGeom>
+          <a:noFill/>
+        </p:spPr>
+        <p:txBody>
+          <a:bodyPr wrap="none">
+            <a:spAutoFit/>
+          </a:bodyPr>
+          <a:lstStyle/>
+          <a:p>
+            <a:pPr>
+              <a:defRPr sz="2400" b="1">
+                <a:solidFill>
+                  <a:srgbClr val="5EA8A7"/>
+                </a:solidFill>
+              </a:defRPr>
+            </a:pPr>
+            <a:r>
+              <a:t>型システムの拡張</a:t>
+            </a:r>
+          </a:p>
+        </p:txBody>
+      </p:sp>
+      <p:sp>
+        <p:nvSpPr>
+          <p:cNvPr id="4" name="TextBox 3"/>
+          <p:cNvSpPr txBox="1"/>
+          <p:nvPr/>
+        </p:nvSpPr>
+        <p:spPr>
+          <a:xfrm>
+            <a:off x="457200" y="1371600"/>
+            <a:ext cx="8229600" cy="822960"/>
+          </a:xfrm>
+          <a:prstGeom prst="rect">
+            <a:avLst/>
+          </a:prstGeom>
+          <a:noFill/>
+        </p:spPr>
+        <p:txBody>
+          <a:bodyPr wrap="square">
+            <a:spAutoFit/>
+          </a:bodyPr>
+          <a:lstStyle/>
+          <a:p>
+            <a:pPr>
+              <a:lnSpc>
+                <a:spcPct val="140000"/>
+              </a:lnSpc>
+              <a:spcBef>
+                <a:spcPts val="600"/>
+              </a:spcBef>
+              <a:defRPr sz="1600">
+                <a:solidFill>
+                  <a:srgbClr val="1C2833"/>
+                </a:solidFill>
+              </a:defRPr>
+            </a:pPr>
+            <a:r>
+              <a:t>• 依存型: 値に依存する型（例：長さnのリスト）</a:t>
+            </a:r>
+          </a:p>
+          <a:p>
+            <a:pPr>
+              <a:lnSpc>
+                <a:spcPct val="140000"/>
+              </a:lnSpc>
+              <a:spcBef>
+                <a:spcPts val="600"/>
+              </a:spcBef>
+              <a:defRPr sz="1600">
+                <a:solidFill>
+                  <a:srgbClr val="1C2833"/>
+                </a:solidFill>
+              </a:defRPr>
+            </a:pPr>
+            <a:r>
+              <a:t>• 多引数関数: (A, B) → C のような関数</a:t>
+            </a:r>
+          </a:p>
+          <a:p>
+            <a:pPr>
+              <a:lnSpc>
+                <a:spcPct val="140000"/>
+              </a:lnSpc>
+              <a:spcBef>
+                <a:spcPts val="600"/>
+              </a:spcBef>
+              <a:defRPr sz="1600">
+                <a:solidFill>
+                  <a:srgbClr val="1C2833"/>
+                </a:solidFill>
+              </a:defRPr>
+            </a:pPr>
+            <a:r>
+              <a:t>• Product型: A × B による直積型</a:t>
+            </a:r>
+          </a:p>
+        </p:txBody>
+      </p:sp>
+      <p:sp>
+        <p:nvSpPr>
+          <p:cNvPr id="5" name="TextBox 4"/>
+          <p:cNvSpPr txBox="1"/>
+          <p:nvPr/>
+        </p:nvSpPr>
+        <p:spPr>
+          <a:xfrm>
+            <a:off x="457200" y="2377440"/>
+            <a:ext cx="8229600" cy="365760"/>
+          </a:xfrm>
+          <a:prstGeom prst="rect">
+            <a:avLst/>
+          </a:prstGeom>
+          <a:noFill/>
+        </p:spPr>
+        <p:txBody>
+          <a:bodyPr wrap="none">
+            <a:spAutoFit/>
+          </a:bodyPr>
+          <a:lstStyle/>
+          <a:p>
+            <a:pPr>
+              <a:defRPr sz="2400" b="1">
+                <a:solidFill>
+                  <a:srgbClr val="5EA8A7"/>
+                </a:solidFill>
+              </a:defRPr>
+            </a:pPr>
+            <a:r>
+              <a:t>実行エンジンの強化</a:t>
+            </a:r>
+          </a:p>
+        </p:txBody>
+      </p:sp>
+      <p:sp>
+        <p:nvSpPr>
+          <p:cNvPr id="6" name="TextBox 5"/>
+          <p:cNvSpPr txBox="1"/>
+          <p:nvPr/>
+        </p:nvSpPr>
+        <p:spPr>
+          <a:xfrm>
+            <a:off x="457200" y="2651760"/>
+            <a:ext cx="8229600" cy="1097280"/>
+          </a:xfrm>
+          <a:prstGeom prst="rect">
+            <a:avLst/>
+          </a:prstGeom>
+          <a:noFill/>
+        </p:spPr>
+        <p:txBody>
+          <a:bodyPr wrap="square">
+            <a:spAutoFit/>
+          </a:bodyPr>
+          <a:lstStyle/>
+          <a:p>
+            <a:pPr>
+              <a:lnSpc>
+                <a:spcPct val="140000"/>
+              </a:lnSpc>
+              <a:spcBef>
+                <a:spcPts val="600"/>
+              </a:spcBef>
+              <a:defRPr sz="1600">
+                <a:solidFill>
+                  <a:srgbClr val="1C2833"/>
+                </a:solidFill>
+              </a:defRPr>
+            </a:pPr>
+            <a:r>
+              <a:t>• 並列実行による高速化</a:t>
+            </a:r>
+          </a:p>
+          <a:p>
+            <a:pPr>
+              <a:lnSpc>
+                <a:spcPct val="140000"/>
+              </a:lnSpc>
+              <a:spcBef>
+                <a:spcPts val="600"/>
+              </a:spcBef>
+              <a:defRPr sz="1600">
+                <a:solidFill>
+                  <a:srgbClr val="1C2833"/>
+                </a:solidFill>
+              </a:defRPr>
+            </a:pPr>
+            <a:r>
+              <a:t>• キャッシュ機構の導入</a:t>
+            </a:r>
+          </a:p>
+          <a:p>
+            <a:pPr>
+              <a:lnSpc>
+                <a:spcPct val="140000"/>
+              </a:lnSpc>
+              <a:spcBef>
+                <a:spcPts val="600"/>
+              </a:spcBef>
+              <a:defRPr sz="1600">
+                <a:solidFill>
+                  <a:srgbClr val="1C2833"/>
+                </a:solidFill>
+              </a:defRPr>
+            </a:pPr>
+            <a:r>
+              <a:t>• エラーハンドリングの充実</a:t>
+            </a:r>
+          </a:p>
+          <a:p>
+            <a:pPr>
+              <a:lnSpc>
+                <a:spcPct val="140000"/>
+              </a:lnSpc>
+              <a:spcBef>
+                <a:spcPts val="600"/>
+              </a:spcBef>
+              <a:defRPr sz="1600">
+                <a:solidFill>
+                  <a:srgbClr val="1C2833"/>
+                </a:solidFill>
+              </a:defRPr>
+            </a:pPr>
+            <a:r>
+              <a:t>• GraphQL/gRPC対応</a:t>
+            </a:r>
+          </a:p>
+        </p:txBody>
+      </p:sp>
+      <p:sp>
+        <p:nvSpPr>
+          <p:cNvPr id="7" name="TextBox 6"/>
+          <p:cNvSpPr txBox="1"/>
+          <p:nvPr/>
+        </p:nvSpPr>
+        <p:spPr>
+          <a:xfrm>
+            <a:off x="457200" y="3931920"/>
+            <a:ext cx="8229600" cy="365760"/>
+          </a:xfrm>
+          <a:prstGeom prst="rect">
+            <a:avLst/>
+          </a:prstGeom>
+          <a:noFill/>
+        </p:spPr>
+        <p:txBody>
+          <a:bodyPr wrap="none">
+            <a:spAutoFit/>
+          </a:bodyPr>
+          <a:lstStyle/>
+          <a:p>
+            <a:pPr>
+              <a:defRPr sz="2400" b="1">
+                <a:solidFill>
+                  <a:srgbClr val="5EA8A7"/>
+                </a:solidFill>
+              </a:defRPr>
+            </a:pPr>
+            <a:r>
+              <a:t>応用領域の拡大</a:t>
+            </a:r>
+          </a:p>
+        </p:txBody>
+      </p:sp>
+      <p:sp>
+        <p:nvSpPr>
+          <p:cNvPr id="8" name="TextBox 7"/>
+          <p:cNvSpPr txBox="1"/>
+          <p:nvPr/>
+        </p:nvSpPr>
+        <p:spPr>
+          <a:xfrm>
+            <a:off x="457200" y="4206240"/>
+            <a:ext cx="8229600" cy="731520"/>
+          </a:xfrm>
+          <a:prstGeom prst="rect">
+            <a:avLst/>
+          </a:prstGeom>
+          <a:noFill/>
+        </p:spPr>
+        <p:txBody>
+          <a:bodyPr wrap="square">
+            <a:spAutoFit/>
+          </a:bodyPr>
+          <a:lstStyle/>
+          <a:p>
+            <a:pPr>
+              <a:lnSpc>
+                <a:spcPct val="140000"/>
+              </a:lnSpc>
+              <a:spcBef>
+                <a:spcPts val="600"/>
+              </a:spcBef>
+              <a:defRPr sz="1600">
+                <a:solidFill>
+                  <a:srgbClr val="1C2833"/>
+                </a:solidFill>
+              </a:defRPr>
+            </a:pPr>
+            <a:r>
+              <a:t>• サプライチェーン全体のCFP計算</a:t>
+            </a:r>
+          </a:p>
+          <a:p>
+            <a:pPr>
+              <a:lnSpc>
+                <a:spcPct val="140000"/>
+              </a:lnSpc>
+              <a:spcBef>
+                <a:spcPts val="600"/>
+              </a:spcBef>
+              <a:defRPr sz="1600">
+                <a:solidFill>
+                  <a:srgbClr val="1C2833"/>
+                </a:solidFill>
+              </a:defRPr>
+            </a:pPr>
+            <a:r>
+              <a:t>• 生物多様性データの統合</a:t>
+            </a:r>
+          </a:p>
+          <a:p>
+            <a:pPr>
+              <a:lnSpc>
+                <a:spcPct val="140000"/>
+              </a:lnSpc>
+              <a:spcBef>
+                <a:spcPts val="600"/>
+              </a:spcBef>
+              <a:defRPr sz="1600">
+                <a:solidFill>
+                  <a:srgbClr val="1C2833"/>
+                </a:solidFill>
+              </a:defRPr>
+            </a:pPr>
+            <a:r>
+              <a:t>• ESG指標の自動計算</a:t>
             </a:r>
           </a:p>
         </p:txBody>
@@ -5063,6 +8550,14 @@
 <file path=ppt/slides/slide26.xml><?xml version="1.0" encoding="utf-8"?>
 <p:sld xmlns:a="http://schemas.openxmlformats.org/drawingml/2006/main" xmlns:p="http://schemas.openxmlformats.org/presentationml/2006/main" xmlns:r="http://schemas.openxmlformats.org/officeDocument/2006/relationships">
   <p:cSld>
+    <p:bg>
+      <p:bgPr>
+        <a:solidFill>
+          <a:srgbClr val="1C2833"/>
+        </a:solidFill>
+        <a:effectLst/>
+      </p:bgPr>
+    </p:bg>
     <p:spTree>
       <p:nvGrpSpPr>
         <p:cNvPr id="1" name=""/>
@@ -5072,53 +8567,227 @@
       <p:grpSpPr/>
       <p:sp>
         <p:nvSpPr>
-          <p:cNvPr id="2" name="Title 1"/>
-          <p:cNvSpPr>
-            <a:spLocks noGrp="1"/>
-          </p:cNvSpPr>
-          <p:nvPr>
-            <p:ph type="ctrTitle"/>
-          </p:nvPr>
-        </p:nvSpPr>
-        <p:spPr/>
-        <p:txBody>
-          <a:bodyPr/>
-          <a:lstStyle/>
-          <a:p>
-            <a:r>
-              <a:t>ありがとうございました</a:t>
-            </a:r>
-          </a:p>
-        </p:txBody>
-      </p:sp>
-      <p:sp>
-        <p:nvSpPr>
-          <p:cNvPr id="3" name="Subtitle 2"/>
-          <p:cNvSpPr>
-            <a:spLocks noGrp="1"/>
-          </p:cNvSpPr>
-          <p:nvPr>
-            <p:ph type="subTitle" idx="1"/>
-          </p:nvPr>
-        </p:nvSpPr>
-        <p:spPr/>
-        <p:txBody>
-          <a:bodyPr/>
-          <a:lstStyle/>
-          <a:p>
-            <a:r>
-              <a:t>Type-Theoretic Ontology Synthesis System</a:t>
-            </a:r>
-          </a:p>
-          <a:p>
-            <a:r>
-              <a:t>型理論ベース オントロジー探索・合成システム</a:t>
-            </a:r>
-          </a:p>
-          <a:p/>
-          <a:p>
-            <a:r>
-              <a:t>質問・フィードバックをお待ちしています</a:t>
+          <p:cNvPr id="2" name="TextBox 1"/>
+          <p:cNvSpPr txBox="1"/>
+          <p:nvPr/>
+        </p:nvSpPr>
+        <p:spPr>
+          <a:xfrm>
+            <a:off x="457200" y="731520"/>
+            <a:ext cx="8229600" cy="457200"/>
+          </a:xfrm>
+          <a:prstGeom prst="rect">
+            <a:avLst/>
+          </a:prstGeom>
+          <a:noFill/>
+        </p:spPr>
+        <p:txBody>
+          <a:bodyPr wrap="none">
+            <a:spAutoFit/>
+          </a:bodyPr>
+          <a:lstStyle/>
+          <a:p>
+            <a:pPr>
+              <a:defRPr sz="3200" b="1">
+                <a:solidFill>
+                  <a:srgbClr val="F4F6F6"/>
+                </a:solidFill>
+              </a:defRPr>
+            </a:pPr>
+            <a:r>
+              <a:t>結論</a:t>
+            </a:r>
+          </a:p>
+        </p:txBody>
+      </p:sp>
+      <p:sp>
+        <p:nvSpPr>
+          <p:cNvPr id="3" name="TextBox 2"/>
+          <p:cNvSpPr txBox="1"/>
+          <p:nvPr/>
+        </p:nvSpPr>
+        <p:spPr>
+          <a:xfrm>
+            <a:off x="731520" y="1371600"/>
+            <a:ext cx="7680960" cy="457200"/>
+          </a:xfrm>
+          <a:prstGeom prst="rect">
+            <a:avLst/>
+          </a:prstGeom>
+          <a:noFill/>
+        </p:spPr>
+        <p:txBody>
+          <a:bodyPr wrap="none">
+            <a:spAutoFit/>
+          </a:bodyPr>
+          <a:lstStyle/>
+          <a:p>
+            <a:pPr>
+              <a:lnSpc>
+                <a:spcPct val="180000"/>
+              </a:lnSpc>
+              <a:defRPr sz="1800">
+                <a:solidFill>
+                  <a:srgbClr val="F4F6F6"/>
+                </a:solidFill>
+              </a:defRPr>
+            </a:pPr>
+            <a:r>
+              <a:t>• 型理論とカテゴリ理論により、オントロジー変換を自動化</a:t>
+            </a:r>
+          </a:p>
+        </p:txBody>
+      </p:sp>
+      <p:sp>
+        <p:nvSpPr>
+          <p:cNvPr id="4" name="TextBox 3"/>
+          <p:cNvSpPr txBox="1"/>
+          <p:nvPr/>
+        </p:nvSpPr>
+        <p:spPr>
+          <a:xfrm>
+            <a:off x="731520" y="1920240"/>
+            <a:ext cx="7680960" cy="457200"/>
+          </a:xfrm>
+          <a:prstGeom prst="rect">
+            <a:avLst/>
+          </a:prstGeom>
+          <a:noFill/>
+        </p:spPr>
+        <p:txBody>
+          <a:bodyPr wrap="none">
+            <a:spAutoFit/>
+          </a:bodyPr>
+          <a:lstStyle/>
+          <a:p>
+            <a:pPr>
+              <a:lnSpc>
+                <a:spcPct val="180000"/>
+              </a:lnSpc>
+              <a:defRPr sz="1800">
+                <a:solidFill>
+                  <a:srgbClr val="F4F6F6"/>
+                </a:solidFill>
+              </a:defRPr>
+            </a:pPr>
+            <a:r>
+              <a:t>• DSLによる宣言的で拡張可能な設計</a:t>
+            </a:r>
+          </a:p>
+        </p:txBody>
+      </p:sp>
+      <p:sp>
+        <p:nvSpPr>
+          <p:cNvPr id="5" name="TextBox 4"/>
+          <p:cNvSpPr txBox="1"/>
+          <p:nvPr/>
+        </p:nvSpPr>
+        <p:spPr>
+          <a:xfrm>
+            <a:off x="731520" y="2468880"/>
+            <a:ext cx="7680960" cy="457200"/>
+          </a:xfrm>
+          <a:prstGeom prst="rect">
+            <a:avLst/>
+          </a:prstGeom>
+          <a:noFill/>
+        </p:spPr>
+        <p:txBody>
+          <a:bodyPr wrap="none">
+            <a:spAutoFit/>
+          </a:bodyPr>
+          <a:lstStyle/>
+          <a:p>
+            <a:pPr>
+              <a:lnSpc>
+                <a:spcPct val="180000"/>
+              </a:lnSpc>
+              <a:defRPr sz="1800">
+                <a:solidFill>
+                  <a:srgbClr val="F4F6F6"/>
+                </a:solidFill>
+              </a:defRPr>
+            </a:pPr>
+            <a:r>
+              <a:t>• 実行エンジンにより実用的なシステムを実現</a:t>
+            </a:r>
+          </a:p>
+        </p:txBody>
+      </p:sp>
+      <p:sp>
+        <p:nvSpPr>
+          <p:cNvPr id="6" name="TextBox 5"/>
+          <p:cNvSpPr txBox="1"/>
+          <p:nvPr/>
+        </p:nvSpPr>
+        <p:spPr>
+          <a:xfrm>
+            <a:off x="731520" y="3017520"/>
+            <a:ext cx="7680960" cy="457200"/>
+          </a:xfrm>
+          <a:prstGeom prst="rect">
+            <a:avLst/>
+          </a:prstGeom>
+          <a:noFill/>
+        </p:spPr>
+        <p:txBody>
+          <a:bodyPr wrap="none">
+            <a:spAutoFit/>
+          </a:bodyPr>
+          <a:lstStyle/>
+          <a:p>
+            <a:pPr>
+              <a:lnSpc>
+                <a:spcPct val="180000"/>
+              </a:lnSpc>
+              <a:defRPr sz="1800">
+                <a:solidFill>
+                  <a:srgbClr val="F4F6F6"/>
+                </a:solidFill>
+              </a:defRPr>
+            </a:pPr>
+            <a:r>
+              <a:t>• CFP計算での実証により有効性を確認</a:t>
+            </a:r>
+          </a:p>
+        </p:txBody>
+      </p:sp>
+      <p:sp>
+        <p:nvSpPr>
+          <p:cNvPr id="7" name="TextBox 6"/>
+          <p:cNvSpPr txBox="1"/>
+          <p:nvPr/>
+        </p:nvSpPr>
+        <p:spPr>
+          <a:xfrm>
+            <a:off x="914400" y="3931920"/>
+            <a:ext cx="7315200" cy="731520"/>
+          </a:xfrm>
+          <a:prstGeom prst="rect">
+            <a:avLst/>
+          </a:prstGeom>
+          <a:noFill/>
+        </p:spPr>
+        <p:txBody>
+          <a:bodyPr wrap="none">
+            <a:spAutoFit/>
+          </a:bodyPr>
+          <a:lstStyle/>
+          <a:p>
+            <a:pPr algn="ctr">
+              <a:defRPr sz="2000">
+                <a:solidFill>
+                  <a:srgbClr val="5EA8A7"/>
+                </a:solidFill>
+              </a:defRPr>
+            </a:pPr>
+            <a:r>
+              <a:t>持続可能性データの統合と分析を</a:t>
+            </a:r>
+          </a:p>
+          <a:p>
+            <a:r>
+              <a:t>次のレベルへ</a:t>
             </a:r>
           </a:p>
         </p:txBody>
@@ -5134,6 +8803,14 @@
 <file path=ppt/slides/slide3.xml><?xml version="1.0" encoding="utf-8"?>
 <p:sld xmlns:a="http://schemas.openxmlformats.org/drawingml/2006/main" xmlns:p="http://schemas.openxmlformats.org/presentationml/2006/main" xmlns:r="http://schemas.openxmlformats.org/officeDocument/2006/relationships">
   <p:cSld>
+    <p:bg>
+      <p:bgPr>
+        <a:solidFill>
+          <a:srgbClr val="2E4053"/>
+        </a:solidFill>
+        <a:effectLst/>
+      </p:bgPr>
+    </p:bg>
     <p:spTree>
       <p:nvGrpSpPr>
         <p:cNvPr id="1" name=""/>
@@ -5143,42 +8820,70 @@
       <p:grpSpPr/>
       <p:sp>
         <p:nvSpPr>
-          <p:cNvPr id="2" name="Title 1"/>
-          <p:cNvSpPr>
-            <a:spLocks noGrp="1"/>
-          </p:cNvSpPr>
-          <p:nvPr>
-            <p:ph type="title"/>
-          </p:nvPr>
-        </p:nvSpPr>
-        <p:spPr/>
-        <p:txBody>
-          <a:bodyPr/>
-          <a:lstStyle/>
-          <a:p>
-            <a:r>
-              <a:t>1. 理論的基礎</a:t>
-            </a:r>
-          </a:p>
-        </p:txBody>
-      </p:sp>
-      <p:sp>
-        <p:nvSpPr>
-          <p:cNvPr id="3" name="Content Placeholder 2"/>
-          <p:cNvSpPr>
-            <a:spLocks noGrp="1"/>
-          </p:cNvSpPr>
-          <p:nvPr>
-            <p:ph idx="1"/>
-          </p:nvPr>
-        </p:nvSpPr>
-        <p:spPr/>
-        <p:txBody>
-          <a:bodyPr/>
-          <a:lstStyle/>
-          <a:p>
-            <a:r>
-              <a:t>型理論と圏論によるオントロジー変換の形式化</a:t>
+          <p:cNvPr id="2" name="TextBox 1"/>
+          <p:cNvSpPr txBox="1"/>
+          <p:nvPr/>
+        </p:nvSpPr>
+        <p:spPr>
+          <a:xfrm>
+            <a:off x="914400" y="1828800"/>
+            <a:ext cx="7315200" cy="914400"/>
+          </a:xfrm>
+          <a:prstGeom prst="rect">
+            <a:avLst/>
+          </a:prstGeom>
+          <a:noFill/>
+        </p:spPr>
+        <p:txBody>
+          <a:bodyPr wrap="none">
+            <a:spAutoFit/>
+          </a:bodyPr>
+          <a:lstStyle/>
+          <a:p>
+            <a:pPr algn="ctr">
+              <a:defRPr sz="4000" b="1">
+                <a:solidFill>
+                  <a:srgbClr val="F4F6F6"/>
+                </a:solidFill>
+              </a:defRPr>
+            </a:pPr>
+            <a:r>
+              <a:t>第1部：理論的基礎</a:t>
+            </a:r>
+          </a:p>
+        </p:txBody>
+      </p:sp>
+      <p:sp>
+        <p:nvSpPr>
+          <p:cNvPr id="3" name="TextBox 2"/>
+          <p:cNvSpPr txBox="1"/>
+          <p:nvPr/>
+        </p:nvSpPr>
+        <p:spPr>
+          <a:xfrm>
+            <a:off x="914400" y="2926080"/>
+            <a:ext cx="7315200" cy="457200"/>
+          </a:xfrm>
+          <a:prstGeom prst="rect">
+            <a:avLst/>
+          </a:prstGeom>
+          <a:noFill/>
+        </p:spPr>
+        <p:txBody>
+          <a:bodyPr wrap="none">
+            <a:spAutoFit/>
+          </a:bodyPr>
+          <a:lstStyle/>
+          <a:p>
+            <a:pPr algn="ctr">
+              <a:defRPr sz="2000">
+                <a:solidFill>
+                  <a:srgbClr val="5EA8A7"/>
+                </a:solidFill>
+              </a:defRPr>
+            </a:pPr>
+            <a:r>
+              <a:t>Span/Cospan理論と型理論</a:t>
             </a:r>
           </a:p>
         </p:txBody>
@@ -5194,6 +8899,14 @@
 <file path=ppt/slides/slide4.xml><?xml version="1.0" encoding="utf-8"?>
 <p:sld xmlns:a="http://schemas.openxmlformats.org/drawingml/2006/main" xmlns:p="http://schemas.openxmlformats.org/presentationml/2006/main" xmlns:r="http://schemas.openxmlformats.org/officeDocument/2006/relationships">
   <p:cSld>
+    <p:bg>
+      <p:bgPr>
+        <a:solidFill>
+          <a:srgbClr val="F4F6F6"/>
+        </a:solidFill>
+        <a:effectLst/>
+      </p:bgPr>
+    </p:bg>
     <p:spTree>
       <p:nvGrpSpPr>
         <p:cNvPr id="1" name=""/>
@@ -5203,81 +8916,373 @@
       <p:grpSpPr/>
       <p:sp>
         <p:nvSpPr>
-          <p:cNvPr id="2" name="Title 1"/>
-          <p:cNvSpPr>
-            <a:spLocks noGrp="1"/>
-          </p:cNvSpPr>
-          <p:nvPr>
-            <p:ph type="title"/>
-          </p:nvPr>
-        </p:nvSpPr>
-        <p:spPr/>
-        <p:txBody>
-          <a:bodyPr/>
-          <a:lstStyle/>
-          <a:p>
-            <a:r>
-              <a:t>1.1 Span/Cospan理論</a:t>
-            </a:r>
-          </a:p>
-        </p:txBody>
-      </p:sp>
-      <p:sp>
-        <p:nvSpPr>
-          <p:cNvPr id="3" name="Content Placeholder 2"/>
-          <p:cNvSpPr>
-            <a:spLocks noGrp="1"/>
-          </p:cNvSpPr>
-          <p:nvPr>
-            <p:ph idx="1"/>
-          </p:nvPr>
-        </p:nvSpPr>
-        <p:spPr/>
-        <p:txBody>
-          <a:bodyPr/>
-          <a:lstStyle/>
-          <a:p>
-            <a:r>
-              <a:t>なぜオントロジーにSpanが向いているのか？</a:t>
-            </a:r>
-          </a:p>
-          <a:p>
-            <a:pPr lvl="1"/>
-            <a:r>
-              <a:t>オントロジー間のアライメントは本質的に「対応表」を持つ</a:t>
-            </a:r>
-          </a:p>
-          <a:p>
-            <a:pPr lvl="1"/>
-            <a:r>
-              <a:t>→ これがSpanそのもの</a:t>
-            </a:r>
-          </a:p>
-          <a:p/>
-          <a:p>
-            <a:pPr lvl="1">
-              <a:defRPr>
+          <p:cNvPr id="2" name="TextBox 1"/>
+          <p:cNvSpPr txBox="1"/>
+          <p:nvPr/>
+        </p:nvSpPr>
+        <p:spPr>
+          <a:xfrm>
+            <a:off x="457200" y="274320"/>
+            <a:ext cx="8229600" cy="548640"/>
+          </a:xfrm>
+          <a:prstGeom prst="rect">
+            <a:avLst/>
+          </a:prstGeom>
+          <a:noFill/>
+        </p:spPr>
+        <p:txBody>
+          <a:bodyPr wrap="none">
+            <a:spAutoFit/>
+          </a:bodyPr>
+          <a:lstStyle/>
+          <a:p>
+            <a:pPr>
+              <a:defRPr sz="3200" b="1">
+                <a:solidFill>
+                  <a:srgbClr val="1C2833"/>
+                </a:solidFill>
+              </a:defRPr>
+            </a:pPr>
+            <a:r>
+              <a:t>Span/Cospan理論</a:t>
+            </a:r>
+          </a:p>
+        </p:txBody>
+      </p:sp>
+      <p:sp>
+        <p:nvSpPr>
+          <p:cNvPr id="3" name="TextBox 2"/>
+          <p:cNvSpPr txBox="1"/>
+          <p:nvPr/>
+        </p:nvSpPr>
+        <p:spPr>
+          <a:xfrm>
+            <a:off x="457200" y="1097280"/>
+            <a:ext cx="8229600" cy="365760"/>
+          </a:xfrm>
+          <a:prstGeom prst="rect">
+            <a:avLst/>
+          </a:prstGeom>
+          <a:noFill/>
+        </p:spPr>
+        <p:txBody>
+          <a:bodyPr wrap="none">
+            <a:spAutoFit/>
+          </a:bodyPr>
+          <a:lstStyle/>
+          <a:p>
+            <a:pPr>
+              <a:defRPr sz="2400" b="1">
+                <a:solidFill>
+                  <a:srgbClr val="5EA8A7"/>
+                </a:solidFill>
+              </a:defRPr>
+            </a:pPr>
+            <a:r>
+              <a:t>Span構造</a:t>
+            </a:r>
+          </a:p>
+        </p:txBody>
+      </p:sp>
+      <p:sp>
+        <p:nvSpPr>
+          <p:cNvPr id="4" name="TextBox 3"/>
+          <p:cNvSpPr txBox="1"/>
+          <p:nvPr/>
+        </p:nvSpPr>
+        <p:spPr>
+          <a:xfrm>
+            <a:off x="457200" y="1371600"/>
+            <a:ext cx="8229600" cy="274320"/>
+          </a:xfrm>
+          <a:prstGeom prst="rect">
+            <a:avLst/>
+          </a:prstGeom>
+          <a:noFill/>
+        </p:spPr>
+        <p:txBody>
+          <a:bodyPr wrap="square">
+            <a:spAutoFit/>
+          </a:bodyPr>
+          <a:lstStyle/>
+          <a:p>
+            <a:pPr>
+              <a:defRPr sz="1600">
+                <a:solidFill>
+                  <a:srgbClr val="1C2833"/>
+                </a:solidFill>
+              </a:defRPr>
+            </a:pPr>
+            <a:r>
+              <a:t>2つのオントロジーを中間オントロジーで接続</a:t>
+            </a:r>
+          </a:p>
+        </p:txBody>
+      </p:sp>
+      <p:sp>
+        <p:nvSpPr>
+          <p:cNvPr id="5" name="TextBox 4"/>
+          <p:cNvSpPr txBox="1"/>
+          <p:nvPr/>
+        </p:nvSpPr>
+        <p:spPr>
+          <a:xfrm>
+            <a:off x="457200" y="1645920"/>
+            <a:ext cx="8229600" cy="365760"/>
+          </a:xfrm>
+          <a:prstGeom prst="rect">
+            <a:avLst/>
+          </a:prstGeom>
+          <a:solidFill>
+            <a:srgbClr val="ECF0F1"/>
+          </a:solidFill>
+          <a:ln w="12700">
+            <a:solidFill>
+              <a:srgbClr val="AAB7B8"/>
+            </a:solidFill>
+          </a:ln>
+        </p:spPr>
+        <p:txBody>
+          <a:bodyPr wrap="none" lIns="127000" tIns="127000" rIns="127000" bIns="127000">
+            <a:spAutoFit/>
+          </a:bodyPr>
+          <a:lstStyle/>
+          <a:p>
+            <a:pPr>
+              <a:defRPr sz="1300">
+                <a:solidFill>
+                  <a:srgbClr val="1C2833"/>
+                </a:solidFill>
                 <a:latin typeface="Courier New"/>
               </a:defRPr>
             </a:pPr>
             <a:r>
-              <a:t>A ← X → B</a:t>
-            </a:r>
-          </a:p>
-          <a:p>
-            <a:pPr lvl="1">
-              <a:defRPr sz="1400"/>
-            </a:pPr>
-            <a:r>
-              <a:t>A: オントロジーA, B: オントロジーB</a:t>
-            </a:r>
-          </a:p>
-          <a:p>
-            <a:pPr lvl="1">
-              <a:defRPr sz="1400"/>
-            </a:pPr>
-            <a:r>
-              <a:t>X: 対応（マッピングテーブル）</a:t>
+              <a:t>A ← M → B</a:t>
+            </a:r>
+          </a:p>
+        </p:txBody>
+      </p:sp>
+      <p:sp>
+        <p:nvSpPr>
+          <p:cNvPr id="6" name="TextBox 5"/>
+          <p:cNvSpPr txBox="1"/>
+          <p:nvPr/>
+        </p:nvSpPr>
+        <p:spPr>
+          <a:xfrm>
+            <a:off x="457200" y="2103120"/>
+            <a:ext cx="8229600" cy="822960"/>
+          </a:xfrm>
+          <a:prstGeom prst="rect">
+            <a:avLst/>
+          </a:prstGeom>
+          <a:noFill/>
+        </p:spPr>
+        <p:txBody>
+          <a:bodyPr wrap="square">
+            <a:spAutoFit/>
+          </a:bodyPr>
+          <a:lstStyle/>
+          <a:p>
+            <a:pPr>
+              <a:lnSpc>
+                <a:spcPct val="140000"/>
+              </a:lnSpc>
+              <a:spcBef>
+                <a:spcPts val="600"/>
+              </a:spcBef>
+              <a:defRPr sz="1600">
+                <a:solidFill>
+                  <a:srgbClr val="1C2833"/>
+                </a:solidFill>
+              </a:defRPr>
+            </a:pPr>
+            <a:r>
+              <a:t>• A, B: ソース・ターゲットオントロジー</a:t>
+            </a:r>
+          </a:p>
+          <a:p>
+            <a:pPr>
+              <a:lnSpc>
+                <a:spcPct val="140000"/>
+              </a:lnSpc>
+              <a:spcBef>
+                <a:spcPts val="600"/>
+              </a:spcBef>
+              <a:defRPr sz="1600">
+                <a:solidFill>
+                  <a:srgbClr val="1C2833"/>
+                </a:solidFill>
+              </a:defRPr>
+            </a:pPr>
+            <a:r>
+              <a:t>• M: 中間オントロジー（マッピング仲介者）</a:t>
+            </a:r>
+          </a:p>
+          <a:p>
+            <a:pPr>
+              <a:lnSpc>
+                <a:spcPct val="140000"/>
+              </a:lnSpc>
+              <a:spcBef>
+                <a:spcPts val="600"/>
+              </a:spcBef>
+              <a:defRPr sz="1600">
+                <a:solidFill>
+                  <a:srgbClr val="1C2833"/>
+                </a:solidFill>
+              </a:defRPr>
+            </a:pPr>
+            <a:r>
+              <a:t>• 射: オントロジー準同型（構造を保つ写像）</a:t>
+            </a:r>
+          </a:p>
+        </p:txBody>
+      </p:sp>
+      <p:sp>
+        <p:nvSpPr>
+          <p:cNvPr id="7" name="TextBox 6"/>
+          <p:cNvSpPr txBox="1"/>
+          <p:nvPr/>
+        </p:nvSpPr>
+        <p:spPr>
+          <a:xfrm>
+            <a:off x="457200" y="3108960"/>
+            <a:ext cx="8229600" cy="365760"/>
+          </a:xfrm>
+          <a:prstGeom prst="rect">
+            <a:avLst/>
+          </a:prstGeom>
+          <a:noFill/>
+        </p:spPr>
+        <p:txBody>
+          <a:bodyPr wrap="none">
+            <a:spAutoFit/>
+          </a:bodyPr>
+          <a:lstStyle/>
+          <a:p>
+            <a:pPr>
+              <a:defRPr sz="2400" b="1">
+                <a:solidFill>
+                  <a:srgbClr val="5EA8A7"/>
+                </a:solidFill>
+              </a:defRPr>
+            </a:pPr>
+            <a:r>
+              <a:t>Cospan構造</a:t>
+            </a:r>
+          </a:p>
+        </p:txBody>
+      </p:sp>
+      <p:sp>
+        <p:nvSpPr>
+          <p:cNvPr id="8" name="TextBox 7"/>
+          <p:cNvSpPr txBox="1"/>
+          <p:nvPr/>
+        </p:nvSpPr>
+        <p:spPr>
+          <a:xfrm>
+            <a:off x="457200" y="3383280"/>
+            <a:ext cx="8229600" cy="274320"/>
+          </a:xfrm>
+          <a:prstGeom prst="rect">
+            <a:avLst/>
+          </a:prstGeom>
+          <a:noFill/>
+        </p:spPr>
+        <p:txBody>
+          <a:bodyPr wrap="square">
+            <a:spAutoFit/>
+          </a:bodyPr>
+          <a:lstStyle/>
+          <a:p>
+            <a:pPr>
+              <a:defRPr sz="1600">
+                <a:solidFill>
+                  <a:srgbClr val="1C2833"/>
+                </a:solidFill>
+              </a:defRPr>
+            </a:pPr>
+            <a:r>
+              <a:t>2つのオントロジーから共通の統合オントロジーへ</a:t>
+            </a:r>
+          </a:p>
+        </p:txBody>
+      </p:sp>
+      <p:sp>
+        <p:nvSpPr>
+          <p:cNvPr id="9" name="TextBox 8"/>
+          <p:cNvSpPr txBox="1"/>
+          <p:nvPr/>
+        </p:nvSpPr>
+        <p:spPr>
+          <a:xfrm>
+            <a:off x="457200" y="3657600"/>
+            <a:ext cx="8229600" cy="365760"/>
+          </a:xfrm>
+          <a:prstGeom prst="rect">
+            <a:avLst/>
+          </a:prstGeom>
+          <a:solidFill>
+            <a:srgbClr val="ECF0F1"/>
+          </a:solidFill>
+          <a:ln w="12700">
+            <a:solidFill>
+              <a:srgbClr val="AAB7B8"/>
+            </a:solidFill>
+          </a:ln>
+        </p:spPr>
+        <p:txBody>
+          <a:bodyPr wrap="none" lIns="127000" tIns="127000" rIns="127000" bIns="127000">
+            <a:spAutoFit/>
+          </a:bodyPr>
+          <a:lstStyle/>
+          <a:p>
+            <a:pPr>
+              <a:defRPr sz="1300">
+                <a:solidFill>
+                  <a:srgbClr val="1C2833"/>
+                </a:solidFill>
+                <a:latin typeface="Courier New"/>
+              </a:defRPr>
+            </a:pPr>
+            <a:r>
+              <a:t>A → U ← B</a:t>
+            </a:r>
+          </a:p>
+        </p:txBody>
+      </p:sp>
+      <p:sp>
+        <p:nvSpPr>
+          <p:cNvPr id="10" name="TextBox 9"/>
+          <p:cNvSpPr txBox="1"/>
+          <p:nvPr/>
+        </p:nvSpPr>
+        <p:spPr>
+          <a:xfrm>
+            <a:off x="457200" y="4114800"/>
+            <a:ext cx="8229600" cy="274320"/>
+          </a:xfrm>
+          <a:prstGeom prst="rect">
+            <a:avLst/>
+          </a:prstGeom>
+          <a:noFill/>
+        </p:spPr>
+        <p:txBody>
+          <a:bodyPr wrap="square">
+            <a:spAutoFit/>
+          </a:bodyPr>
+          <a:lstStyle/>
+          <a:p>
+            <a:pPr>
+              <a:defRPr sz="1600">
+                <a:solidFill>
+                  <a:srgbClr val="1C2833"/>
+                </a:solidFill>
+              </a:defRPr>
+            </a:pPr>
+            <a:r>
+              <a:t>Pullback操作により、最も精密な整合性を保つマッピングを構築</a:t>
             </a:r>
           </a:p>
         </p:txBody>
@@ -5293,6 +9298,14 @@
 <file path=ppt/slides/slide5.xml><?xml version="1.0" encoding="utf-8"?>
 <p:sld xmlns:a="http://schemas.openxmlformats.org/drawingml/2006/main" xmlns:p="http://schemas.openxmlformats.org/presentationml/2006/main" xmlns:r="http://schemas.openxmlformats.org/officeDocument/2006/relationships">
   <p:cSld>
+    <p:bg>
+      <p:bgPr>
+        <a:solidFill>
+          <a:srgbClr val="F4F6F6"/>
+        </a:solidFill>
+        <a:effectLst/>
+      </p:bgPr>
+    </p:bg>
     <p:spTree>
       <p:nvGrpSpPr>
         <p:cNvPr id="1" name=""/>
@@ -5302,100 +9315,408 @@
       <p:grpSpPr/>
       <p:sp>
         <p:nvSpPr>
-          <p:cNvPr id="2" name="Title 1"/>
-          <p:cNvSpPr>
-            <a:spLocks noGrp="1"/>
-          </p:cNvSpPr>
-          <p:nvPr>
-            <p:ph type="title"/>
-          </p:nvPr>
-        </p:nvSpPr>
-        <p:spPr/>
-        <p:txBody>
-          <a:bodyPr/>
-          <a:lstStyle/>
-          <a:p>
-            <a:r>
-              <a:t>Spanの合成</a:t>
-            </a:r>
-          </a:p>
-        </p:txBody>
-      </p:sp>
-      <p:sp>
-        <p:nvSpPr>
-          <p:cNvPr id="3" name="Content Placeholder 2"/>
-          <p:cNvSpPr>
-            <a:spLocks noGrp="1"/>
-          </p:cNvSpPr>
-          <p:nvPr>
-            <p:ph idx="1"/>
-          </p:nvPr>
-        </p:nvSpPr>
-        <p:spPr/>
-        <p:txBody>
-          <a:bodyPr/>
-          <a:lstStyle/>
-          <a:p>
-            <a:r>
-              <a:t>2つのアライメントを連鎖させる</a:t>
-            </a:r>
-          </a:p>
-          <a:p/>
-          <a:p>
-            <a:pPr lvl="1">
-              <a:defRPr>
+          <p:cNvPr id="2" name="TextBox 1"/>
+          <p:cNvSpPr txBox="1"/>
+          <p:nvPr/>
+        </p:nvSpPr>
+        <p:spPr>
+          <a:xfrm>
+            <a:off x="457200" y="274320"/>
+            <a:ext cx="8229600" cy="548640"/>
+          </a:xfrm>
+          <a:prstGeom prst="rect">
+            <a:avLst/>
+          </a:prstGeom>
+          <a:noFill/>
+        </p:spPr>
+        <p:txBody>
+          <a:bodyPr wrap="none">
+            <a:spAutoFit/>
+          </a:bodyPr>
+          <a:lstStyle/>
+          <a:p>
+            <a:pPr>
+              <a:defRPr sz="3200" b="1">
+                <a:solidFill>
+                  <a:srgbClr val="1C2833"/>
+                </a:solidFill>
+              </a:defRPr>
+            </a:pPr>
+            <a:r>
+              <a:t>型理論の基礎</a:t>
+            </a:r>
+          </a:p>
+        </p:txBody>
+      </p:sp>
+      <p:sp>
+        <p:nvSpPr>
+          <p:cNvPr id="3" name="TextBox 2"/>
+          <p:cNvSpPr txBox="1"/>
+          <p:nvPr/>
+        </p:nvSpPr>
+        <p:spPr>
+          <a:xfrm>
+            <a:off x="457200" y="1097280"/>
+            <a:ext cx="8229600" cy="365760"/>
+          </a:xfrm>
+          <a:prstGeom prst="rect">
+            <a:avLst/>
+          </a:prstGeom>
+          <a:noFill/>
+        </p:spPr>
+        <p:txBody>
+          <a:bodyPr wrap="none">
+            <a:spAutoFit/>
+          </a:bodyPr>
+          <a:lstStyle/>
+          <a:p>
+            <a:pPr>
+              <a:defRPr sz="2400" b="1">
+                <a:solidFill>
+                  <a:srgbClr val="5EA8A7"/>
+                </a:solidFill>
+              </a:defRPr>
+            </a:pPr>
+            <a:r>
+              <a:t>型システム</a:t>
+            </a:r>
+          </a:p>
+        </p:txBody>
+      </p:sp>
+      <p:sp>
+        <p:nvSpPr>
+          <p:cNvPr id="4" name="TextBox 3"/>
+          <p:cNvSpPr txBox="1"/>
+          <p:nvPr/>
+        </p:nvSpPr>
+        <p:spPr>
+          <a:xfrm>
+            <a:off x="457200" y="1371600"/>
+            <a:ext cx="8229600" cy="822960"/>
+          </a:xfrm>
+          <a:prstGeom prst="rect">
+            <a:avLst/>
+          </a:prstGeom>
+          <a:noFill/>
+        </p:spPr>
+        <p:txBody>
+          <a:bodyPr wrap="square">
+            <a:spAutoFit/>
+          </a:bodyPr>
+          <a:lstStyle/>
+          <a:p>
+            <a:pPr>
+              <a:lnSpc>
+                <a:spcPct val="140000"/>
+              </a:lnSpc>
+              <a:spcBef>
+                <a:spcPts val="600"/>
+              </a:spcBef>
+              <a:defRPr sz="1600">
+                <a:solidFill>
+                  <a:srgbClr val="1C2833"/>
+                </a:solidFill>
+              </a:defRPr>
+            </a:pPr>
+            <a:r>
+              <a:t>• 型 (Type): データの分類・制約を表現</a:t>
+            </a:r>
+          </a:p>
+          <a:p>
+            <a:pPr>
+              <a:lnSpc>
+                <a:spcPct val="140000"/>
+              </a:lnSpc>
+              <a:spcBef>
+                <a:spcPts val="600"/>
+              </a:spcBef>
+              <a:defRPr sz="1600">
+                <a:solidFill>
+                  <a:srgbClr val="1C2833"/>
+                </a:solidFill>
+              </a:defRPr>
+            </a:pPr>
+            <a:r>
+              <a:t>• 項 (Term): 型に属する具体的な値</a:t>
+            </a:r>
+          </a:p>
+          <a:p>
+            <a:pPr>
+              <a:lnSpc>
+                <a:spcPct val="140000"/>
+              </a:lnSpc>
+              <a:spcBef>
+                <a:spcPts val="600"/>
+              </a:spcBef>
+              <a:defRPr sz="1600">
+                <a:solidFill>
+                  <a:srgbClr val="1C2833"/>
+                </a:solidFill>
+              </a:defRPr>
+            </a:pPr>
+            <a:r>
+              <a:t>• 判断 (Judgment): t : T （項tが型Tに属する）</a:t>
+            </a:r>
+          </a:p>
+        </p:txBody>
+      </p:sp>
+      <p:sp>
+        <p:nvSpPr>
+          <p:cNvPr id="5" name="TextBox 4"/>
+          <p:cNvSpPr txBox="1"/>
+          <p:nvPr/>
+        </p:nvSpPr>
+        <p:spPr>
+          <a:xfrm>
+            <a:off x="457200" y="2377440"/>
+            <a:ext cx="8229600" cy="365760"/>
+          </a:xfrm>
+          <a:prstGeom prst="rect">
+            <a:avLst/>
+          </a:prstGeom>
+          <a:noFill/>
+        </p:spPr>
+        <p:txBody>
+          <a:bodyPr wrap="none">
+            <a:spAutoFit/>
+          </a:bodyPr>
+          <a:lstStyle/>
+          <a:p>
+            <a:pPr>
+              <a:defRPr sz="2400" b="1">
+                <a:solidFill>
+                  <a:srgbClr val="5EA8A7"/>
+                </a:solidFill>
+              </a:defRPr>
+            </a:pPr>
+            <a:r>
+              <a:t>関数型</a:t>
+            </a:r>
+          </a:p>
+        </p:txBody>
+      </p:sp>
+      <p:sp>
+        <p:nvSpPr>
+          <p:cNvPr id="6" name="TextBox 5"/>
+          <p:cNvSpPr txBox="1"/>
+          <p:nvPr/>
+        </p:nvSpPr>
+        <p:spPr>
+          <a:xfrm>
+            <a:off x="457200" y="2651760"/>
+            <a:ext cx="8229600" cy="274320"/>
+          </a:xfrm>
+          <a:prstGeom prst="rect">
+            <a:avLst/>
+          </a:prstGeom>
+          <a:noFill/>
+        </p:spPr>
+        <p:txBody>
+          <a:bodyPr wrap="square">
+            <a:spAutoFit/>
+          </a:bodyPr>
+          <a:lstStyle/>
+          <a:p>
+            <a:pPr>
+              <a:defRPr sz="1600">
+                <a:solidFill>
+                  <a:srgbClr val="1C2833"/>
+                </a:solidFill>
+              </a:defRPr>
+            </a:pPr>
+            <a:r>
+              <a:t>関数は型から型への写像</a:t>
+            </a:r>
+          </a:p>
+        </p:txBody>
+      </p:sp>
+      <p:sp>
+        <p:nvSpPr>
+          <p:cNvPr id="7" name="TextBox 6"/>
+          <p:cNvSpPr txBox="1"/>
+          <p:nvPr/>
+        </p:nvSpPr>
+        <p:spPr>
+          <a:xfrm>
+            <a:off x="457200" y="2926080"/>
+            <a:ext cx="8229600" cy="365760"/>
+          </a:xfrm>
+          <a:prstGeom prst="rect">
+            <a:avLst/>
+          </a:prstGeom>
+          <a:solidFill>
+            <a:srgbClr val="ECF0F1"/>
+          </a:solidFill>
+          <a:ln w="12700">
+            <a:solidFill>
+              <a:srgbClr val="AAB7B8"/>
+            </a:solidFill>
+          </a:ln>
+        </p:spPr>
+        <p:txBody>
+          <a:bodyPr wrap="none" lIns="127000" tIns="127000" rIns="127000" bIns="127000">
+            <a:spAutoFit/>
+          </a:bodyPr>
+          <a:lstStyle/>
+          <a:p>
+            <a:pPr>
+              <a:defRPr sz="1300">
+                <a:solidFill>
+                  <a:srgbClr val="1C2833"/>
+                </a:solidFill>
                 <a:latin typeface="Courier New"/>
               </a:defRPr>
             </a:pPr>
             <a:r>
-              <a:t>A ← X → B  (AとBのアライメント)</a:t>
-            </a:r>
-          </a:p>
-          <a:p>
-            <a:pPr lvl="1">
-              <a:defRPr>
+              <a:t>f : A → B</a:t>
+            </a:r>
+          </a:p>
+        </p:txBody>
+      </p:sp>
+      <p:sp>
+        <p:nvSpPr>
+          <p:cNvPr id="8" name="TextBox 7"/>
+          <p:cNvSpPr txBox="1"/>
+          <p:nvPr/>
+        </p:nvSpPr>
+        <p:spPr>
+          <a:xfrm>
+            <a:off x="457200" y="3383280"/>
+            <a:ext cx="8229600" cy="274320"/>
+          </a:xfrm>
+          <a:prstGeom prst="rect">
+            <a:avLst/>
+          </a:prstGeom>
+          <a:noFill/>
+        </p:spPr>
+        <p:txBody>
+          <a:bodyPr wrap="square">
+            <a:spAutoFit/>
+          </a:bodyPr>
+          <a:lstStyle/>
+          <a:p>
+            <a:pPr>
+              <a:defRPr sz="1600">
+                <a:solidFill>
+                  <a:srgbClr val="1C2833"/>
+                </a:solidFill>
+              </a:defRPr>
+            </a:pPr>
+            <a:r>
+              <a:t>関数fは型Aの値を受け取り、型Bの値を返す</a:t>
+            </a:r>
+          </a:p>
+        </p:txBody>
+      </p:sp>
+      <p:sp>
+        <p:nvSpPr>
+          <p:cNvPr id="9" name="TextBox 8"/>
+          <p:cNvSpPr txBox="1"/>
+          <p:nvPr/>
+        </p:nvSpPr>
+        <p:spPr>
+          <a:xfrm>
+            <a:off x="457200" y="3840480"/>
+            <a:ext cx="8229600" cy="365760"/>
+          </a:xfrm>
+          <a:prstGeom prst="rect">
+            <a:avLst/>
+          </a:prstGeom>
+          <a:noFill/>
+        </p:spPr>
+        <p:txBody>
+          <a:bodyPr wrap="none">
+            <a:spAutoFit/>
+          </a:bodyPr>
+          <a:lstStyle/>
+          <a:p>
+            <a:pPr>
+              <a:defRPr sz="2400" b="1">
+                <a:solidFill>
+                  <a:srgbClr val="5EA8A7"/>
+                </a:solidFill>
+              </a:defRPr>
+            </a:pPr>
+            <a:r>
+              <a:t>関数合成</a:t>
+            </a:r>
+          </a:p>
+        </p:txBody>
+      </p:sp>
+      <p:sp>
+        <p:nvSpPr>
+          <p:cNvPr id="10" name="TextBox 9"/>
+          <p:cNvSpPr txBox="1"/>
+          <p:nvPr/>
+        </p:nvSpPr>
+        <p:spPr>
+          <a:xfrm>
+            <a:off x="457200" y="4114800"/>
+            <a:ext cx="8229600" cy="274320"/>
+          </a:xfrm>
+          <a:prstGeom prst="rect">
+            <a:avLst/>
+          </a:prstGeom>
+          <a:noFill/>
+        </p:spPr>
+        <p:txBody>
+          <a:bodyPr wrap="square">
+            <a:spAutoFit/>
+          </a:bodyPr>
+          <a:lstStyle/>
+          <a:p>
+            <a:pPr>
+              <a:defRPr sz="1600">
+                <a:solidFill>
+                  <a:srgbClr val="1C2833"/>
+                </a:solidFill>
+              </a:defRPr>
+            </a:pPr>
+            <a:r>
+              <a:t>f : A → B と g : B → C があるとき</a:t>
+            </a:r>
+          </a:p>
+        </p:txBody>
+      </p:sp>
+      <p:sp>
+        <p:nvSpPr>
+          <p:cNvPr id="11" name="TextBox 10"/>
+          <p:cNvSpPr txBox="1"/>
+          <p:nvPr/>
+        </p:nvSpPr>
+        <p:spPr>
+          <a:xfrm>
+            <a:off x="457200" y="4389120"/>
+            <a:ext cx="8229600" cy="365760"/>
+          </a:xfrm>
+          <a:prstGeom prst="rect">
+            <a:avLst/>
+          </a:prstGeom>
+          <a:solidFill>
+            <a:srgbClr val="ECF0F1"/>
+          </a:solidFill>
+          <a:ln w="12700">
+            <a:solidFill>
+              <a:srgbClr val="AAB7B8"/>
+            </a:solidFill>
+          </a:ln>
+        </p:spPr>
+        <p:txBody>
+          <a:bodyPr wrap="none" lIns="127000" tIns="127000" rIns="127000" bIns="127000">
+            <a:spAutoFit/>
+          </a:bodyPr>
+          <a:lstStyle/>
+          <a:p>
+            <a:pPr>
+              <a:defRPr sz="1300">
+                <a:solidFill>
+                  <a:srgbClr val="1C2833"/>
+                </a:solidFill>
                 <a:latin typeface="Courier New"/>
               </a:defRPr>
             </a:pPr>
             <a:r>
-              <a:t>B ← Y → C  (BとCのアライメント)</a:t>
-            </a:r>
-          </a:p>
-          <a:p>
-            <a:pPr lvl="1"/>
-            <a:r>
-              <a:t>↓ pullback で合成</a:t>
-            </a:r>
-          </a:p>
-          <a:p>
-            <a:pPr lvl="1">
-              <a:defRPr>
-                <a:latin typeface="Courier New"/>
-              </a:defRPr>
-            </a:pPr>
-            <a:r>
-              <a:t>A ← X×ᴮY → C  (AとCのアライメント)</a:t>
-            </a:r>
-          </a:p>
-          <a:p/>
-          <a:p>
-            <a:pPr>
-              <a:defRPr b="1"/>
-            </a:pPr>
-            <a:r>
-              <a:t>Pullbackの意義:</a:t>
-            </a:r>
-          </a:p>
-          <a:p>
-            <a:pPr lvl="1"/>
-            <a:r>
-              <a:t>• B型が一致する要素のみが自動的に接合</a:t>
-            </a:r>
-          </a:p>
-          <a:p>
-            <a:pPr lvl="1"/>
-            <a:r>
-              <a:t>• 互換性のないマッピングは合成されない（安全）</a:t>
+              <a:t>g ∘ f : A → C</a:t>
             </a:r>
           </a:p>
         </p:txBody>
@@ -5411,6 +9732,14 @@
 <file path=ppt/slides/slide6.xml><?xml version="1.0" encoding="utf-8"?>
 <p:sld xmlns:a="http://schemas.openxmlformats.org/drawingml/2006/main" xmlns:p="http://schemas.openxmlformats.org/presentationml/2006/main" xmlns:r="http://schemas.openxmlformats.org/officeDocument/2006/relationships">
   <p:cSld>
+    <p:bg>
+      <p:bgPr>
+        <a:solidFill>
+          <a:srgbClr val="F4F6F6"/>
+        </a:solidFill>
+        <a:effectLst/>
+      </p:bgPr>
+    </p:bg>
     <p:spTree>
       <p:nvGrpSpPr>
         <p:cNvPr id="1" name=""/>
@@ -5420,104 +9749,389 @@
       <p:grpSpPr/>
       <p:sp>
         <p:nvSpPr>
-          <p:cNvPr id="2" name="Title 1"/>
-          <p:cNvSpPr>
-            <a:spLocks noGrp="1"/>
-          </p:cNvSpPr>
-          <p:nvPr>
-            <p:ph type="title"/>
-          </p:nvPr>
-        </p:nvSpPr>
-        <p:spPr/>
-        <p:txBody>
-          <a:bodyPr/>
-          <a:lstStyle/>
-          <a:p>
-            <a:r>
-              <a:t>1.2 型理論による定式化</a:t>
-            </a:r>
-          </a:p>
-        </p:txBody>
-      </p:sp>
-      <p:sp>
-        <p:nvSpPr>
-          <p:cNvPr id="3" name="Content Placeholder 2"/>
-          <p:cNvSpPr>
-            <a:spLocks noGrp="1"/>
-          </p:cNvSpPr>
-          <p:nvPr>
-            <p:ph idx="1"/>
-          </p:nvPr>
-        </p:nvSpPr>
-        <p:spPr/>
-        <p:txBody>
-          <a:bodyPr/>
-          <a:lstStyle/>
-          <a:p>
-            <a:pPr>
-              <a:defRPr b="1"/>
-            </a:pPr>
-            <a:r>
-              <a:t>型 = オントロジーのクラス</a:t>
-            </a:r>
-          </a:p>
-          <a:p>
-            <a:pPr lvl="1">
-              <a:defRPr>
+          <p:cNvPr id="2" name="TextBox 1"/>
+          <p:cNvSpPr txBox="1"/>
+          <p:nvPr/>
+        </p:nvSpPr>
+        <p:spPr>
+          <a:xfrm>
+            <a:off x="457200" y="274320"/>
+            <a:ext cx="8229600" cy="548640"/>
+          </a:xfrm>
+          <a:prstGeom prst="rect">
+            <a:avLst/>
+          </a:prstGeom>
+          <a:noFill/>
+        </p:spPr>
+        <p:txBody>
+          <a:bodyPr wrap="none">
+            <a:spAutoFit/>
+          </a:bodyPr>
+          <a:lstStyle/>
+          <a:p>
+            <a:pPr>
+              <a:defRPr sz="3200" b="1">
+                <a:solidFill>
+                  <a:srgbClr val="1C2833"/>
+                </a:solidFill>
+              </a:defRPr>
+            </a:pPr>
+            <a:r>
+              <a:t>型充足問題</a:t>
+            </a:r>
+          </a:p>
+        </p:txBody>
+      </p:sp>
+      <p:sp>
+        <p:nvSpPr>
+          <p:cNvPr id="3" name="TextBox 2"/>
+          <p:cNvSpPr txBox="1"/>
+          <p:nvPr/>
+        </p:nvSpPr>
+        <p:spPr>
+          <a:xfrm>
+            <a:off x="457200" y="1097280"/>
+            <a:ext cx="8229600" cy="365760"/>
+          </a:xfrm>
+          <a:prstGeom prst="rect">
+            <a:avLst/>
+          </a:prstGeom>
+          <a:noFill/>
+        </p:spPr>
+        <p:txBody>
+          <a:bodyPr wrap="none">
+            <a:spAutoFit/>
+          </a:bodyPr>
+          <a:lstStyle/>
+          <a:p>
+            <a:pPr>
+              <a:defRPr sz="2400" b="1">
+                <a:solidFill>
+                  <a:srgbClr val="5EA8A7"/>
+                </a:solidFill>
+              </a:defRPr>
+            </a:pPr>
+            <a:r>
+              <a:t>問題定義</a:t>
+            </a:r>
+          </a:p>
+        </p:txBody>
+      </p:sp>
+      <p:sp>
+        <p:nvSpPr>
+          <p:cNvPr id="4" name="TextBox 3"/>
+          <p:cNvSpPr txBox="1"/>
+          <p:nvPr/>
+        </p:nvSpPr>
+        <p:spPr>
+          <a:xfrm>
+            <a:off x="457200" y="1371600"/>
+            <a:ext cx="8229600" cy="274320"/>
+          </a:xfrm>
+          <a:prstGeom prst="rect">
+            <a:avLst/>
+          </a:prstGeom>
+          <a:noFill/>
+        </p:spPr>
+        <p:txBody>
+          <a:bodyPr wrap="square">
+            <a:spAutoFit/>
+          </a:bodyPr>
+          <a:lstStyle/>
+          <a:p>
+            <a:pPr>
+              <a:defRPr sz="1600">
+                <a:solidFill>
+                  <a:srgbClr val="1C2833"/>
+                </a:solidFill>
+              </a:defRPr>
+            </a:pPr>
+            <a:r>
+              <a:t>与えられた型Tに対して、その型を持つ項を見つける問題</a:t>
+            </a:r>
+          </a:p>
+        </p:txBody>
+      </p:sp>
+      <p:sp>
+        <p:nvSpPr>
+          <p:cNvPr id="5" name="TextBox 4"/>
+          <p:cNvSpPr txBox="1"/>
+          <p:nvPr/>
+        </p:nvSpPr>
+        <p:spPr>
+          <a:xfrm>
+            <a:off x="457200" y="1645920"/>
+            <a:ext cx="8229600" cy="365760"/>
+          </a:xfrm>
+          <a:prstGeom prst="rect">
+            <a:avLst/>
+          </a:prstGeom>
+          <a:solidFill>
+            <a:srgbClr val="ECF0F1"/>
+          </a:solidFill>
+          <a:ln w="12700">
+            <a:solidFill>
+              <a:srgbClr val="AAB7B8"/>
+            </a:solidFill>
+          </a:ln>
+        </p:spPr>
+        <p:txBody>
+          <a:bodyPr wrap="none" lIns="127000" tIns="127000" rIns="127000" bIns="127000">
+            <a:spAutoFit/>
+          </a:bodyPr>
+          <a:lstStyle/>
+          <a:p>
+            <a:pPr>
+              <a:defRPr sz="1300">
+                <a:solidFill>
+                  <a:srgbClr val="1C2833"/>
+                </a:solidFill>
                 <a:latin typeface="Courier New"/>
               </a:defRPr>
             </a:pPr>
             <a:r>
-              <a:t>type Product</a:t>
-            </a:r>
-          </a:p>
-          <a:p>
-            <a:pPr lvl="1">
-              <a:defRPr>
-                <a:latin typeface="Courier New"/>
-              </a:defRPr>
-            </a:pPr>
-            <a:r>
-              <a:t>type Energy [unit=J]</a:t>
-            </a:r>
-          </a:p>
-          <a:p>
-            <a:pPr lvl="1">
-              <a:defRPr>
-                <a:latin typeface="Courier New"/>
-              </a:defRPr>
-            </a:pPr>
-            <a:r>
-              <a:t>type Fuel [unit=kg]</a:t>
-            </a:r>
-          </a:p>
-          <a:p/>
-          <a:p>
-            <a:pPr>
-              <a:defRPr b="1"/>
-            </a:pPr>
-            <a:r>
-              <a:t>関数 = 型間の変換</a:t>
-            </a:r>
-          </a:p>
-          <a:p>
-            <a:pPr lvl="1">
-              <a:defRPr>
-                <a:latin typeface="Courier New"/>
-              </a:defRPr>
-            </a:pPr>
-            <a:r>
-              <a:t>usesEnergy : Product → Energy</a:t>
-            </a:r>
-          </a:p>
-          <a:p>
-            <a:pPr lvl="1">
-              <a:defRPr>
-                <a:latin typeface="Courier New"/>
-              </a:defRPr>
-            </a:pPr>
-            <a:r>
-              <a:t>fuelToCO2 : Fuel → CO2</a:t>
+              <a:t>Find t such that t : T</a:t>
+            </a:r>
+          </a:p>
+        </p:txBody>
+      </p:sp>
+      <p:sp>
+        <p:nvSpPr>
+          <p:cNvPr id="6" name="TextBox 5"/>
+          <p:cNvSpPr txBox="1"/>
+          <p:nvPr/>
+        </p:nvSpPr>
+        <p:spPr>
+          <a:xfrm>
+            <a:off x="457200" y="2194560"/>
+            <a:ext cx="8229600" cy="365760"/>
+          </a:xfrm>
+          <a:prstGeom prst="rect">
+            <a:avLst/>
+          </a:prstGeom>
+          <a:noFill/>
+        </p:spPr>
+        <p:txBody>
+          <a:bodyPr wrap="none">
+            <a:spAutoFit/>
+          </a:bodyPr>
+          <a:lstStyle/>
+          <a:p>
+            <a:pPr>
+              <a:defRPr sz="2400" b="1">
+                <a:solidFill>
+                  <a:srgbClr val="5EA8A7"/>
+                </a:solidFill>
+              </a:defRPr>
+            </a:pPr>
+            <a:r>
+              <a:t>本システムへの適用</a:t>
+            </a:r>
+          </a:p>
+        </p:txBody>
+      </p:sp>
+      <p:sp>
+        <p:nvSpPr>
+          <p:cNvPr id="7" name="TextBox 6"/>
+          <p:cNvSpPr txBox="1"/>
+          <p:nvPr/>
+        </p:nvSpPr>
+        <p:spPr>
+          <a:xfrm>
+            <a:off x="457200" y="2468880"/>
+            <a:ext cx="8229600" cy="822960"/>
+          </a:xfrm>
+          <a:prstGeom prst="rect">
+            <a:avLst/>
+          </a:prstGeom>
+          <a:noFill/>
+        </p:spPr>
+        <p:txBody>
+          <a:bodyPr wrap="square">
+            <a:spAutoFit/>
+          </a:bodyPr>
+          <a:lstStyle/>
+          <a:p>
+            <a:pPr>
+              <a:lnSpc>
+                <a:spcPct val="140000"/>
+              </a:lnSpc>
+              <a:spcBef>
+                <a:spcPts val="600"/>
+              </a:spcBef>
+              <a:defRPr sz="1600">
+                <a:solidFill>
+                  <a:srgbClr val="1C2833"/>
+                </a:solidFill>
+              </a:defRPr>
+            </a:pPr>
+            <a:r>
+              <a:t>• Goal: ソース型 S からターゲット型 T への変換</a:t>
+            </a:r>
+          </a:p>
+          <a:p>
+            <a:pPr>
+              <a:lnSpc>
+                <a:spcPct val="140000"/>
+              </a:lnSpc>
+              <a:spcBef>
+                <a:spcPts val="600"/>
+              </a:spcBef>
+              <a:defRPr sz="1600">
+                <a:solidFill>
+                  <a:srgbClr val="1C2833"/>
+                </a:solidFill>
+              </a:defRPr>
+            </a:pPr>
+            <a:r>
+              <a:t>• Catalog: 利用可能な関数の集合</a:t>
+            </a:r>
+          </a:p>
+          <a:p>
+            <a:pPr>
+              <a:lnSpc>
+                <a:spcPct val="140000"/>
+              </a:lnSpc>
+              <a:spcBef>
+                <a:spcPts val="600"/>
+              </a:spcBef>
+              <a:defRPr sz="1600">
+                <a:solidFill>
+                  <a:srgbClr val="1C2833"/>
+                </a:solidFill>
+              </a:defRPr>
+            </a:pPr>
+            <a:r>
+              <a:t>• Task: S → T という型を満たす関数合成を発見</a:t>
+            </a:r>
+          </a:p>
+        </p:txBody>
+      </p:sp>
+      <p:sp>
+        <p:nvSpPr>
+          <p:cNvPr id="8" name="TextBox 7"/>
+          <p:cNvSpPr txBox="1"/>
+          <p:nvPr/>
+        </p:nvSpPr>
+        <p:spPr>
+          <a:xfrm>
+            <a:off x="457200" y="3474720"/>
+            <a:ext cx="8229600" cy="365760"/>
+          </a:xfrm>
+          <a:prstGeom prst="rect">
+            <a:avLst/>
+          </a:prstGeom>
+          <a:noFill/>
+        </p:spPr>
+        <p:txBody>
+          <a:bodyPr wrap="none">
+            <a:spAutoFit/>
+          </a:bodyPr>
+          <a:lstStyle/>
+          <a:p>
+            <a:pPr>
+              <a:defRPr sz="2400" b="1">
+                <a:solidFill>
+                  <a:srgbClr val="5EA8A7"/>
+                </a:solidFill>
+              </a:defRPr>
+            </a:pPr>
+            <a:r>
+              <a:t>探索アルゴリズム</a:t>
+            </a:r>
+          </a:p>
+        </p:txBody>
+      </p:sp>
+      <p:sp>
+        <p:nvSpPr>
+          <p:cNvPr id="9" name="TextBox 8"/>
+          <p:cNvSpPr txBox="1"/>
+          <p:nvPr/>
+        </p:nvSpPr>
+        <p:spPr>
+          <a:xfrm>
+            <a:off x="457200" y="3749040"/>
+            <a:ext cx="8229600" cy="274320"/>
+          </a:xfrm>
+          <a:prstGeom prst="rect">
+            <a:avLst/>
+          </a:prstGeom>
+          <a:noFill/>
+        </p:spPr>
+        <p:txBody>
+          <a:bodyPr wrap="square">
+            <a:spAutoFit/>
+          </a:bodyPr>
+          <a:lstStyle/>
+          <a:p>
+            <a:pPr>
+              <a:defRPr sz="1600">
+                <a:solidFill>
+                  <a:srgbClr val="1C2833"/>
+                </a:solidFill>
+              </a:defRPr>
+            </a:pPr>
+            <a:r>
+              <a:t>Dijkstra法ベースの後方探索</a:t>
+            </a:r>
+          </a:p>
+        </p:txBody>
+      </p:sp>
+      <p:sp>
+        <p:nvSpPr>
+          <p:cNvPr id="10" name="TextBox 9"/>
+          <p:cNvSpPr txBox="1"/>
+          <p:nvPr/>
+        </p:nvSpPr>
+        <p:spPr>
+          <a:xfrm>
+            <a:off x="457200" y="4023360"/>
+            <a:ext cx="8229600" cy="548640"/>
+          </a:xfrm>
+          <a:prstGeom prst="rect">
+            <a:avLst/>
+          </a:prstGeom>
+          <a:noFill/>
+        </p:spPr>
+        <p:txBody>
+          <a:bodyPr wrap="square">
+            <a:spAutoFit/>
+          </a:bodyPr>
+          <a:lstStyle/>
+          <a:p>
+            <a:pPr>
+              <a:lnSpc>
+                <a:spcPct val="140000"/>
+              </a:lnSpc>
+              <a:spcBef>
+                <a:spcPts val="600"/>
+              </a:spcBef>
+              <a:defRPr sz="1600">
+                <a:solidFill>
+                  <a:srgbClr val="1C2833"/>
+                </a:solidFill>
+              </a:defRPr>
+            </a:pPr>
+            <a:r>
+              <a:t>• ゴール型Tから開始し、Sに到達するパスを探索</a:t>
+            </a:r>
+          </a:p>
+          <a:p>
+            <a:pPr>
+              <a:lnSpc>
+                <a:spcPct val="140000"/>
+              </a:lnSpc>
+              <a:spcBef>
+                <a:spcPts val="600"/>
+              </a:spcBef>
+              <a:defRPr sz="1600">
+                <a:solidFill>
+                  <a:srgbClr val="1C2833"/>
+                </a:solidFill>
+              </a:defRPr>
+            </a:pPr>
+            <a:r>
+              <a:t>• コスト最小・信頼度最大のパスを優先</a:t>
             </a:r>
           </a:p>
         </p:txBody>
@@ -5533,6 +10147,14 @@
 <file path=ppt/slides/slide7.xml><?xml version="1.0" encoding="utf-8"?>
 <p:sld xmlns:a="http://schemas.openxmlformats.org/drawingml/2006/main" xmlns:p="http://schemas.openxmlformats.org/presentationml/2006/main" xmlns:r="http://schemas.openxmlformats.org/officeDocument/2006/relationships">
   <p:cSld>
+    <p:bg>
+      <p:bgPr>
+        <a:solidFill>
+          <a:srgbClr val="F4F6F6"/>
+        </a:solidFill>
+        <a:effectLst/>
+      </p:bgPr>
+    </p:bg>
     <p:spTree>
       <p:nvGrpSpPr>
         <p:cNvPr id="1" name=""/>
@@ -5542,111 +10164,327 @@
       <p:grpSpPr/>
       <p:sp>
         <p:nvSpPr>
-          <p:cNvPr id="2" name="Title 1"/>
-          <p:cNvSpPr>
-            <a:spLocks noGrp="1"/>
-          </p:cNvSpPr>
-          <p:nvPr>
-            <p:ph type="title"/>
-          </p:nvPr>
-        </p:nvSpPr>
-        <p:spPr/>
-        <p:txBody>
-          <a:bodyPr/>
-          <a:lstStyle/>
-          <a:p>
-            <a:r>
-              <a:t>型充足（Type Inhabitation）問題</a:t>
-            </a:r>
-          </a:p>
-        </p:txBody>
-      </p:sp>
-      <p:sp>
-        <p:nvSpPr>
-          <p:cNvPr id="3" name="Content Placeholder 2"/>
-          <p:cNvSpPr>
-            <a:spLocks noGrp="1"/>
-          </p:cNvSpPr>
-          <p:nvPr>
-            <p:ph idx="1"/>
-          </p:nvPr>
-        </p:nvSpPr>
-        <p:spPr/>
-        <p:txBody>
-          <a:bodyPr/>
-          <a:lstStyle/>
-          <a:p>
-            <a:pPr>
-              <a:defRPr b="1"/>
-            </a:pPr>
-            <a:r>
-              <a:t>問題: 目的型 Product → CO2 を満たす証明項（関数合成）は存在するか？</a:t>
+          <p:cNvPr id="2" name="TextBox 1"/>
+          <p:cNvSpPr txBox="1"/>
+          <p:nvPr/>
+        </p:nvSpPr>
+        <p:spPr>
+          <a:xfrm>
+            <a:off x="457200" y="274320"/>
+            <a:ext cx="8229600" cy="548640"/>
+          </a:xfrm>
+          <a:prstGeom prst="rect">
+            <a:avLst/>
+          </a:prstGeom>
+          <a:noFill/>
+        </p:spPr>
+        <p:txBody>
+          <a:bodyPr wrap="none">
+            <a:spAutoFit/>
+          </a:bodyPr>
+          <a:lstStyle/>
+          <a:p>
+            <a:pPr>
+              <a:defRPr sz="3200" b="1">
+                <a:solidFill>
+                  <a:srgbClr val="1C2833"/>
+                </a:solidFill>
+              </a:defRPr>
+            </a:pPr>
+            <a:r>
+              <a:t>中間型の自動発見</a:t>
+            </a:r>
+          </a:p>
+        </p:txBody>
+      </p:sp>
+      <p:sp>
+        <p:nvSpPr>
+          <p:cNvPr id="3" name="TextBox 2"/>
+          <p:cNvSpPr txBox="1"/>
+          <p:nvPr/>
+        </p:nvSpPr>
+        <p:spPr>
+          <a:xfrm>
+            <a:off x="457200" y="1097280"/>
+            <a:ext cx="8229600" cy="365760"/>
+          </a:xfrm>
+          <a:prstGeom prst="rect">
+            <a:avLst/>
+          </a:prstGeom>
+          <a:noFill/>
+        </p:spPr>
+        <p:txBody>
+          <a:bodyPr wrap="none">
+            <a:spAutoFit/>
+          </a:bodyPr>
+          <a:lstStyle/>
+          <a:p>
+            <a:pPr>
+              <a:defRPr sz="2400" b="1">
+                <a:solidFill>
+                  <a:srgbClr val="5EA8A7"/>
+                </a:solidFill>
+              </a:defRPr>
+            </a:pPr>
+            <a:r>
+              <a:t>従来の課題</a:t>
+            </a:r>
+          </a:p>
+        </p:txBody>
+      </p:sp>
+      <p:sp>
+        <p:nvSpPr>
+          <p:cNvPr id="4" name="TextBox 3"/>
+          <p:cNvSpPr txBox="1"/>
+          <p:nvPr/>
+        </p:nvSpPr>
+        <p:spPr>
+          <a:xfrm>
+            <a:off x="457200" y="1371600"/>
+            <a:ext cx="8229600" cy="365760"/>
+          </a:xfrm>
+          <a:prstGeom prst="rect">
+            <a:avLst/>
+          </a:prstGeom>
+          <a:noFill/>
+        </p:spPr>
+        <p:txBody>
+          <a:bodyPr wrap="square">
+            <a:spAutoFit/>
+          </a:bodyPr>
+          <a:lstStyle/>
+          <a:p>
+            <a:pPr>
+              <a:defRPr sz="1600">
+                <a:solidFill>
+                  <a:srgbClr val="1C2833"/>
+                </a:solidFill>
+              </a:defRPr>
+            </a:pPr>
+            <a:r>
+              <a:t>オントロジーマッピングでは、中間オントロジーを手動で設計する必要があった</a:t>
+            </a:r>
+          </a:p>
+        </p:txBody>
+      </p:sp>
+      <p:sp>
+        <p:nvSpPr>
+          <p:cNvPr id="5" name="TextBox 4"/>
+          <p:cNvSpPr txBox="1"/>
+          <p:nvPr/>
+        </p:nvSpPr>
+        <p:spPr>
+          <a:xfrm>
+            <a:off x="457200" y="1920240"/>
+            <a:ext cx="8229600" cy="365760"/>
+          </a:xfrm>
+          <a:prstGeom prst="rect">
+            <a:avLst/>
+          </a:prstGeom>
+          <a:noFill/>
+        </p:spPr>
+        <p:txBody>
+          <a:bodyPr wrap="none">
+            <a:spAutoFit/>
+          </a:bodyPr>
+          <a:lstStyle/>
+          <a:p>
+            <a:pPr>
+              <a:defRPr sz="2400" b="1">
+                <a:solidFill>
+                  <a:srgbClr val="5EA8A7"/>
+                </a:solidFill>
+              </a:defRPr>
+            </a:pPr>
+            <a:r>
+              <a:t>本システムのアプローチ</a:t>
+            </a:r>
+          </a:p>
+        </p:txBody>
+      </p:sp>
+      <p:sp>
+        <p:nvSpPr>
+          <p:cNvPr id="6" name="TextBox 5"/>
+          <p:cNvSpPr txBox="1"/>
+          <p:nvPr/>
+        </p:nvSpPr>
+        <p:spPr>
+          <a:xfrm>
+            <a:off x="457200" y="2194560"/>
+            <a:ext cx="8229600" cy="822960"/>
+          </a:xfrm>
+          <a:prstGeom prst="rect">
+            <a:avLst/>
+          </a:prstGeom>
+          <a:noFill/>
+        </p:spPr>
+        <p:txBody>
+          <a:bodyPr wrap="square">
+            <a:spAutoFit/>
+          </a:bodyPr>
+          <a:lstStyle/>
+          <a:p>
+            <a:pPr>
+              <a:lnSpc>
+                <a:spcPct val="140000"/>
+              </a:lnSpc>
+              <a:spcBef>
+                <a:spcPts val="600"/>
+              </a:spcBef>
+              <a:defRPr sz="1600">
+                <a:solidFill>
+                  <a:srgbClr val="1C2833"/>
+                </a:solidFill>
+              </a:defRPr>
+            </a:pPr>
+            <a:r>
+              <a:t>• 型充足問題として定式化</a:t>
+            </a:r>
+          </a:p>
+          <a:p>
+            <a:pPr>
+              <a:lnSpc>
+                <a:spcPct val="140000"/>
+              </a:lnSpc>
+              <a:spcBef>
+                <a:spcPts val="600"/>
+              </a:spcBef>
+              <a:defRPr sz="1600">
+                <a:solidFill>
+                  <a:srgbClr val="1C2833"/>
+                </a:solidFill>
+              </a:defRPr>
+            </a:pPr>
+            <a:r>
+              <a:t>• カタログから関数を選択し、自動的に合成</a:t>
+            </a:r>
+          </a:p>
+          <a:p>
+            <a:pPr>
+              <a:lnSpc>
+                <a:spcPct val="140000"/>
+              </a:lnSpc>
+              <a:spcBef>
+                <a:spcPts val="600"/>
+              </a:spcBef>
+              <a:defRPr sz="1600">
+                <a:solidFill>
+                  <a:srgbClr val="1C2833"/>
+                </a:solidFill>
+              </a:defRPr>
+            </a:pPr>
+            <a:r>
+              <a:t>• 複数の中間型を経由するパスも発見可能</a:t>
+            </a:r>
+          </a:p>
+        </p:txBody>
+      </p:sp>
+      <p:sp>
+        <p:nvSpPr>
+          <p:cNvPr id="7" name="TextBox 6"/>
+          <p:cNvSpPr txBox="1"/>
+          <p:nvPr/>
+        </p:nvSpPr>
+        <p:spPr>
+          <a:xfrm>
+            <a:off x="457200" y="3200400"/>
+            <a:ext cx="8229600" cy="365760"/>
+          </a:xfrm>
+          <a:prstGeom prst="rect">
+            <a:avLst/>
+          </a:prstGeom>
+          <a:noFill/>
+        </p:spPr>
+        <p:txBody>
+          <a:bodyPr wrap="none">
+            <a:spAutoFit/>
+          </a:bodyPr>
+          <a:lstStyle/>
+          <a:p>
+            <a:pPr>
+              <a:defRPr sz="2400" b="1">
+                <a:solidFill>
+                  <a:srgbClr val="5EA8A7"/>
+                </a:solidFill>
+              </a:defRPr>
+            </a:pPr>
+            <a:r>
+              <a:t>例</a:t>
+            </a:r>
+          </a:p>
+        </p:txBody>
+      </p:sp>
+      <p:sp>
+        <p:nvSpPr>
+          <p:cNvPr id="8" name="TextBox 7"/>
+          <p:cNvSpPr txBox="1"/>
+          <p:nvPr/>
+        </p:nvSpPr>
+        <p:spPr>
+          <a:xfrm>
+            <a:off x="457200" y="3474720"/>
+            <a:ext cx="8229600" cy="1371600"/>
+          </a:xfrm>
+          <a:prstGeom prst="rect">
+            <a:avLst/>
+          </a:prstGeom>
+          <a:solidFill>
+            <a:srgbClr val="ECF0F1"/>
+          </a:solidFill>
+          <a:ln w="12700">
+            <a:solidFill>
+              <a:srgbClr val="AAB7B8"/>
+            </a:solidFill>
+          </a:ln>
+        </p:spPr>
+        <p:txBody>
+          <a:bodyPr wrap="none" lIns="127000" tIns="127000" rIns="127000" bIns="127000">
+            <a:spAutoFit/>
+          </a:bodyPr>
+          <a:lstStyle/>
+          <a:p>
+            <a:pPr>
+              <a:defRPr sz="1300">
+                <a:solidFill>
+                  <a:srgbClr val="1C2833"/>
+                </a:solidFill>
+                <a:latin typeface="Courier New"/>
+              </a:defRPr>
+            </a:pPr>
+            <a:r>
+              <a:t>Goal: PurchaseAmount -&gt; kg-CO2</a:t>
             </a:r>
           </a:p>
           <a:p/>
           <a:p>
             <a:r>
-              <a:t>型付けルールによる導出:</a:t>
-            </a:r>
-          </a:p>
-          <a:p>
-            <a:pPr lvl="1">
-              <a:defRPr sz="1200">
-                <a:latin typeface="Courier New"/>
-              </a:defRPr>
-            </a:pPr>
-            <a:r>
-              <a:t>Γ ⊢ usesEnergy : Product → Energy</a:t>
-            </a:r>
-          </a:p>
-          <a:p>
-            <a:pPr lvl="1">
-              <a:defRPr sz="1200">
-                <a:latin typeface="Courier New"/>
-              </a:defRPr>
-            </a:pPr>
-            <a:r>
-              <a:t>Γ ⊢ energyToFuelEstimate : Energy → Fuel</a:t>
-            </a:r>
-          </a:p>
-          <a:p>
-            <a:pPr lvl="1">
-              <a:defRPr sz="1200">
-                <a:latin typeface="Courier New"/>
-              </a:defRPr>
-            </a:pPr>
-            <a:r>
-              <a:t>Γ ⊢ fuelToCO2 : Fuel → CO2</a:t>
-            </a:r>
-          </a:p>
-          <a:p>
-            <a:pPr lvl="1">
-              <a:defRPr>
-                <a:latin typeface="Courier New"/>
-              </a:defRPr>
-            </a:pPr>
-            <a:r>
-              <a:t>────────────────────────────────</a:t>
-            </a:r>
-          </a:p>
-          <a:p>
-            <a:pPr lvl="1">
-              <a:defRPr sz="1100">
-                <a:latin typeface="Courier New"/>
-              </a:defRPr>
-            </a:pPr>
-            <a:r>
-              <a:t>Γ ⊢ (fuelToCO2 ∘ energyToFuelEstimate ∘ usesEnergy)</a:t>
-            </a:r>
-          </a:p>
-          <a:p>
-            <a:pPr lvl="1">
-              <a:defRPr sz="1200">
-                <a:latin typeface="Courier New"/>
-              </a:defRPr>
-            </a:pPr>
-            <a:r>
-              <a:t>   : Product → CO2</a:t>
+              <a:t>Path found:</a:t>
+            </a:r>
+          </a:p>
+          <a:p>
+            <a:r>
+              <a:t>PurchaseAmount -&gt; MonetaryValue -&gt; EnergyConsumption -&gt; kg-CO2</a:t>
+            </a:r>
+          </a:p>
+          <a:p/>
+          <a:p>
+            <a:r>
+              <a:t>Functions:</a:t>
+            </a:r>
+          </a:p>
+          <a:p>
+            <a:r>
+              <a:t>  purchaseToMonetary : PurchaseAmount -&gt; MonetaryValue</a:t>
+            </a:r>
+          </a:p>
+          <a:p>
+            <a:r>
+              <a:t>  monetaryToEnergy   : MonetaryValue -&gt; EnergyConsumption</a:t>
+            </a:r>
+          </a:p>
+          <a:p>
+            <a:r>
+              <a:t>  energyToEmissions  : EnergyConsumption -&gt; kg-CO2</a:t>
             </a:r>
           </a:p>
         </p:txBody>
@@ -5662,6 +10500,14 @@
 <file path=ppt/slides/slide8.xml><?xml version="1.0" encoding="utf-8"?>
 <p:sld xmlns:a="http://schemas.openxmlformats.org/drawingml/2006/main" xmlns:p="http://schemas.openxmlformats.org/presentationml/2006/main" xmlns:r="http://schemas.openxmlformats.org/officeDocument/2006/relationships">
   <p:cSld>
+    <p:bg>
+      <p:bgPr>
+        <a:solidFill>
+          <a:srgbClr val="2E4053"/>
+        </a:solidFill>
+        <a:effectLst/>
+      </p:bgPr>
+    </p:bg>
     <p:spTree>
       <p:nvGrpSpPr>
         <p:cNvPr id="1" name=""/>
@@ -5671,102 +10517,70 @@
       <p:grpSpPr/>
       <p:sp>
         <p:nvSpPr>
-          <p:cNvPr id="2" name="Title 1"/>
-          <p:cNvSpPr>
-            <a:spLocks noGrp="1"/>
-          </p:cNvSpPr>
-          <p:nvPr>
-            <p:ph type="title"/>
-          </p:nvPr>
-        </p:nvSpPr>
-        <p:spPr/>
-        <p:txBody>
-          <a:bodyPr/>
-          <a:lstStyle/>
-          <a:p>
-            <a:r>
-              <a:t>1.3 中間型の自動発見</a:t>
-            </a:r>
-          </a:p>
-        </p:txBody>
-      </p:sp>
-      <p:sp>
-        <p:nvSpPr>
-          <p:cNvPr id="3" name="Content Placeholder 2"/>
-          <p:cNvSpPr>
-            <a:spLocks noGrp="1"/>
-          </p:cNvSpPr>
-          <p:nvPr>
-            <p:ph idx="1"/>
-          </p:nvPr>
-        </p:nvSpPr>
-        <p:spPr/>
-        <p:txBody>
-          <a:bodyPr/>
-          <a:lstStyle/>
-          <a:p>
-            <a:r>
-              <a:t>探索の過程で「隠れたブリッジ概念」が出現</a:t>
-            </a:r>
-          </a:p>
-          <a:p/>
-          <a:p>
-            <a:pPr>
-              <a:defRPr sz="1400"/>
-            </a:pPr>
-            <a:r>
-              <a:t>初期状態: Product と CO2 の直接的な関係は不明</a:t>
-            </a:r>
-          </a:p>
-          <a:p/>
-          <a:p>
-            <a:pPr>
-              <a:defRPr b="1"/>
-            </a:pPr>
-            <a:r>
-              <a:t>探索プロセス:</a:t>
-            </a:r>
-          </a:p>
-          <a:p>
-            <a:pPr lvl="1"/>
-            <a:r>
-              <a:t>1. CO2 を生成する関数は？</a:t>
-            </a:r>
-          </a:p>
-          <a:p>
-            <a:pPr lvl="2">
-              <a:defRPr b="1"/>
-            </a:pPr>
-            <a:r>
-              <a:t>→ fuelToCO2 発見 → Fuel が中間型として出現</a:t>
-            </a:r>
-          </a:p>
-          <a:p>
-            <a:pPr lvl="1"/>
-            <a:r>
-              <a:t>2. Fuel を生成する関数は？</a:t>
-            </a:r>
-          </a:p>
-          <a:p>
-            <a:pPr lvl="2">
-              <a:defRPr b="1"/>
-            </a:pPr>
-            <a:r>
-              <a:t>→ energyToFuelEstimate 発見 → Energy が出現</a:t>
-            </a:r>
-          </a:p>
-          <a:p>
-            <a:pPr lvl="1"/>
-            <a:r>
-              <a:t>3. Product から Energy への変換は？</a:t>
-            </a:r>
-          </a:p>
-          <a:p>
-            <a:pPr lvl="2">
-              <a:defRPr b="1"/>
-            </a:pPr>
-            <a:r>
-              <a:t>→ usesEnergy 発見 → 完全なパスが構築</a:t>
+          <p:cNvPr id="2" name="TextBox 1"/>
+          <p:cNvSpPr txBox="1"/>
+          <p:nvPr/>
+        </p:nvSpPr>
+        <p:spPr>
+          <a:xfrm>
+            <a:off x="914400" y="1828800"/>
+            <a:ext cx="7315200" cy="914400"/>
+          </a:xfrm>
+          <a:prstGeom prst="rect">
+            <a:avLst/>
+          </a:prstGeom>
+          <a:noFill/>
+        </p:spPr>
+        <p:txBody>
+          <a:bodyPr wrap="none">
+            <a:spAutoFit/>
+          </a:bodyPr>
+          <a:lstStyle/>
+          <a:p>
+            <a:pPr algn="ctr">
+              <a:defRPr sz="4000" b="1">
+                <a:solidFill>
+                  <a:srgbClr val="F4F6F6"/>
+                </a:solidFill>
+              </a:defRPr>
+            </a:pPr>
+            <a:r>
+              <a:t>第2部：YAMLベースの実装</a:t>
+            </a:r>
+          </a:p>
+        </p:txBody>
+      </p:sp>
+      <p:sp>
+        <p:nvSpPr>
+          <p:cNvPr id="3" name="TextBox 2"/>
+          <p:cNvSpPr txBox="1"/>
+          <p:nvPr/>
+        </p:nvSpPr>
+        <p:spPr>
+          <a:xfrm>
+            <a:off x="914400" y="2926080"/>
+            <a:ext cx="7315200" cy="457200"/>
+          </a:xfrm>
+          <a:prstGeom prst="rect">
+            <a:avLst/>
+          </a:prstGeom>
+          <a:noFill/>
+        </p:spPr>
+        <p:txBody>
+          <a:bodyPr wrap="none">
+            <a:spAutoFit/>
+          </a:bodyPr>
+          <a:lstStyle/>
+          <a:p>
+            <a:pPr algn="ctr">
+              <a:defRPr sz="2000">
+                <a:solidFill>
+                  <a:srgbClr val="5EA8A7"/>
+                </a:solidFill>
+              </a:defRPr>
+            </a:pPr>
+            <a:r>
+              <a:t>簡易DSLによる探索システム</a:t>
             </a:r>
           </a:p>
         </p:txBody>
@@ -5782,6 +10596,14 @@
 <file path=ppt/slides/slide9.xml><?xml version="1.0" encoding="utf-8"?>
 <p:sld xmlns:a="http://schemas.openxmlformats.org/drawingml/2006/main" xmlns:p="http://schemas.openxmlformats.org/presentationml/2006/main" xmlns:r="http://schemas.openxmlformats.org/officeDocument/2006/relationships">
   <p:cSld>
+    <p:bg>
+      <p:bgPr>
+        <a:solidFill>
+          <a:srgbClr val="F4F6F6"/>
+        </a:solidFill>
+        <a:effectLst/>
+      </p:bgPr>
+    </p:bg>
     <p:spTree>
       <p:nvGrpSpPr>
         <p:cNvPr id="1" name=""/>
@@ -5791,42 +10613,291 @@
       <p:grpSpPr/>
       <p:sp>
         <p:nvSpPr>
-          <p:cNvPr id="2" name="Title 1"/>
-          <p:cNvSpPr>
-            <a:spLocks noGrp="1"/>
-          </p:cNvSpPr>
-          <p:nvPr>
-            <p:ph type="title"/>
-          </p:nvPr>
-        </p:nvSpPr>
-        <p:spPr/>
-        <p:txBody>
-          <a:bodyPr/>
-          <a:lstStyle/>
-          <a:p>
-            <a:r>
-              <a:t>2. YAMLベースの実装</a:t>
-            </a:r>
-          </a:p>
-        </p:txBody>
-      </p:sp>
-      <p:sp>
-        <p:nvSpPr>
-          <p:cNvPr id="3" name="Content Placeholder 2"/>
-          <p:cNvSpPr>
-            <a:spLocks noGrp="1"/>
-          </p:cNvSpPr>
-          <p:nvPr>
-            <p:ph idx="1"/>
-          </p:nvPr>
-        </p:nvSpPr>
-        <p:spPr/>
-        <p:txBody>
-          <a:bodyPr/>
-          <a:lstStyle/>
-          <a:p>
-            <a:r>
-              <a:t>プロトタイプ実装による概念実証</a:t>
+          <p:cNvPr id="2" name="TextBox 1"/>
+          <p:cNvSpPr txBox="1"/>
+          <p:nvPr/>
+        </p:nvSpPr>
+        <p:spPr>
+          <a:xfrm>
+            <a:off x="457200" y="274320"/>
+            <a:ext cx="8229600" cy="548640"/>
+          </a:xfrm>
+          <a:prstGeom prst="rect">
+            <a:avLst/>
+          </a:prstGeom>
+          <a:noFill/>
+        </p:spPr>
+        <p:txBody>
+          <a:bodyPr wrap="none">
+            <a:spAutoFit/>
+          </a:bodyPr>
+          <a:lstStyle/>
+          <a:p>
+            <a:pPr>
+              <a:defRPr sz="3200" b="1">
+                <a:solidFill>
+                  <a:srgbClr val="1C2833"/>
+                </a:solidFill>
+              </a:defRPr>
+            </a:pPr>
+            <a:r>
+              <a:t>YAMLカタログ定義</a:t>
+            </a:r>
+          </a:p>
+        </p:txBody>
+      </p:sp>
+      <p:sp>
+        <p:nvSpPr>
+          <p:cNvPr id="3" name="TextBox 2"/>
+          <p:cNvSpPr txBox="1"/>
+          <p:nvPr/>
+        </p:nvSpPr>
+        <p:spPr>
+          <a:xfrm>
+            <a:off x="457200" y="1097280"/>
+            <a:ext cx="8229600" cy="365760"/>
+          </a:xfrm>
+          <a:prstGeom prst="rect">
+            <a:avLst/>
+          </a:prstGeom>
+          <a:noFill/>
+        </p:spPr>
+        <p:txBody>
+          <a:bodyPr wrap="none">
+            <a:spAutoFit/>
+          </a:bodyPr>
+          <a:lstStyle/>
+          <a:p>
+            <a:pPr>
+              <a:defRPr sz="2400" b="1">
+                <a:solidFill>
+                  <a:srgbClr val="5EA8A7"/>
+                </a:solidFill>
+              </a:defRPr>
+            </a:pPr>
+            <a:r>
+              <a:t>構造</a:t>
+            </a:r>
+          </a:p>
+        </p:txBody>
+      </p:sp>
+      <p:sp>
+        <p:nvSpPr>
+          <p:cNvPr id="4" name="TextBox 3"/>
+          <p:cNvSpPr txBox="1"/>
+          <p:nvPr/>
+        </p:nvSpPr>
+        <p:spPr>
+          <a:xfrm>
+            <a:off x="457200" y="1371600"/>
+            <a:ext cx="8229600" cy="1828800"/>
+          </a:xfrm>
+          <a:prstGeom prst="rect">
+            <a:avLst/>
+          </a:prstGeom>
+          <a:solidFill>
+            <a:srgbClr val="ECF0F1"/>
+          </a:solidFill>
+          <a:ln w="12700">
+            <a:solidFill>
+              <a:srgbClr val="AAB7B8"/>
+            </a:solidFill>
+          </a:ln>
+        </p:spPr>
+        <p:txBody>
+          <a:bodyPr wrap="none" lIns="127000" tIns="127000" rIns="127000" bIns="127000">
+            <a:spAutoFit/>
+          </a:bodyPr>
+          <a:lstStyle/>
+          <a:p>
+            <a:pPr>
+              <a:defRPr sz="1300">
+                <a:solidFill>
+                  <a:srgbClr val="1C2833"/>
+                </a:solidFill>
+                <a:latin typeface="Courier New"/>
+              </a:defRPr>
+            </a:pPr>
+            <a:r>
+              <a:t>types:</a:t>
+            </a:r>
+          </a:p>
+          <a:p>
+            <a:r>
+              <a:t>  - name: MonetaryValue</a:t>
+            </a:r>
+          </a:p>
+          <a:p>
+            <a:r>
+              <a:t>    unit: JPY</a:t>
+            </a:r>
+          </a:p>
+          <a:p>
+            <a:r>
+              <a:t>  - name: EnergyConsumption</a:t>
+            </a:r>
+          </a:p>
+          <a:p>
+            <a:r>
+              <a:t>    unit: kWh</a:t>
+            </a:r>
+          </a:p>
+          <a:p/>
+          <a:p>
+            <a:r>
+              <a:t>functions:</a:t>
+            </a:r>
+          </a:p>
+          <a:p>
+            <a:r>
+              <a:t>  - name: purchaseToEnergy</a:t>
+            </a:r>
+          </a:p>
+          <a:p>
+            <a:r>
+              <a:t>    source: MonetaryValue</a:t>
+            </a:r>
+          </a:p>
+          <a:p>
+            <a:r>
+              <a:t>    target: EnergyConsumption</a:t>
+            </a:r>
+          </a:p>
+          <a:p>
+            <a:r>
+              <a:t>    cost: 0.5</a:t>
+            </a:r>
+          </a:p>
+          <a:p>
+            <a:r>
+              <a:t>    confidence: 0.9</a:t>
+            </a:r>
+          </a:p>
+          <a:p>
+            <a:r>
+              <a:t>    implementation:</a:t>
+            </a:r>
+          </a:p>
+          <a:p>
+            <a:r>
+              <a:t>      type: formula</a:t>
+            </a:r>
+          </a:p>
+          <a:p>
+            <a:r>
+              <a:t>      expr: "x * 0.002"</a:t>
+            </a:r>
+          </a:p>
+        </p:txBody>
+      </p:sp>
+      <p:sp>
+        <p:nvSpPr>
+          <p:cNvPr id="5" name="TextBox 4"/>
+          <p:cNvSpPr txBox="1"/>
+          <p:nvPr/>
+        </p:nvSpPr>
+        <p:spPr>
+          <a:xfrm>
+            <a:off x="457200" y="3383280"/>
+            <a:ext cx="8229600" cy="365760"/>
+          </a:xfrm>
+          <a:prstGeom prst="rect">
+            <a:avLst/>
+          </a:prstGeom>
+          <a:noFill/>
+        </p:spPr>
+        <p:txBody>
+          <a:bodyPr wrap="none">
+            <a:spAutoFit/>
+          </a:bodyPr>
+          <a:lstStyle/>
+          <a:p>
+            <a:pPr>
+              <a:defRPr sz="2400" b="1">
+                <a:solidFill>
+                  <a:srgbClr val="5EA8A7"/>
+                </a:solidFill>
+              </a:defRPr>
+            </a:pPr>
+            <a:r>
+              <a:t>特徴</a:t>
+            </a:r>
+          </a:p>
+        </p:txBody>
+      </p:sp>
+      <p:sp>
+        <p:nvSpPr>
+          <p:cNvPr id="6" name="TextBox 5"/>
+          <p:cNvSpPr txBox="1"/>
+          <p:nvPr/>
+        </p:nvSpPr>
+        <p:spPr>
+          <a:xfrm>
+            <a:off x="457200" y="3657600"/>
+            <a:ext cx="8229600" cy="822960"/>
+          </a:xfrm>
+          <a:prstGeom prst="rect">
+            <a:avLst/>
+          </a:prstGeom>
+          <a:noFill/>
+        </p:spPr>
+        <p:txBody>
+          <a:bodyPr wrap="square">
+            <a:spAutoFit/>
+          </a:bodyPr>
+          <a:lstStyle/>
+          <a:p>
+            <a:pPr>
+              <a:lnSpc>
+                <a:spcPct val="140000"/>
+              </a:lnSpc>
+              <a:spcBef>
+                <a:spcPts val="600"/>
+              </a:spcBef>
+              <a:defRPr sz="1600">
+                <a:solidFill>
+                  <a:srgbClr val="1C2833"/>
+                </a:solidFill>
+              </a:defRPr>
+            </a:pPr>
+            <a:r>
+              <a:t>• 人間が読みやすい宣言的記述</a:t>
+            </a:r>
+          </a:p>
+          <a:p>
+            <a:pPr>
+              <a:lnSpc>
+                <a:spcPct val="140000"/>
+              </a:lnSpc>
+              <a:spcBef>
+                <a:spcPts val="600"/>
+              </a:spcBef>
+              <a:defRPr sz="1600">
+                <a:solidFill>
+                  <a:srgbClr val="1C2833"/>
+                </a:solidFill>
+              </a:defRPr>
+            </a:pPr>
+            <a:r>
+              <a:t>• 型、関数、コスト、信頼度を明示</a:t>
+            </a:r>
+          </a:p>
+          <a:p>
+            <a:pPr>
+              <a:lnSpc>
+                <a:spcPct val="140000"/>
+              </a:lnSpc>
+              <a:spcBef>
+                <a:spcPts val="600"/>
+              </a:spcBef>
+              <a:defRPr sz="1600">
+                <a:solidFill>
+                  <a:srgbClr val="1C2833"/>
+                </a:solidFill>
+              </a:defRPr>
+            </a:pPr>
+            <a:r>
+              <a:t>• 実装方法（formula/SPARQL/REST）を指定可能</a:t>
             </a:r>
           </a:p>
         </p:txBody>
